--- a/Transfer Report/figures.pptx
+++ b/Transfer Report/figures.pptx
@@ -2,19 +2,21 @@
 <file path=ppt/presentation.xml><?xml version="1.0" encoding="utf-8"?>
 <p:presentation xmlns:a="http://schemas.openxmlformats.org/drawingml/2006/main" xmlns:r="http://schemas.openxmlformats.org/officeDocument/2006/relationships" xmlns:p="http://schemas.openxmlformats.org/presentationml/2006/main" saveSubsetFonts="1">
   <p:sldMasterIdLst>
-    <p:sldMasterId id="2147483648" r:id="rId1"/>
+    <p:sldMasterId id="2147483660" r:id="rId1"/>
   </p:sldMasterIdLst>
   <p:sldIdLst>
     <p:sldId id="256" r:id="rId2"/>
     <p:sldId id="257" r:id="rId3"/>
+    <p:sldId id="258" r:id="rId4"/>
+    <p:sldId id="259" r:id="rId5"/>
   </p:sldIdLst>
-  <p:sldSz cx="12192000" cy="6858000"/>
+  <p:sldSz cx="15119350" cy="10691813"/>
   <p:notesSz cx="6858000" cy="9144000"/>
   <p:defaultTextStyle>
     <a:defPPr>
       <a:defRPr lang="en-US"/>
     </a:defPPr>
-    <a:lvl1pPr marL="0" algn="l" defTabSz="914400" rtl="0" eaLnBrk="1" latinLnBrk="0" hangingPunct="1">
+    <a:lvl1pPr marL="0" algn="l" defTabSz="457200" rtl="0" eaLnBrk="1" latinLnBrk="0" hangingPunct="1">
       <a:defRPr sz="1800" kern="1200">
         <a:solidFill>
           <a:schemeClr val="tx1"/>
@@ -24,7 +26,7 @@
         <a:cs typeface="+mn-cs"/>
       </a:defRPr>
     </a:lvl1pPr>
-    <a:lvl2pPr marL="457200" algn="l" defTabSz="914400" rtl="0" eaLnBrk="1" latinLnBrk="0" hangingPunct="1">
+    <a:lvl2pPr marL="457200" algn="l" defTabSz="457200" rtl="0" eaLnBrk="1" latinLnBrk="0" hangingPunct="1">
       <a:defRPr sz="1800" kern="1200">
         <a:solidFill>
           <a:schemeClr val="tx1"/>
@@ -34,7 +36,7 @@
         <a:cs typeface="+mn-cs"/>
       </a:defRPr>
     </a:lvl2pPr>
-    <a:lvl3pPr marL="914400" algn="l" defTabSz="914400" rtl="0" eaLnBrk="1" latinLnBrk="0" hangingPunct="1">
+    <a:lvl3pPr marL="914400" algn="l" defTabSz="457200" rtl="0" eaLnBrk="1" latinLnBrk="0" hangingPunct="1">
       <a:defRPr sz="1800" kern="1200">
         <a:solidFill>
           <a:schemeClr val="tx1"/>
@@ -44,7 +46,7 @@
         <a:cs typeface="+mn-cs"/>
       </a:defRPr>
     </a:lvl3pPr>
-    <a:lvl4pPr marL="1371600" algn="l" defTabSz="914400" rtl="0" eaLnBrk="1" latinLnBrk="0" hangingPunct="1">
+    <a:lvl4pPr marL="1371600" algn="l" defTabSz="457200" rtl="0" eaLnBrk="1" latinLnBrk="0" hangingPunct="1">
       <a:defRPr sz="1800" kern="1200">
         <a:solidFill>
           <a:schemeClr val="tx1"/>
@@ -54,7 +56,7 @@
         <a:cs typeface="+mn-cs"/>
       </a:defRPr>
     </a:lvl4pPr>
-    <a:lvl5pPr marL="1828800" algn="l" defTabSz="914400" rtl="0" eaLnBrk="1" latinLnBrk="0" hangingPunct="1">
+    <a:lvl5pPr marL="1828800" algn="l" defTabSz="457200" rtl="0" eaLnBrk="1" latinLnBrk="0" hangingPunct="1">
       <a:defRPr sz="1800" kern="1200">
         <a:solidFill>
           <a:schemeClr val="tx1"/>
@@ -64,7 +66,7 @@
         <a:cs typeface="+mn-cs"/>
       </a:defRPr>
     </a:lvl5pPr>
-    <a:lvl6pPr marL="2286000" algn="l" defTabSz="914400" rtl="0" eaLnBrk="1" latinLnBrk="0" hangingPunct="1">
+    <a:lvl6pPr marL="2286000" algn="l" defTabSz="457200" rtl="0" eaLnBrk="1" latinLnBrk="0" hangingPunct="1">
       <a:defRPr sz="1800" kern="1200">
         <a:solidFill>
           <a:schemeClr val="tx1"/>
@@ -74,7 +76,7 @@
         <a:cs typeface="+mn-cs"/>
       </a:defRPr>
     </a:lvl6pPr>
-    <a:lvl7pPr marL="2743200" algn="l" defTabSz="914400" rtl="0" eaLnBrk="1" latinLnBrk="0" hangingPunct="1">
+    <a:lvl7pPr marL="2743200" algn="l" defTabSz="457200" rtl="0" eaLnBrk="1" latinLnBrk="0" hangingPunct="1">
       <a:defRPr sz="1800" kern="1200">
         <a:solidFill>
           <a:schemeClr val="tx1"/>
@@ -84,7 +86,7 @@
         <a:cs typeface="+mn-cs"/>
       </a:defRPr>
     </a:lvl7pPr>
-    <a:lvl8pPr marL="3200400" algn="l" defTabSz="914400" rtl="0" eaLnBrk="1" latinLnBrk="0" hangingPunct="1">
+    <a:lvl8pPr marL="3200400" algn="l" defTabSz="457200" rtl="0" eaLnBrk="1" latinLnBrk="0" hangingPunct="1">
       <a:defRPr sz="1800" kern="1200">
         <a:solidFill>
           <a:schemeClr val="tx1"/>
@@ -94,7 +96,7 @@
         <a:cs typeface="+mn-cs"/>
       </a:defRPr>
     </a:lvl8pPr>
-    <a:lvl9pPr marL="3657600" algn="l" defTabSz="914400" rtl="0" eaLnBrk="1" latinLnBrk="0" hangingPunct="1">
+    <a:lvl9pPr marL="3657600" algn="l" defTabSz="457200" rtl="0" eaLnBrk="1" latinLnBrk="0" hangingPunct="1">
       <a:defRPr sz="1800" kern="1200">
         <a:solidFill>
           <a:schemeClr val="tx1"/>
@@ -105,6 +107,11 @@
       </a:defRPr>
     </a:lvl9pPr>
   </p:defaultTextStyle>
+  <p:extLst>
+    <p:ext uri="{EFAFB233-063F-42B5-8137-9DF3F51BA10A}">
+      <p15:sldGuideLst xmlns:p15="http://schemas.microsoft.com/office/powerpoint/2012/main"/>
+    </p:ext>
+  </p:extLst>
 </p:presentation>
 </file>
 
@@ -127,13 +134,7 @@
       </p:grpSpPr>
       <p:sp>
         <p:nvSpPr>
-          <p:cNvPr id="2" name="Title 1">
-            <a:extLst>
-              <a:ext uri="{FF2B5EF4-FFF2-40B4-BE49-F238E27FC236}">
-                <a16:creationId xmlns:a16="http://schemas.microsoft.com/office/drawing/2014/main" id="{881E2C52-9FB2-43F3-B55D-49688657AB68}"/>
-              </a:ext>
-            </a:extLst>
-          </p:cNvPr>
+          <p:cNvPr id="2" name="Title 1"/>
           <p:cNvSpPr>
             <a:spLocks noGrp="1"/>
           </p:cNvSpPr>
@@ -143,15 +144,15 @@
         </p:nvSpPr>
         <p:spPr>
           <a:xfrm>
-            <a:off x="1524000" y="1122363"/>
-            <a:ext cx="9144000" cy="2387600"/>
+            <a:off x="1133951" y="1749795"/>
+            <a:ext cx="12851448" cy="3722335"/>
           </a:xfrm>
         </p:spPr>
         <p:txBody>
           <a:bodyPr anchor="b"/>
           <a:lstStyle>
             <a:lvl1pPr algn="ctr">
-              <a:defRPr sz="6000"/>
+              <a:defRPr sz="9354"/>
             </a:lvl1pPr>
           </a:lstStyle>
           <a:p>
@@ -159,19 +160,13 @@
               <a:rPr lang="en-US"/>
               <a:t>Click to edit Master title style</a:t>
             </a:r>
-            <a:endParaRPr lang="en-GB"/>
-          </a:p>
-        </p:txBody>
-      </p:sp>
-      <p:sp>
-        <p:nvSpPr>
-          <p:cNvPr id="3" name="Subtitle 2">
-            <a:extLst>
-              <a:ext uri="{FF2B5EF4-FFF2-40B4-BE49-F238E27FC236}">
-                <a16:creationId xmlns:a16="http://schemas.microsoft.com/office/drawing/2014/main" id="{AD28CAD2-C51A-4E69-88AA-DE07A295BC72}"/>
-              </a:ext>
-            </a:extLst>
-          </p:cNvPr>
+            <a:endParaRPr lang="en-US" dirty="0"/>
+          </a:p>
+        </p:txBody>
+      </p:sp>
+      <p:sp>
+        <p:nvSpPr>
+          <p:cNvPr id="3" name="Subtitle 2"/>
           <p:cNvSpPr>
             <a:spLocks noGrp="1"/>
           </p:cNvSpPr>
@@ -181,8 +176,8 @@
         </p:nvSpPr>
         <p:spPr>
           <a:xfrm>
-            <a:off x="1524000" y="3602038"/>
-            <a:ext cx="9144000" cy="1655762"/>
+            <a:off x="1889919" y="5615678"/>
+            <a:ext cx="11339513" cy="2581379"/>
           </a:xfrm>
         </p:spPr>
         <p:txBody>
@@ -190,39 +185,39 @@
           <a:lstStyle>
             <a:lvl1pPr marL="0" indent="0" algn="ctr">
               <a:buNone/>
-              <a:defRPr sz="2400"/>
+              <a:defRPr sz="3742"/>
             </a:lvl1pPr>
-            <a:lvl2pPr marL="457200" indent="0" algn="ctr">
+            <a:lvl2pPr marL="712775" indent="0" algn="ctr">
               <a:buNone/>
-              <a:defRPr sz="2000"/>
+              <a:defRPr sz="3118"/>
             </a:lvl2pPr>
-            <a:lvl3pPr marL="914400" indent="0" algn="ctr">
+            <a:lvl3pPr marL="1425550" indent="0" algn="ctr">
               <a:buNone/>
-              <a:defRPr sz="1800"/>
+              <a:defRPr sz="2806"/>
             </a:lvl3pPr>
-            <a:lvl4pPr marL="1371600" indent="0" algn="ctr">
+            <a:lvl4pPr marL="2138324" indent="0" algn="ctr">
               <a:buNone/>
-              <a:defRPr sz="1600"/>
+              <a:defRPr sz="2494"/>
             </a:lvl4pPr>
-            <a:lvl5pPr marL="1828800" indent="0" algn="ctr">
+            <a:lvl5pPr marL="2851099" indent="0" algn="ctr">
               <a:buNone/>
-              <a:defRPr sz="1600"/>
+              <a:defRPr sz="2494"/>
             </a:lvl5pPr>
-            <a:lvl6pPr marL="2286000" indent="0" algn="ctr">
+            <a:lvl6pPr marL="3563874" indent="0" algn="ctr">
               <a:buNone/>
-              <a:defRPr sz="1600"/>
+              <a:defRPr sz="2494"/>
             </a:lvl6pPr>
-            <a:lvl7pPr marL="2743200" indent="0" algn="ctr">
+            <a:lvl7pPr marL="4276649" indent="0" algn="ctr">
               <a:buNone/>
-              <a:defRPr sz="1600"/>
+              <a:defRPr sz="2494"/>
             </a:lvl7pPr>
-            <a:lvl8pPr marL="3200400" indent="0" algn="ctr">
+            <a:lvl8pPr marL="4989424" indent="0" algn="ctr">
               <a:buNone/>
-              <a:defRPr sz="1600"/>
+              <a:defRPr sz="2494"/>
             </a:lvl8pPr>
-            <a:lvl9pPr marL="3657600" indent="0" algn="ctr">
+            <a:lvl9pPr marL="5702198" indent="0" algn="ctr">
               <a:buNone/>
-              <a:defRPr sz="1600"/>
+              <a:defRPr sz="2494"/>
             </a:lvl9pPr>
           </a:lstStyle>
           <a:p>
@@ -230,19 +225,13 @@
               <a:rPr lang="en-US"/>
               <a:t>Click to edit Master subtitle style</a:t>
             </a:r>
-            <a:endParaRPr lang="en-GB"/>
-          </a:p>
-        </p:txBody>
-      </p:sp>
-      <p:sp>
-        <p:nvSpPr>
-          <p:cNvPr id="4" name="Date Placeholder 3">
-            <a:extLst>
-              <a:ext uri="{FF2B5EF4-FFF2-40B4-BE49-F238E27FC236}">
-                <a16:creationId xmlns:a16="http://schemas.microsoft.com/office/drawing/2014/main" id="{F2D338AD-D33D-43FD-8844-C874EF2ACC44}"/>
-              </a:ext>
-            </a:extLst>
-          </p:cNvPr>
+            <a:endParaRPr lang="en-US" dirty="0"/>
+          </a:p>
+        </p:txBody>
+      </p:sp>
+      <p:sp>
+        <p:nvSpPr>
+          <p:cNvPr id="4" name="Date Placeholder 3"/>
           <p:cNvSpPr>
             <a:spLocks noGrp="1"/>
           </p:cNvSpPr>
@@ -257,7 +246,7 @@
           <a:p>
             <a:fld id="{A03881B1-0A11-470F-8EE9-80F8B523F300}" type="datetimeFigureOut">
               <a:rPr lang="en-GB" smtClean="0"/>
-              <a:t>20/03/2019</a:t>
+              <a:t>08/05/2019</a:t>
             </a:fld>
             <a:endParaRPr lang="en-GB"/>
           </a:p>
@@ -265,13 +254,7 @@
       </p:sp>
       <p:sp>
         <p:nvSpPr>
-          <p:cNvPr id="5" name="Footer Placeholder 4">
-            <a:extLst>
-              <a:ext uri="{FF2B5EF4-FFF2-40B4-BE49-F238E27FC236}">
-                <a16:creationId xmlns:a16="http://schemas.microsoft.com/office/drawing/2014/main" id="{DDD1CC7C-D050-44F9-AC95-B2859B26A4A6}"/>
-              </a:ext>
-            </a:extLst>
-          </p:cNvPr>
+          <p:cNvPr id="5" name="Footer Placeholder 4"/>
           <p:cNvSpPr>
             <a:spLocks noGrp="1"/>
           </p:cNvSpPr>
@@ -290,13 +273,7 @@
       </p:sp>
       <p:sp>
         <p:nvSpPr>
-          <p:cNvPr id="6" name="Slide Number Placeholder 5">
-            <a:extLst>
-              <a:ext uri="{FF2B5EF4-FFF2-40B4-BE49-F238E27FC236}">
-                <a16:creationId xmlns:a16="http://schemas.microsoft.com/office/drawing/2014/main" id="{5D9A1EBF-9A50-4424-8443-7B4F40AD9610}"/>
-              </a:ext>
-            </a:extLst>
-          </p:cNvPr>
+          <p:cNvPr id="6" name="Slide Number Placeholder 5"/>
           <p:cNvSpPr>
             <a:spLocks noGrp="1"/>
           </p:cNvSpPr>
@@ -320,7 +297,7 @@
     </p:spTree>
     <p:extLst>
       <p:ext uri="{BB962C8B-B14F-4D97-AF65-F5344CB8AC3E}">
-        <p14:creationId xmlns:p14="http://schemas.microsoft.com/office/powerpoint/2010/main" val="1182932862"/>
+        <p14:creationId xmlns:p14="http://schemas.microsoft.com/office/powerpoint/2010/main" val="3310564340"/>
       </p:ext>
     </p:extLst>
   </p:cSld>
@@ -349,13 +326,7 @@
       </p:grpSpPr>
       <p:sp>
         <p:nvSpPr>
-          <p:cNvPr id="2" name="Title 1">
-            <a:extLst>
-              <a:ext uri="{FF2B5EF4-FFF2-40B4-BE49-F238E27FC236}">
-                <a16:creationId xmlns:a16="http://schemas.microsoft.com/office/drawing/2014/main" id="{1B4C71BD-68DB-4400-AA5C-AEC92DC3E733}"/>
-              </a:ext>
-            </a:extLst>
-          </p:cNvPr>
+          <p:cNvPr id="2" name="Title 1"/>
           <p:cNvSpPr>
             <a:spLocks noGrp="1"/>
           </p:cNvSpPr>
@@ -372,19 +343,13 @@
               <a:rPr lang="en-US"/>
               <a:t>Click to edit Master title style</a:t>
             </a:r>
-            <a:endParaRPr lang="en-GB"/>
-          </a:p>
-        </p:txBody>
-      </p:sp>
-      <p:sp>
-        <p:nvSpPr>
-          <p:cNvPr id="3" name="Vertical Text Placeholder 2">
-            <a:extLst>
-              <a:ext uri="{FF2B5EF4-FFF2-40B4-BE49-F238E27FC236}">
-                <a16:creationId xmlns:a16="http://schemas.microsoft.com/office/drawing/2014/main" id="{2402D359-73D0-4F26-968D-B880628A64E9}"/>
-              </a:ext>
-            </a:extLst>
-          </p:cNvPr>
+            <a:endParaRPr lang="en-US" dirty="0"/>
+          </a:p>
+        </p:txBody>
+      </p:sp>
+      <p:sp>
+        <p:nvSpPr>
+          <p:cNvPr id="3" name="Vertical Text Placeholder 2"/>
           <p:cNvSpPr>
             <a:spLocks noGrp="1"/>
           </p:cNvSpPr>
@@ -430,19 +395,13 @@
               <a:rPr lang="en-US"/>
               <a:t>Fifth level</a:t>
             </a:r>
-            <a:endParaRPr lang="en-GB"/>
-          </a:p>
-        </p:txBody>
-      </p:sp>
-      <p:sp>
-        <p:nvSpPr>
-          <p:cNvPr id="4" name="Date Placeholder 3">
-            <a:extLst>
-              <a:ext uri="{FF2B5EF4-FFF2-40B4-BE49-F238E27FC236}">
-                <a16:creationId xmlns:a16="http://schemas.microsoft.com/office/drawing/2014/main" id="{FA85C67D-8A07-461F-A559-0F8EEE8060C3}"/>
-              </a:ext>
-            </a:extLst>
-          </p:cNvPr>
+            <a:endParaRPr lang="en-US" dirty="0"/>
+          </a:p>
+        </p:txBody>
+      </p:sp>
+      <p:sp>
+        <p:nvSpPr>
+          <p:cNvPr id="4" name="Date Placeholder 3"/>
           <p:cNvSpPr>
             <a:spLocks noGrp="1"/>
           </p:cNvSpPr>
@@ -457,7 +416,7 @@
           <a:p>
             <a:fld id="{A03881B1-0A11-470F-8EE9-80F8B523F300}" type="datetimeFigureOut">
               <a:rPr lang="en-GB" smtClean="0"/>
-              <a:t>20/03/2019</a:t>
+              <a:t>08/05/2019</a:t>
             </a:fld>
             <a:endParaRPr lang="en-GB"/>
           </a:p>
@@ -465,13 +424,7 @@
       </p:sp>
       <p:sp>
         <p:nvSpPr>
-          <p:cNvPr id="5" name="Footer Placeholder 4">
-            <a:extLst>
-              <a:ext uri="{FF2B5EF4-FFF2-40B4-BE49-F238E27FC236}">
-                <a16:creationId xmlns:a16="http://schemas.microsoft.com/office/drawing/2014/main" id="{B24B59BB-2413-463D-8CDE-64F13FE21EE1}"/>
-              </a:ext>
-            </a:extLst>
-          </p:cNvPr>
+          <p:cNvPr id="5" name="Footer Placeholder 4"/>
           <p:cNvSpPr>
             <a:spLocks noGrp="1"/>
           </p:cNvSpPr>
@@ -490,13 +443,7 @@
       </p:sp>
       <p:sp>
         <p:nvSpPr>
-          <p:cNvPr id="6" name="Slide Number Placeholder 5">
-            <a:extLst>
-              <a:ext uri="{FF2B5EF4-FFF2-40B4-BE49-F238E27FC236}">
-                <a16:creationId xmlns:a16="http://schemas.microsoft.com/office/drawing/2014/main" id="{71241EA5-E8D0-4B36-88EE-5FE3D39C8E50}"/>
-              </a:ext>
-            </a:extLst>
-          </p:cNvPr>
+          <p:cNvPr id="6" name="Slide Number Placeholder 5"/>
           <p:cNvSpPr>
             <a:spLocks noGrp="1"/>
           </p:cNvSpPr>
@@ -520,7 +467,7 @@
     </p:spTree>
     <p:extLst>
       <p:ext uri="{BB962C8B-B14F-4D97-AF65-F5344CB8AC3E}">
-        <p14:creationId xmlns:p14="http://schemas.microsoft.com/office/powerpoint/2010/main" val="1762976441"/>
+        <p14:creationId xmlns:p14="http://schemas.microsoft.com/office/powerpoint/2010/main" val="1545861165"/>
       </p:ext>
     </p:extLst>
   </p:cSld>
@@ -549,13 +496,7 @@
       </p:grpSpPr>
       <p:sp>
         <p:nvSpPr>
-          <p:cNvPr id="2" name="Vertical Title 1">
-            <a:extLst>
-              <a:ext uri="{FF2B5EF4-FFF2-40B4-BE49-F238E27FC236}">
-                <a16:creationId xmlns:a16="http://schemas.microsoft.com/office/drawing/2014/main" id="{C100557F-BB72-4271-B0C3-886A10304D69}"/>
-              </a:ext>
-            </a:extLst>
-          </p:cNvPr>
+          <p:cNvPr id="2" name="Vertical Title 1"/>
           <p:cNvSpPr>
             <a:spLocks noGrp="1"/>
           </p:cNvSpPr>
@@ -565,8 +506,8 @@
         </p:nvSpPr>
         <p:spPr>
           <a:xfrm>
-            <a:off x="8724900" y="365125"/>
-            <a:ext cx="2628900" cy="5811838"/>
+            <a:off x="10819786" y="569240"/>
+            <a:ext cx="3260110" cy="9060817"/>
           </a:xfrm>
         </p:spPr>
         <p:txBody>
@@ -577,19 +518,13 @@
               <a:rPr lang="en-US"/>
               <a:t>Click to edit Master title style</a:t>
             </a:r>
-            <a:endParaRPr lang="en-GB"/>
-          </a:p>
-        </p:txBody>
-      </p:sp>
-      <p:sp>
-        <p:nvSpPr>
-          <p:cNvPr id="3" name="Vertical Text Placeholder 2">
-            <a:extLst>
-              <a:ext uri="{FF2B5EF4-FFF2-40B4-BE49-F238E27FC236}">
-                <a16:creationId xmlns:a16="http://schemas.microsoft.com/office/drawing/2014/main" id="{81CB9D65-A397-4C3C-83CF-E0114B68486B}"/>
-              </a:ext>
-            </a:extLst>
-          </p:cNvPr>
+            <a:endParaRPr lang="en-US" dirty="0"/>
+          </a:p>
+        </p:txBody>
+      </p:sp>
+      <p:sp>
+        <p:nvSpPr>
+          <p:cNvPr id="3" name="Vertical Text Placeholder 2"/>
           <p:cNvSpPr>
             <a:spLocks noGrp="1"/>
           </p:cNvSpPr>
@@ -599,8 +534,8 @@
         </p:nvSpPr>
         <p:spPr>
           <a:xfrm>
-            <a:off x="838200" y="365125"/>
-            <a:ext cx="7734300" cy="5811838"/>
+            <a:off x="1039456" y="569240"/>
+            <a:ext cx="9591338" cy="9060817"/>
           </a:xfrm>
         </p:spPr>
         <p:txBody>
@@ -640,19 +575,13 @@
               <a:rPr lang="en-US"/>
               <a:t>Fifth level</a:t>
             </a:r>
-            <a:endParaRPr lang="en-GB"/>
-          </a:p>
-        </p:txBody>
-      </p:sp>
-      <p:sp>
-        <p:nvSpPr>
-          <p:cNvPr id="4" name="Date Placeholder 3">
-            <a:extLst>
-              <a:ext uri="{FF2B5EF4-FFF2-40B4-BE49-F238E27FC236}">
-                <a16:creationId xmlns:a16="http://schemas.microsoft.com/office/drawing/2014/main" id="{E50D0886-B60E-4FB2-A622-4AB3AA680CC4}"/>
-              </a:ext>
-            </a:extLst>
-          </p:cNvPr>
+            <a:endParaRPr lang="en-US" dirty="0"/>
+          </a:p>
+        </p:txBody>
+      </p:sp>
+      <p:sp>
+        <p:nvSpPr>
+          <p:cNvPr id="4" name="Date Placeholder 3"/>
           <p:cNvSpPr>
             <a:spLocks noGrp="1"/>
           </p:cNvSpPr>
@@ -667,7 +596,7 @@
           <a:p>
             <a:fld id="{A03881B1-0A11-470F-8EE9-80F8B523F300}" type="datetimeFigureOut">
               <a:rPr lang="en-GB" smtClean="0"/>
-              <a:t>20/03/2019</a:t>
+              <a:t>08/05/2019</a:t>
             </a:fld>
             <a:endParaRPr lang="en-GB"/>
           </a:p>
@@ -675,13 +604,7 @@
       </p:sp>
       <p:sp>
         <p:nvSpPr>
-          <p:cNvPr id="5" name="Footer Placeholder 4">
-            <a:extLst>
-              <a:ext uri="{FF2B5EF4-FFF2-40B4-BE49-F238E27FC236}">
-                <a16:creationId xmlns:a16="http://schemas.microsoft.com/office/drawing/2014/main" id="{11A2E40A-3E59-4333-BE33-F32A0218E9A4}"/>
-              </a:ext>
-            </a:extLst>
-          </p:cNvPr>
+          <p:cNvPr id="5" name="Footer Placeholder 4"/>
           <p:cNvSpPr>
             <a:spLocks noGrp="1"/>
           </p:cNvSpPr>
@@ -700,13 +623,7 @@
       </p:sp>
       <p:sp>
         <p:nvSpPr>
-          <p:cNvPr id="6" name="Slide Number Placeholder 5">
-            <a:extLst>
-              <a:ext uri="{FF2B5EF4-FFF2-40B4-BE49-F238E27FC236}">
-                <a16:creationId xmlns:a16="http://schemas.microsoft.com/office/drawing/2014/main" id="{DA502690-4068-433E-87AA-189F613A4EF3}"/>
-              </a:ext>
-            </a:extLst>
-          </p:cNvPr>
+          <p:cNvPr id="6" name="Slide Number Placeholder 5"/>
           <p:cNvSpPr>
             <a:spLocks noGrp="1"/>
           </p:cNvSpPr>
@@ -730,7 +647,7 @@
     </p:spTree>
     <p:extLst>
       <p:ext uri="{BB962C8B-B14F-4D97-AF65-F5344CB8AC3E}">
-        <p14:creationId xmlns:p14="http://schemas.microsoft.com/office/powerpoint/2010/main" val="4220236154"/>
+        <p14:creationId xmlns:p14="http://schemas.microsoft.com/office/powerpoint/2010/main" val="3761754856"/>
       </p:ext>
     </p:extLst>
   </p:cSld>
@@ -759,13 +676,7 @@
       </p:grpSpPr>
       <p:sp>
         <p:nvSpPr>
-          <p:cNvPr id="2" name="Title 1">
-            <a:extLst>
-              <a:ext uri="{FF2B5EF4-FFF2-40B4-BE49-F238E27FC236}">
-                <a16:creationId xmlns:a16="http://schemas.microsoft.com/office/drawing/2014/main" id="{8503652E-EB5D-4B8C-8130-FD7A543947D4}"/>
-              </a:ext>
-            </a:extLst>
-          </p:cNvPr>
+          <p:cNvPr id="2" name="Title 1"/>
           <p:cNvSpPr>
             <a:spLocks noGrp="1"/>
           </p:cNvSpPr>
@@ -782,19 +693,13 @@
               <a:rPr lang="en-US"/>
               <a:t>Click to edit Master title style</a:t>
             </a:r>
-            <a:endParaRPr lang="en-GB"/>
-          </a:p>
-        </p:txBody>
-      </p:sp>
-      <p:sp>
-        <p:nvSpPr>
-          <p:cNvPr id="3" name="Content Placeholder 2">
-            <a:extLst>
-              <a:ext uri="{FF2B5EF4-FFF2-40B4-BE49-F238E27FC236}">
-                <a16:creationId xmlns:a16="http://schemas.microsoft.com/office/drawing/2014/main" id="{B5CE5F8C-2284-4B18-B6EC-5E73EFE860B0}"/>
-              </a:ext>
-            </a:extLst>
-          </p:cNvPr>
+            <a:endParaRPr lang="en-US" dirty="0"/>
+          </a:p>
+        </p:txBody>
+      </p:sp>
+      <p:sp>
+        <p:nvSpPr>
+          <p:cNvPr id="3" name="Content Placeholder 2"/>
           <p:cNvSpPr>
             <a:spLocks noGrp="1"/>
           </p:cNvSpPr>
@@ -840,19 +745,13 @@
               <a:rPr lang="en-US"/>
               <a:t>Fifth level</a:t>
             </a:r>
-            <a:endParaRPr lang="en-GB"/>
-          </a:p>
-        </p:txBody>
-      </p:sp>
-      <p:sp>
-        <p:nvSpPr>
-          <p:cNvPr id="4" name="Date Placeholder 3">
-            <a:extLst>
-              <a:ext uri="{FF2B5EF4-FFF2-40B4-BE49-F238E27FC236}">
-                <a16:creationId xmlns:a16="http://schemas.microsoft.com/office/drawing/2014/main" id="{BE19FFDB-E8AA-4165-A098-190508695021}"/>
-              </a:ext>
-            </a:extLst>
-          </p:cNvPr>
+            <a:endParaRPr lang="en-US" dirty="0"/>
+          </a:p>
+        </p:txBody>
+      </p:sp>
+      <p:sp>
+        <p:nvSpPr>
+          <p:cNvPr id="4" name="Date Placeholder 3"/>
           <p:cNvSpPr>
             <a:spLocks noGrp="1"/>
           </p:cNvSpPr>
@@ -867,7 +766,7 @@
           <a:p>
             <a:fld id="{A03881B1-0A11-470F-8EE9-80F8B523F300}" type="datetimeFigureOut">
               <a:rPr lang="en-GB" smtClean="0"/>
-              <a:t>20/03/2019</a:t>
+              <a:t>08/05/2019</a:t>
             </a:fld>
             <a:endParaRPr lang="en-GB"/>
           </a:p>
@@ -875,13 +774,7 @@
       </p:sp>
       <p:sp>
         <p:nvSpPr>
-          <p:cNvPr id="5" name="Footer Placeholder 4">
-            <a:extLst>
-              <a:ext uri="{FF2B5EF4-FFF2-40B4-BE49-F238E27FC236}">
-                <a16:creationId xmlns:a16="http://schemas.microsoft.com/office/drawing/2014/main" id="{BB5313DA-D803-42B3-8180-3E44C652BDD5}"/>
-              </a:ext>
-            </a:extLst>
-          </p:cNvPr>
+          <p:cNvPr id="5" name="Footer Placeholder 4"/>
           <p:cNvSpPr>
             <a:spLocks noGrp="1"/>
           </p:cNvSpPr>
@@ -900,13 +793,7 @@
       </p:sp>
       <p:sp>
         <p:nvSpPr>
-          <p:cNvPr id="6" name="Slide Number Placeholder 5">
-            <a:extLst>
-              <a:ext uri="{FF2B5EF4-FFF2-40B4-BE49-F238E27FC236}">
-                <a16:creationId xmlns:a16="http://schemas.microsoft.com/office/drawing/2014/main" id="{3932ABD1-A5E4-4260-97D0-D61AB00E9BFF}"/>
-              </a:ext>
-            </a:extLst>
-          </p:cNvPr>
+          <p:cNvPr id="6" name="Slide Number Placeholder 5"/>
           <p:cNvSpPr>
             <a:spLocks noGrp="1"/>
           </p:cNvSpPr>
@@ -930,7 +817,7 @@
     </p:spTree>
     <p:extLst>
       <p:ext uri="{BB962C8B-B14F-4D97-AF65-F5344CB8AC3E}">
-        <p14:creationId xmlns:p14="http://schemas.microsoft.com/office/powerpoint/2010/main" val="2042530381"/>
+        <p14:creationId xmlns:p14="http://schemas.microsoft.com/office/powerpoint/2010/main" val="2900263660"/>
       </p:ext>
     </p:extLst>
   </p:cSld>
@@ -959,13 +846,7 @@
       </p:grpSpPr>
       <p:sp>
         <p:nvSpPr>
-          <p:cNvPr id="2" name="Title 1">
-            <a:extLst>
-              <a:ext uri="{FF2B5EF4-FFF2-40B4-BE49-F238E27FC236}">
-                <a16:creationId xmlns:a16="http://schemas.microsoft.com/office/drawing/2014/main" id="{DE1D341E-962D-4DB7-8242-43C86A37DDFC}"/>
-              </a:ext>
-            </a:extLst>
-          </p:cNvPr>
+          <p:cNvPr id="2" name="Title 1"/>
           <p:cNvSpPr>
             <a:spLocks noGrp="1"/>
           </p:cNvSpPr>
@@ -975,15 +856,15 @@
         </p:nvSpPr>
         <p:spPr>
           <a:xfrm>
-            <a:off x="831850" y="1709738"/>
-            <a:ext cx="10515600" cy="2852737"/>
+            <a:off x="1031582" y="2665532"/>
+            <a:ext cx="13040439" cy="4447496"/>
           </a:xfrm>
         </p:spPr>
         <p:txBody>
           <a:bodyPr anchor="b"/>
           <a:lstStyle>
             <a:lvl1pPr>
-              <a:defRPr sz="6000"/>
+              <a:defRPr sz="9354"/>
             </a:lvl1pPr>
           </a:lstStyle>
           <a:p>
@@ -991,19 +872,13 @@
               <a:rPr lang="en-US"/>
               <a:t>Click to edit Master title style</a:t>
             </a:r>
-            <a:endParaRPr lang="en-GB"/>
-          </a:p>
-        </p:txBody>
-      </p:sp>
-      <p:sp>
-        <p:nvSpPr>
-          <p:cNvPr id="3" name="Text Placeholder 2">
-            <a:extLst>
-              <a:ext uri="{FF2B5EF4-FFF2-40B4-BE49-F238E27FC236}">
-                <a16:creationId xmlns:a16="http://schemas.microsoft.com/office/drawing/2014/main" id="{F84C272B-B6C2-465C-ACE6-0EE3F3213A2B}"/>
-              </a:ext>
-            </a:extLst>
-          </p:cNvPr>
+            <a:endParaRPr lang="en-US" dirty="0"/>
+          </a:p>
+        </p:txBody>
+      </p:sp>
+      <p:sp>
+        <p:nvSpPr>
+          <p:cNvPr id="3" name="Text Placeholder 2"/>
           <p:cNvSpPr>
             <a:spLocks noGrp="1"/>
           </p:cNvSpPr>
@@ -1013,8 +888,8 @@
         </p:nvSpPr>
         <p:spPr>
           <a:xfrm>
-            <a:off x="831850" y="4589463"/>
-            <a:ext cx="10515600" cy="1500187"/>
+            <a:off x="1031582" y="7155103"/>
+            <a:ext cx="13040439" cy="2338833"/>
           </a:xfrm>
         </p:spPr>
         <p:txBody>
@@ -1022,17 +897,15 @@
           <a:lstStyle>
             <a:lvl1pPr marL="0" indent="0">
               <a:buNone/>
-              <a:defRPr sz="2400">
+              <a:defRPr sz="3742">
                 <a:solidFill>
-                  <a:schemeClr val="tx1">
-                    <a:tint val="75000"/>
-                  </a:schemeClr>
+                  <a:schemeClr val="tx1"/>
                 </a:solidFill>
               </a:defRPr>
             </a:lvl1pPr>
-            <a:lvl2pPr marL="457200" indent="0">
+            <a:lvl2pPr marL="712775" indent="0">
               <a:buNone/>
-              <a:defRPr sz="2000">
+              <a:defRPr sz="3118">
                 <a:solidFill>
                   <a:schemeClr val="tx1">
                     <a:tint val="75000"/>
@@ -1040,9 +913,9 @@
                 </a:solidFill>
               </a:defRPr>
             </a:lvl2pPr>
-            <a:lvl3pPr marL="914400" indent="0">
+            <a:lvl3pPr marL="1425550" indent="0">
               <a:buNone/>
-              <a:defRPr sz="1800">
+              <a:defRPr sz="2806">
                 <a:solidFill>
                   <a:schemeClr val="tx1">
                     <a:tint val="75000"/>
@@ -1050,9 +923,9 @@
                 </a:solidFill>
               </a:defRPr>
             </a:lvl3pPr>
-            <a:lvl4pPr marL="1371600" indent="0">
+            <a:lvl4pPr marL="2138324" indent="0">
               <a:buNone/>
-              <a:defRPr sz="1600">
+              <a:defRPr sz="2494">
                 <a:solidFill>
                   <a:schemeClr val="tx1">
                     <a:tint val="75000"/>
@@ -1060,9 +933,9 @@
                 </a:solidFill>
               </a:defRPr>
             </a:lvl4pPr>
-            <a:lvl5pPr marL="1828800" indent="0">
+            <a:lvl5pPr marL="2851099" indent="0">
               <a:buNone/>
-              <a:defRPr sz="1600">
+              <a:defRPr sz="2494">
                 <a:solidFill>
                   <a:schemeClr val="tx1">
                     <a:tint val="75000"/>
@@ -1070,9 +943,9 @@
                 </a:solidFill>
               </a:defRPr>
             </a:lvl5pPr>
-            <a:lvl6pPr marL="2286000" indent="0">
+            <a:lvl6pPr marL="3563874" indent="0">
               <a:buNone/>
-              <a:defRPr sz="1600">
+              <a:defRPr sz="2494">
                 <a:solidFill>
                   <a:schemeClr val="tx1">
                     <a:tint val="75000"/>
@@ -1080,9 +953,9 @@
                 </a:solidFill>
               </a:defRPr>
             </a:lvl6pPr>
-            <a:lvl7pPr marL="2743200" indent="0">
+            <a:lvl7pPr marL="4276649" indent="0">
               <a:buNone/>
-              <a:defRPr sz="1600">
+              <a:defRPr sz="2494">
                 <a:solidFill>
                   <a:schemeClr val="tx1">
                     <a:tint val="75000"/>
@@ -1090,9 +963,9 @@
                 </a:solidFill>
               </a:defRPr>
             </a:lvl7pPr>
-            <a:lvl8pPr marL="3200400" indent="0">
+            <a:lvl8pPr marL="4989424" indent="0">
               <a:buNone/>
-              <a:defRPr sz="1600">
+              <a:defRPr sz="2494">
                 <a:solidFill>
                   <a:schemeClr val="tx1">
                     <a:tint val="75000"/>
@@ -1100,9 +973,9 @@
                 </a:solidFill>
               </a:defRPr>
             </a:lvl8pPr>
-            <a:lvl9pPr marL="3657600" indent="0">
+            <a:lvl9pPr marL="5702198" indent="0">
               <a:buNone/>
-              <a:defRPr sz="1600">
+              <a:defRPr sz="2494">
                 <a:solidFill>
                   <a:schemeClr val="tx1">
                     <a:tint val="75000"/>
@@ -1122,13 +995,7 @@
       </p:sp>
       <p:sp>
         <p:nvSpPr>
-          <p:cNvPr id="4" name="Date Placeholder 3">
-            <a:extLst>
-              <a:ext uri="{FF2B5EF4-FFF2-40B4-BE49-F238E27FC236}">
-                <a16:creationId xmlns:a16="http://schemas.microsoft.com/office/drawing/2014/main" id="{9144391F-EBD4-406A-A18D-771481D5C2BB}"/>
-              </a:ext>
-            </a:extLst>
-          </p:cNvPr>
+          <p:cNvPr id="4" name="Date Placeholder 3"/>
           <p:cNvSpPr>
             <a:spLocks noGrp="1"/>
           </p:cNvSpPr>
@@ -1143,7 +1010,7 @@
           <a:p>
             <a:fld id="{A03881B1-0A11-470F-8EE9-80F8B523F300}" type="datetimeFigureOut">
               <a:rPr lang="en-GB" smtClean="0"/>
-              <a:t>20/03/2019</a:t>
+              <a:t>08/05/2019</a:t>
             </a:fld>
             <a:endParaRPr lang="en-GB"/>
           </a:p>
@@ -1151,13 +1018,7 @@
       </p:sp>
       <p:sp>
         <p:nvSpPr>
-          <p:cNvPr id="5" name="Footer Placeholder 4">
-            <a:extLst>
-              <a:ext uri="{FF2B5EF4-FFF2-40B4-BE49-F238E27FC236}">
-                <a16:creationId xmlns:a16="http://schemas.microsoft.com/office/drawing/2014/main" id="{593E3FE9-FEA8-4492-9443-275289855A99}"/>
-              </a:ext>
-            </a:extLst>
-          </p:cNvPr>
+          <p:cNvPr id="5" name="Footer Placeholder 4"/>
           <p:cNvSpPr>
             <a:spLocks noGrp="1"/>
           </p:cNvSpPr>
@@ -1176,13 +1037,7 @@
       </p:sp>
       <p:sp>
         <p:nvSpPr>
-          <p:cNvPr id="6" name="Slide Number Placeholder 5">
-            <a:extLst>
-              <a:ext uri="{FF2B5EF4-FFF2-40B4-BE49-F238E27FC236}">
-                <a16:creationId xmlns:a16="http://schemas.microsoft.com/office/drawing/2014/main" id="{71B7A0FE-FD72-4DF8-869F-8BF1FE2AC905}"/>
-              </a:ext>
-            </a:extLst>
-          </p:cNvPr>
+          <p:cNvPr id="6" name="Slide Number Placeholder 5"/>
           <p:cNvSpPr>
             <a:spLocks noGrp="1"/>
           </p:cNvSpPr>
@@ -1206,7 +1061,7 @@
     </p:spTree>
     <p:extLst>
       <p:ext uri="{BB962C8B-B14F-4D97-AF65-F5344CB8AC3E}">
-        <p14:creationId xmlns:p14="http://schemas.microsoft.com/office/powerpoint/2010/main" val="3996747614"/>
+        <p14:creationId xmlns:p14="http://schemas.microsoft.com/office/powerpoint/2010/main" val="1384709912"/>
       </p:ext>
     </p:extLst>
   </p:cSld>
@@ -1235,13 +1090,7 @@
       </p:grpSpPr>
       <p:sp>
         <p:nvSpPr>
-          <p:cNvPr id="2" name="Title 1">
-            <a:extLst>
-              <a:ext uri="{FF2B5EF4-FFF2-40B4-BE49-F238E27FC236}">
-                <a16:creationId xmlns:a16="http://schemas.microsoft.com/office/drawing/2014/main" id="{62E6C03A-DC99-435D-8EB9-7698ADBFE337}"/>
-              </a:ext>
-            </a:extLst>
-          </p:cNvPr>
+          <p:cNvPr id="2" name="Title 1"/>
           <p:cNvSpPr>
             <a:spLocks noGrp="1"/>
           </p:cNvSpPr>
@@ -1258,19 +1107,13 @@
               <a:rPr lang="en-US"/>
               <a:t>Click to edit Master title style</a:t>
             </a:r>
-            <a:endParaRPr lang="en-GB"/>
-          </a:p>
-        </p:txBody>
-      </p:sp>
-      <p:sp>
-        <p:nvSpPr>
-          <p:cNvPr id="3" name="Content Placeholder 2">
-            <a:extLst>
-              <a:ext uri="{FF2B5EF4-FFF2-40B4-BE49-F238E27FC236}">
-                <a16:creationId xmlns:a16="http://schemas.microsoft.com/office/drawing/2014/main" id="{3A02E2D3-1983-4B8B-B04F-34B7F9A9296C}"/>
-              </a:ext>
-            </a:extLst>
-          </p:cNvPr>
+            <a:endParaRPr lang="en-US" dirty="0"/>
+          </a:p>
+        </p:txBody>
+      </p:sp>
+      <p:sp>
+        <p:nvSpPr>
+          <p:cNvPr id="3" name="Content Placeholder 2"/>
           <p:cNvSpPr>
             <a:spLocks noGrp="1"/>
           </p:cNvSpPr>
@@ -1280,8 +1123,8 @@
         </p:nvSpPr>
         <p:spPr>
           <a:xfrm>
-            <a:off x="838200" y="1825625"/>
-            <a:ext cx="5181600" cy="4351338"/>
+            <a:off x="1039455" y="2846200"/>
+            <a:ext cx="6425724" cy="6783857"/>
           </a:xfrm>
         </p:spPr>
         <p:txBody>
@@ -1321,19 +1164,13 @@
               <a:rPr lang="en-US"/>
               <a:t>Fifth level</a:t>
             </a:r>
-            <a:endParaRPr lang="en-GB"/>
-          </a:p>
-        </p:txBody>
-      </p:sp>
-      <p:sp>
-        <p:nvSpPr>
-          <p:cNvPr id="4" name="Content Placeholder 3">
-            <a:extLst>
-              <a:ext uri="{FF2B5EF4-FFF2-40B4-BE49-F238E27FC236}">
-                <a16:creationId xmlns:a16="http://schemas.microsoft.com/office/drawing/2014/main" id="{3C007EC1-A7FA-468C-A3CF-F5E2556FC2AB}"/>
-              </a:ext>
-            </a:extLst>
-          </p:cNvPr>
+            <a:endParaRPr lang="en-US" dirty="0"/>
+          </a:p>
+        </p:txBody>
+      </p:sp>
+      <p:sp>
+        <p:nvSpPr>
+          <p:cNvPr id="4" name="Content Placeholder 3"/>
           <p:cNvSpPr>
             <a:spLocks noGrp="1"/>
           </p:cNvSpPr>
@@ -1343,8 +1180,8 @@
         </p:nvSpPr>
         <p:spPr>
           <a:xfrm>
-            <a:off x="6172200" y="1825625"/>
-            <a:ext cx="5181600" cy="4351338"/>
+            <a:off x="7654171" y="2846200"/>
+            <a:ext cx="6425724" cy="6783857"/>
           </a:xfrm>
         </p:spPr>
         <p:txBody>
@@ -1384,19 +1221,13 @@
               <a:rPr lang="en-US"/>
               <a:t>Fifth level</a:t>
             </a:r>
-            <a:endParaRPr lang="en-GB"/>
-          </a:p>
-        </p:txBody>
-      </p:sp>
-      <p:sp>
-        <p:nvSpPr>
-          <p:cNvPr id="5" name="Date Placeholder 4">
-            <a:extLst>
-              <a:ext uri="{FF2B5EF4-FFF2-40B4-BE49-F238E27FC236}">
-                <a16:creationId xmlns:a16="http://schemas.microsoft.com/office/drawing/2014/main" id="{F241495F-4DC8-463C-9EF6-B307E85DC190}"/>
-              </a:ext>
-            </a:extLst>
-          </p:cNvPr>
+            <a:endParaRPr lang="en-US" dirty="0"/>
+          </a:p>
+        </p:txBody>
+      </p:sp>
+      <p:sp>
+        <p:nvSpPr>
+          <p:cNvPr id="5" name="Date Placeholder 4"/>
           <p:cNvSpPr>
             <a:spLocks noGrp="1"/>
           </p:cNvSpPr>
@@ -1411,7 +1242,7 @@
           <a:p>
             <a:fld id="{A03881B1-0A11-470F-8EE9-80F8B523F300}" type="datetimeFigureOut">
               <a:rPr lang="en-GB" smtClean="0"/>
-              <a:t>20/03/2019</a:t>
+              <a:t>08/05/2019</a:t>
             </a:fld>
             <a:endParaRPr lang="en-GB"/>
           </a:p>
@@ -1419,13 +1250,7 @@
       </p:sp>
       <p:sp>
         <p:nvSpPr>
-          <p:cNvPr id="6" name="Footer Placeholder 5">
-            <a:extLst>
-              <a:ext uri="{FF2B5EF4-FFF2-40B4-BE49-F238E27FC236}">
-                <a16:creationId xmlns:a16="http://schemas.microsoft.com/office/drawing/2014/main" id="{4E0F3B7C-C268-49EB-9B30-4AFAA03D1963}"/>
-              </a:ext>
-            </a:extLst>
-          </p:cNvPr>
+          <p:cNvPr id="6" name="Footer Placeholder 5"/>
           <p:cNvSpPr>
             <a:spLocks noGrp="1"/>
           </p:cNvSpPr>
@@ -1444,13 +1269,7 @@
       </p:sp>
       <p:sp>
         <p:nvSpPr>
-          <p:cNvPr id="7" name="Slide Number Placeholder 6">
-            <a:extLst>
-              <a:ext uri="{FF2B5EF4-FFF2-40B4-BE49-F238E27FC236}">
-                <a16:creationId xmlns:a16="http://schemas.microsoft.com/office/drawing/2014/main" id="{AE82AD64-EBCC-485B-8B1A-60945AEA2C43}"/>
-              </a:ext>
-            </a:extLst>
-          </p:cNvPr>
+          <p:cNvPr id="7" name="Slide Number Placeholder 6"/>
           <p:cNvSpPr>
             <a:spLocks noGrp="1"/>
           </p:cNvSpPr>
@@ -1474,7 +1293,7 @@
     </p:spTree>
     <p:extLst>
       <p:ext uri="{BB962C8B-B14F-4D97-AF65-F5344CB8AC3E}">
-        <p14:creationId xmlns:p14="http://schemas.microsoft.com/office/powerpoint/2010/main" val="2676728494"/>
+        <p14:creationId xmlns:p14="http://schemas.microsoft.com/office/powerpoint/2010/main" val="2708787433"/>
       </p:ext>
     </p:extLst>
   </p:cSld>
@@ -1503,13 +1322,7 @@
       </p:grpSpPr>
       <p:sp>
         <p:nvSpPr>
-          <p:cNvPr id="2" name="Title 1">
-            <a:extLst>
-              <a:ext uri="{FF2B5EF4-FFF2-40B4-BE49-F238E27FC236}">
-                <a16:creationId xmlns:a16="http://schemas.microsoft.com/office/drawing/2014/main" id="{F0C8E71B-F92F-4D96-A50C-2213100376E9}"/>
-              </a:ext>
-            </a:extLst>
-          </p:cNvPr>
+          <p:cNvPr id="2" name="Title 1"/>
           <p:cNvSpPr>
             <a:spLocks noGrp="1"/>
           </p:cNvSpPr>
@@ -1519,8 +1332,8 @@
         </p:nvSpPr>
         <p:spPr>
           <a:xfrm>
-            <a:off x="839788" y="365125"/>
-            <a:ext cx="10515600" cy="1325563"/>
+            <a:off x="1041425" y="569242"/>
+            <a:ext cx="13040439" cy="2066590"/>
           </a:xfrm>
         </p:spPr>
         <p:txBody>
@@ -1531,19 +1344,13 @@
               <a:rPr lang="en-US"/>
               <a:t>Click to edit Master title style</a:t>
             </a:r>
-            <a:endParaRPr lang="en-GB"/>
-          </a:p>
-        </p:txBody>
-      </p:sp>
-      <p:sp>
-        <p:nvSpPr>
-          <p:cNvPr id="3" name="Text Placeholder 2">
-            <a:extLst>
-              <a:ext uri="{FF2B5EF4-FFF2-40B4-BE49-F238E27FC236}">
-                <a16:creationId xmlns:a16="http://schemas.microsoft.com/office/drawing/2014/main" id="{82D7DB4F-D841-4C51-9349-FC8B080D10E9}"/>
-              </a:ext>
-            </a:extLst>
-          </p:cNvPr>
+            <a:endParaRPr lang="en-US" dirty="0"/>
+          </a:p>
+        </p:txBody>
+      </p:sp>
+      <p:sp>
+        <p:nvSpPr>
+          <p:cNvPr id="3" name="Text Placeholder 2"/>
           <p:cNvSpPr>
             <a:spLocks noGrp="1"/>
           </p:cNvSpPr>
@@ -1553,8 +1360,8 @@
         </p:nvSpPr>
         <p:spPr>
           <a:xfrm>
-            <a:off x="839788" y="1681163"/>
-            <a:ext cx="5157787" cy="823912"/>
+            <a:off x="1041426" y="2620980"/>
+            <a:ext cx="6396193" cy="1284502"/>
           </a:xfrm>
         </p:spPr>
         <p:txBody>
@@ -1562,39 +1369,39 @@
           <a:lstStyle>
             <a:lvl1pPr marL="0" indent="0">
               <a:buNone/>
-              <a:defRPr sz="2400" b="1"/>
+              <a:defRPr sz="3742" b="1"/>
             </a:lvl1pPr>
-            <a:lvl2pPr marL="457200" indent="0">
+            <a:lvl2pPr marL="712775" indent="0">
               <a:buNone/>
-              <a:defRPr sz="2000" b="1"/>
+              <a:defRPr sz="3118" b="1"/>
             </a:lvl2pPr>
-            <a:lvl3pPr marL="914400" indent="0">
+            <a:lvl3pPr marL="1425550" indent="0">
               <a:buNone/>
-              <a:defRPr sz="1800" b="1"/>
+              <a:defRPr sz="2806" b="1"/>
             </a:lvl3pPr>
-            <a:lvl4pPr marL="1371600" indent="0">
+            <a:lvl4pPr marL="2138324" indent="0">
               <a:buNone/>
-              <a:defRPr sz="1600" b="1"/>
+              <a:defRPr sz="2494" b="1"/>
             </a:lvl4pPr>
-            <a:lvl5pPr marL="1828800" indent="0">
+            <a:lvl5pPr marL="2851099" indent="0">
               <a:buNone/>
-              <a:defRPr sz="1600" b="1"/>
+              <a:defRPr sz="2494" b="1"/>
             </a:lvl5pPr>
-            <a:lvl6pPr marL="2286000" indent="0">
+            <a:lvl6pPr marL="3563874" indent="0">
               <a:buNone/>
-              <a:defRPr sz="1600" b="1"/>
+              <a:defRPr sz="2494" b="1"/>
             </a:lvl6pPr>
-            <a:lvl7pPr marL="2743200" indent="0">
+            <a:lvl7pPr marL="4276649" indent="0">
               <a:buNone/>
-              <a:defRPr sz="1600" b="1"/>
+              <a:defRPr sz="2494" b="1"/>
             </a:lvl7pPr>
-            <a:lvl8pPr marL="3200400" indent="0">
+            <a:lvl8pPr marL="4989424" indent="0">
               <a:buNone/>
-              <a:defRPr sz="1600" b="1"/>
+              <a:defRPr sz="2494" b="1"/>
             </a:lvl8pPr>
-            <a:lvl9pPr marL="3657600" indent="0">
+            <a:lvl9pPr marL="5702198" indent="0">
               <a:buNone/>
-              <a:defRPr sz="1600" b="1"/>
+              <a:defRPr sz="2494" b="1"/>
             </a:lvl9pPr>
           </a:lstStyle>
           <a:p>
@@ -1608,13 +1415,7 @@
       </p:sp>
       <p:sp>
         <p:nvSpPr>
-          <p:cNvPr id="4" name="Content Placeholder 3">
-            <a:extLst>
-              <a:ext uri="{FF2B5EF4-FFF2-40B4-BE49-F238E27FC236}">
-                <a16:creationId xmlns:a16="http://schemas.microsoft.com/office/drawing/2014/main" id="{CB463428-8651-4CEC-A934-00A9DD43E74F}"/>
-              </a:ext>
-            </a:extLst>
-          </p:cNvPr>
+          <p:cNvPr id="4" name="Content Placeholder 3"/>
           <p:cNvSpPr>
             <a:spLocks noGrp="1"/>
           </p:cNvSpPr>
@@ -1624,8 +1425,8 @@
         </p:nvSpPr>
         <p:spPr>
           <a:xfrm>
-            <a:off x="839788" y="2505075"/>
-            <a:ext cx="5157787" cy="3684588"/>
+            <a:off x="1041426" y="3905482"/>
+            <a:ext cx="6396193" cy="5744375"/>
           </a:xfrm>
         </p:spPr>
         <p:txBody>
@@ -1665,19 +1466,13 @@
               <a:rPr lang="en-US"/>
               <a:t>Fifth level</a:t>
             </a:r>
-            <a:endParaRPr lang="en-GB"/>
-          </a:p>
-        </p:txBody>
-      </p:sp>
-      <p:sp>
-        <p:nvSpPr>
-          <p:cNvPr id="5" name="Text Placeholder 4">
-            <a:extLst>
-              <a:ext uri="{FF2B5EF4-FFF2-40B4-BE49-F238E27FC236}">
-                <a16:creationId xmlns:a16="http://schemas.microsoft.com/office/drawing/2014/main" id="{C6CC8F0A-9B15-4295-A73D-9FF8E44F03BF}"/>
-              </a:ext>
-            </a:extLst>
-          </p:cNvPr>
+            <a:endParaRPr lang="en-US" dirty="0"/>
+          </a:p>
+        </p:txBody>
+      </p:sp>
+      <p:sp>
+        <p:nvSpPr>
+          <p:cNvPr id="5" name="Text Placeholder 4"/>
           <p:cNvSpPr>
             <a:spLocks noGrp="1"/>
           </p:cNvSpPr>
@@ -1687,8 +1482,8 @@
         </p:nvSpPr>
         <p:spPr>
           <a:xfrm>
-            <a:off x="6172200" y="1681163"/>
-            <a:ext cx="5183188" cy="823912"/>
+            <a:off x="7654172" y="2620980"/>
+            <a:ext cx="6427693" cy="1284502"/>
           </a:xfrm>
         </p:spPr>
         <p:txBody>
@@ -1696,39 +1491,39 @@
           <a:lstStyle>
             <a:lvl1pPr marL="0" indent="0">
               <a:buNone/>
-              <a:defRPr sz="2400" b="1"/>
+              <a:defRPr sz="3742" b="1"/>
             </a:lvl1pPr>
-            <a:lvl2pPr marL="457200" indent="0">
+            <a:lvl2pPr marL="712775" indent="0">
               <a:buNone/>
-              <a:defRPr sz="2000" b="1"/>
+              <a:defRPr sz="3118" b="1"/>
             </a:lvl2pPr>
-            <a:lvl3pPr marL="914400" indent="0">
+            <a:lvl3pPr marL="1425550" indent="0">
               <a:buNone/>
-              <a:defRPr sz="1800" b="1"/>
+              <a:defRPr sz="2806" b="1"/>
             </a:lvl3pPr>
-            <a:lvl4pPr marL="1371600" indent="0">
+            <a:lvl4pPr marL="2138324" indent="0">
               <a:buNone/>
-              <a:defRPr sz="1600" b="1"/>
+              <a:defRPr sz="2494" b="1"/>
             </a:lvl4pPr>
-            <a:lvl5pPr marL="1828800" indent="0">
+            <a:lvl5pPr marL="2851099" indent="0">
               <a:buNone/>
-              <a:defRPr sz="1600" b="1"/>
+              <a:defRPr sz="2494" b="1"/>
             </a:lvl5pPr>
-            <a:lvl6pPr marL="2286000" indent="0">
+            <a:lvl6pPr marL="3563874" indent="0">
               <a:buNone/>
-              <a:defRPr sz="1600" b="1"/>
+              <a:defRPr sz="2494" b="1"/>
             </a:lvl6pPr>
-            <a:lvl7pPr marL="2743200" indent="0">
+            <a:lvl7pPr marL="4276649" indent="0">
               <a:buNone/>
-              <a:defRPr sz="1600" b="1"/>
+              <a:defRPr sz="2494" b="1"/>
             </a:lvl7pPr>
-            <a:lvl8pPr marL="3200400" indent="0">
+            <a:lvl8pPr marL="4989424" indent="0">
               <a:buNone/>
-              <a:defRPr sz="1600" b="1"/>
+              <a:defRPr sz="2494" b="1"/>
             </a:lvl8pPr>
-            <a:lvl9pPr marL="3657600" indent="0">
+            <a:lvl9pPr marL="5702198" indent="0">
               <a:buNone/>
-              <a:defRPr sz="1600" b="1"/>
+              <a:defRPr sz="2494" b="1"/>
             </a:lvl9pPr>
           </a:lstStyle>
           <a:p>
@@ -1742,13 +1537,7 @@
       </p:sp>
       <p:sp>
         <p:nvSpPr>
-          <p:cNvPr id="6" name="Content Placeholder 5">
-            <a:extLst>
-              <a:ext uri="{FF2B5EF4-FFF2-40B4-BE49-F238E27FC236}">
-                <a16:creationId xmlns:a16="http://schemas.microsoft.com/office/drawing/2014/main" id="{EED0CFE1-0C6C-4BF0-8FE1-D04C9034BA23}"/>
-              </a:ext>
-            </a:extLst>
-          </p:cNvPr>
+          <p:cNvPr id="6" name="Content Placeholder 5"/>
           <p:cNvSpPr>
             <a:spLocks noGrp="1"/>
           </p:cNvSpPr>
@@ -1758,8 +1547,8 @@
         </p:nvSpPr>
         <p:spPr>
           <a:xfrm>
-            <a:off x="6172200" y="2505075"/>
-            <a:ext cx="5183188" cy="3684588"/>
+            <a:off x="7654172" y="3905482"/>
+            <a:ext cx="6427693" cy="5744375"/>
           </a:xfrm>
         </p:spPr>
         <p:txBody>
@@ -1799,19 +1588,13 @@
               <a:rPr lang="en-US"/>
               <a:t>Fifth level</a:t>
             </a:r>
-            <a:endParaRPr lang="en-GB"/>
-          </a:p>
-        </p:txBody>
-      </p:sp>
-      <p:sp>
-        <p:nvSpPr>
-          <p:cNvPr id="7" name="Date Placeholder 6">
-            <a:extLst>
-              <a:ext uri="{FF2B5EF4-FFF2-40B4-BE49-F238E27FC236}">
-                <a16:creationId xmlns:a16="http://schemas.microsoft.com/office/drawing/2014/main" id="{E38D3EBE-1D99-4220-9A7F-2281ADC7AF97}"/>
-              </a:ext>
-            </a:extLst>
-          </p:cNvPr>
+            <a:endParaRPr lang="en-US" dirty="0"/>
+          </a:p>
+        </p:txBody>
+      </p:sp>
+      <p:sp>
+        <p:nvSpPr>
+          <p:cNvPr id="7" name="Date Placeholder 6"/>
           <p:cNvSpPr>
             <a:spLocks noGrp="1"/>
           </p:cNvSpPr>
@@ -1826,7 +1609,7 @@
           <a:p>
             <a:fld id="{A03881B1-0A11-470F-8EE9-80F8B523F300}" type="datetimeFigureOut">
               <a:rPr lang="en-GB" smtClean="0"/>
-              <a:t>20/03/2019</a:t>
+              <a:t>08/05/2019</a:t>
             </a:fld>
             <a:endParaRPr lang="en-GB"/>
           </a:p>
@@ -1834,13 +1617,7 @@
       </p:sp>
       <p:sp>
         <p:nvSpPr>
-          <p:cNvPr id="8" name="Footer Placeholder 7">
-            <a:extLst>
-              <a:ext uri="{FF2B5EF4-FFF2-40B4-BE49-F238E27FC236}">
-                <a16:creationId xmlns:a16="http://schemas.microsoft.com/office/drawing/2014/main" id="{34B37A1D-5964-4D7B-A875-B10C53142FB7}"/>
-              </a:ext>
-            </a:extLst>
-          </p:cNvPr>
+          <p:cNvPr id="8" name="Footer Placeholder 7"/>
           <p:cNvSpPr>
             <a:spLocks noGrp="1"/>
           </p:cNvSpPr>
@@ -1859,13 +1636,7 @@
       </p:sp>
       <p:sp>
         <p:nvSpPr>
-          <p:cNvPr id="9" name="Slide Number Placeholder 8">
-            <a:extLst>
-              <a:ext uri="{FF2B5EF4-FFF2-40B4-BE49-F238E27FC236}">
-                <a16:creationId xmlns:a16="http://schemas.microsoft.com/office/drawing/2014/main" id="{461B7E4D-ADA1-4551-9A76-7694E9ACDED7}"/>
-              </a:ext>
-            </a:extLst>
-          </p:cNvPr>
+          <p:cNvPr id="9" name="Slide Number Placeholder 8"/>
           <p:cNvSpPr>
             <a:spLocks noGrp="1"/>
           </p:cNvSpPr>
@@ -1889,7 +1660,7 @@
     </p:spTree>
     <p:extLst>
       <p:ext uri="{BB962C8B-B14F-4D97-AF65-F5344CB8AC3E}">
-        <p14:creationId xmlns:p14="http://schemas.microsoft.com/office/powerpoint/2010/main" val="1175636930"/>
+        <p14:creationId xmlns:p14="http://schemas.microsoft.com/office/powerpoint/2010/main" val="1205486162"/>
       </p:ext>
     </p:extLst>
   </p:cSld>
@@ -1918,13 +1689,7 @@
       </p:grpSpPr>
       <p:sp>
         <p:nvSpPr>
-          <p:cNvPr id="2" name="Title 1">
-            <a:extLst>
-              <a:ext uri="{FF2B5EF4-FFF2-40B4-BE49-F238E27FC236}">
-                <a16:creationId xmlns:a16="http://schemas.microsoft.com/office/drawing/2014/main" id="{1D4FD8B1-DD85-4CF3-9239-1BFF4E97EE01}"/>
-              </a:ext>
-            </a:extLst>
-          </p:cNvPr>
+          <p:cNvPr id="2" name="Title 1"/>
           <p:cNvSpPr>
             <a:spLocks noGrp="1"/>
           </p:cNvSpPr>
@@ -1941,19 +1706,13 @@
               <a:rPr lang="en-US"/>
               <a:t>Click to edit Master title style</a:t>
             </a:r>
-            <a:endParaRPr lang="en-GB"/>
-          </a:p>
-        </p:txBody>
-      </p:sp>
-      <p:sp>
-        <p:nvSpPr>
-          <p:cNvPr id="3" name="Date Placeholder 2">
-            <a:extLst>
-              <a:ext uri="{FF2B5EF4-FFF2-40B4-BE49-F238E27FC236}">
-                <a16:creationId xmlns:a16="http://schemas.microsoft.com/office/drawing/2014/main" id="{A312A7BE-5298-4BD7-A1DF-3625173F57BD}"/>
-              </a:ext>
-            </a:extLst>
-          </p:cNvPr>
+            <a:endParaRPr lang="en-US" dirty="0"/>
+          </a:p>
+        </p:txBody>
+      </p:sp>
+      <p:sp>
+        <p:nvSpPr>
+          <p:cNvPr id="3" name="Date Placeholder 2"/>
           <p:cNvSpPr>
             <a:spLocks noGrp="1"/>
           </p:cNvSpPr>
@@ -1968,7 +1727,7 @@
           <a:p>
             <a:fld id="{A03881B1-0A11-470F-8EE9-80F8B523F300}" type="datetimeFigureOut">
               <a:rPr lang="en-GB" smtClean="0"/>
-              <a:t>20/03/2019</a:t>
+              <a:t>08/05/2019</a:t>
             </a:fld>
             <a:endParaRPr lang="en-GB"/>
           </a:p>
@@ -1976,13 +1735,7 @@
       </p:sp>
       <p:sp>
         <p:nvSpPr>
-          <p:cNvPr id="4" name="Footer Placeholder 3">
-            <a:extLst>
-              <a:ext uri="{FF2B5EF4-FFF2-40B4-BE49-F238E27FC236}">
-                <a16:creationId xmlns:a16="http://schemas.microsoft.com/office/drawing/2014/main" id="{23E36C89-FC40-4473-8E2F-CBAF36A69169}"/>
-              </a:ext>
-            </a:extLst>
-          </p:cNvPr>
+          <p:cNvPr id="4" name="Footer Placeholder 3"/>
           <p:cNvSpPr>
             <a:spLocks noGrp="1"/>
           </p:cNvSpPr>
@@ -2001,13 +1754,7 @@
       </p:sp>
       <p:sp>
         <p:nvSpPr>
-          <p:cNvPr id="5" name="Slide Number Placeholder 4">
-            <a:extLst>
-              <a:ext uri="{FF2B5EF4-FFF2-40B4-BE49-F238E27FC236}">
-                <a16:creationId xmlns:a16="http://schemas.microsoft.com/office/drawing/2014/main" id="{469AFAEB-F2F9-4259-B69E-4CBCD713A8FB}"/>
-              </a:ext>
-            </a:extLst>
-          </p:cNvPr>
+          <p:cNvPr id="5" name="Slide Number Placeholder 4"/>
           <p:cNvSpPr>
             <a:spLocks noGrp="1"/>
           </p:cNvSpPr>
@@ -2031,7 +1778,7 @@
     </p:spTree>
     <p:extLst>
       <p:ext uri="{BB962C8B-B14F-4D97-AF65-F5344CB8AC3E}">
-        <p14:creationId xmlns:p14="http://schemas.microsoft.com/office/powerpoint/2010/main" val="3343066426"/>
+        <p14:creationId xmlns:p14="http://schemas.microsoft.com/office/powerpoint/2010/main" val="947025922"/>
       </p:ext>
     </p:extLst>
   </p:cSld>
@@ -2060,13 +1807,7 @@
       </p:grpSpPr>
       <p:sp>
         <p:nvSpPr>
-          <p:cNvPr id="2" name="Date Placeholder 1">
-            <a:extLst>
-              <a:ext uri="{FF2B5EF4-FFF2-40B4-BE49-F238E27FC236}">
-                <a16:creationId xmlns:a16="http://schemas.microsoft.com/office/drawing/2014/main" id="{603DD375-D8AA-4ADF-A0D6-8FD1B1F84276}"/>
-              </a:ext>
-            </a:extLst>
-          </p:cNvPr>
+          <p:cNvPr id="2" name="Date Placeholder 1"/>
           <p:cNvSpPr>
             <a:spLocks noGrp="1"/>
           </p:cNvSpPr>
@@ -2081,7 +1822,7 @@
           <a:p>
             <a:fld id="{A03881B1-0A11-470F-8EE9-80F8B523F300}" type="datetimeFigureOut">
               <a:rPr lang="en-GB" smtClean="0"/>
-              <a:t>20/03/2019</a:t>
+              <a:t>08/05/2019</a:t>
             </a:fld>
             <a:endParaRPr lang="en-GB"/>
           </a:p>
@@ -2089,13 +1830,7 @@
       </p:sp>
       <p:sp>
         <p:nvSpPr>
-          <p:cNvPr id="3" name="Footer Placeholder 2">
-            <a:extLst>
-              <a:ext uri="{FF2B5EF4-FFF2-40B4-BE49-F238E27FC236}">
-                <a16:creationId xmlns:a16="http://schemas.microsoft.com/office/drawing/2014/main" id="{6873842F-0C0A-45F1-B8D0-BB9CC79F193F}"/>
-              </a:ext>
-            </a:extLst>
-          </p:cNvPr>
+          <p:cNvPr id="3" name="Footer Placeholder 2"/>
           <p:cNvSpPr>
             <a:spLocks noGrp="1"/>
           </p:cNvSpPr>
@@ -2114,13 +1849,7 @@
       </p:sp>
       <p:sp>
         <p:nvSpPr>
-          <p:cNvPr id="4" name="Slide Number Placeholder 3">
-            <a:extLst>
-              <a:ext uri="{FF2B5EF4-FFF2-40B4-BE49-F238E27FC236}">
-                <a16:creationId xmlns:a16="http://schemas.microsoft.com/office/drawing/2014/main" id="{8D72323F-252A-40F5-B281-38816823C404}"/>
-              </a:ext>
-            </a:extLst>
-          </p:cNvPr>
+          <p:cNvPr id="4" name="Slide Number Placeholder 3"/>
           <p:cNvSpPr>
             <a:spLocks noGrp="1"/>
           </p:cNvSpPr>
@@ -2144,7 +1873,7 @@
     </p:spTree>
     <p:extLst>
       <p:ext uri="{BB962C8B-B14F-4D97-AF65-F5344CB8AC3E}">
-        <p14:creationId xmlns:p14="http://schemas.microsoft.com/office/powerpoint/2010/main" val="557874313"/>
+        <p14:creationId xmlns:p14="http://schemas.microsoft.com/office/powerpoint/2010/main" val="1249263464"/>
       </p:ext>
     </p:extLst>
   </p:cSld>
@@ -2173,13 +1902,7 @@
       </p:grpSpPr>
       <p:sp>
         <p:nvSpPr>
-          <p:cNvPr id="2" name="Title 1">
-            <a:extLst>
-              <a:ext uri="{FF2B5EF4-FFF2-40B4-BE49-F238E27FC236}">
-                <a16:creationId xmlns:a16="http://schemas.microsoft.com/office/drawing/2014/main" id="{D187216D-EA90-403F-AA7C-49487577E0BA}"/>
-              </a:ext>
-            </a:extLst>
-          </p:cNvPr>
+          <p:cNvPr id="2" name="Title 1"/>
           <p:cNvSpPr>
             <a:spLocks noGrp="1"/>
           </p:cNvSpPr>
@@ -2189,15 +1912,15 @@
         </p:nvSpPr>
         <p:spPr>
           <a:xfrm>
-            <a:off x="839788" y="457200"/>
-            <a:ext cx="3932237" cy="1600200"/>
+            <a:off x="1041425" y="712788"/>
+            <a:ext cx="4876384" cy="2494756"/>
           </a:xfrm>
         </p:spPr>
         <p:txBody>
           <a:bodyPr anchor="b"/>
           <a:lstStyle>
             <a:lvl1pPr>
-              <a:defRPr sz="3200"/>
+              <a:defRPr sz="4989"/>
             </a:lvl1pPr>
           </a:lstStyle>
           <a:p>
@@ -2205,19 +1928,13 @@
               <a:rPr lang="en-US"/>
               <a:t>Click to edit Master title style</a:t>
             </a:r>
-            <a:endParaRPr lang="en-GB"/>
-          </a:p>
-        </p:txBody>
-      </p:sp>
-      <p:sp>
-        <p:nvSpPr>
-          <p:cNvPr id="3" name="Content Placeholder 2">
-            <a:extLst>
-              <a:ext uri="{FF2B5EF4-FFF2-40B4-BE49-F238E27FC236}">
-                <a16:creationId xmlns:a16="http://schemas.microsoft.com/office/drawing/2014/main" id="{07724D11-D246-4CB5-9443-C1D8F300DBD5}"/>
-              </a:ext>
-            </a:extLst>
-          </p:cNvPr>
+            <a:endParaRPr lang="en-US" dirty="0"/>
+          </a:p>
+        </p:txBody>
+      </p:sp>
+      <p:sp>
+        <p:nvSpPr>
+          <p:cNvPr id="3" name="Content Placeholder 2"/>
           <p:cNvSpPr>
             <a:spLocks noGrp="1"/>
           </p:cNvSpPr>
@@ -2227,39 +1944,39 @@
         </p:nvSpPr>
         <p:spPr>
           <a:xfrm>
-            <a:off x="5183188" y="987425"/>
-            <a:ext cx="6172200" cy="4873625"/>
+            <a:off x="6427693" y="1539425"/>
+            <a:ext cx="7654171" cy="7598117"/>
           </a:xfrm>
         </p:spPr>
         <p:txBody>
           <a:bodyPr/>
           <a:lstStyle>
             <a:lvl1pPr>
-              <a:defRPr sz="3200"/>
+              <a:defRPr sz="4989"/>
             </a:lvl1pPr>
             <a:lvl2pPr>
-              <a:defRPr sz="2800"/>
+              <a:defRPr sz="4365"/>
             </a:lvl2pPr>
             <a:lvl3pPr>
-              <a:defRPr sz="2400"/>
+              <a:defRPr sz="3742"/>
             </a:lvl3pPr>
             <a:lvl4pPr>
-              <a:defRPr sz="2000"/>
+              <a:defRPr sz="3118"/>
             </a:lvl4pPr>
             <a:lvl5pPr>
-              <a:defRPr sz="2000"/>
+              <a:defRPr sz="3118"/>
             </a:lvl5pPr>
             <a:lvl6pPr>
-              <a:defRPr sz="2000"/>
+              <a:defRPr sz="3118"/>
             </a:lvl6pPr>
             <a:lvl7pPr>
-              <a:defRPr sz="2000"/>
+              <a:defRPr sz="3118"/>
             </a:lvl7pPr>
             <a:lvl8pPr>
-              <a:defRPr sz="2000"/>
+              <a:defRPr sz="3118"/>
             </a:lvl8pPr>
             <a:lvl9pPr>
-              <a:defRPr sz="2000"/>
+              <a:defRPr sz="3118"/>
             </a:lvl9pPr>
           </a:lstStyle>
           <a:p>
@@ -2296,19 +2013,13 @@
               <a:rPr lang="en-US"/>
               <a:t>Fifth level</a:t>
             </a:r>
-            <a:endParaRPr lang="en-GB"/>
-          </a:p>
-        </p:txBody>
-      </p:sp>
-      <p:sp>
-        <p:nvSpPr>
-          <p:cNvPr id="4" name="Text Placeholder 3">
-            <a:extLst>
-              <a:ext uri="{FF2B5EF4-FFF2-40B4-BE49-F238E27FC236}">
-                <a16:creationId xmlns:a16="http://schemas.microsoft.com/office/drawing/2014/main" id="{05A89F2B-B644-45E7-8476-636479AFFD2C}"/>
-              </a:ext>
-            </a:extLst>
-          </p:cNvPr>
+            <a:endParaRPr lang="en-US" dirty="0"/>
+          </a:p>
+        </p:txBody>
+      </p:sp>
+      <p:sp>
+        <p:nvSpPr>
+          <p:cNvPr id="4" name="Text Placeholder 3"/>
           <p:cNvSpPr>
             <a:spLocks noGrp="1"/>
           </p:cNvSpPr>
@@ -2318,8 +2029,8 @@
         </p:nvSpPr>
         <p:spPr>
           <a:xfrm>
-            <a:off x="839788" y="2057400"/>
-            <a:ext cx="3932237" cy="3811588"/>
+            <a:off x="1041425" y="3207544"/>
+            <a:ext cx="4876384" cy="5942372"/>
           </a:xfrm>
         </p:spPr>
         <p:txBody>
@@ -2327,39 +2038,39 @@
           <a:lstStyle>
             <a:lvl1pPr marL="0" indent="0">
               <a:buNone/>
-              <a:defRPr sz="1600"/>
+              <a:defRPr sz="2494"/>
             </a:lvl1pPr>
-            <a:lvl2pPr marL="457200" indent="0">
+            <a:lvl2pPr marL="712775" indent="0">
               <a:buNone/>
-              <a:defRPr sz="1400"/>
+              <a:defRPr sz="2183"/>
             </a:lvl2pPr>
-            <a:lvl3pPr marL="914400" indent="0">
+            <a:lvl3pPr marL="1425550" indent="0">
               <a:buNone/>
-              <a:defRPr sz="1200"/>
+              <a:defRPr sz="1871"/>
             </a:lvl3pPr>
-            <a:lvl4pPr marL="1371600" indent="0">
+            <a:lvl4pPr marL="2138324" indent="0">
               <a:buNone/>
-              <a:defRPr sz="1000"/>
+              <a:defRPr sz="1559"/>
             </a:lvl4pPr>
-            <a:lvl5pPr marL="1828800" indent="0">
+            <a:lvl5pPr marL="2851099" indent="0">
               <a:buNone/>
-              <a:defRPr sz="1000"/>
+              <a:defRPr sz="1559"/>
             </a:lvl5pPr>
-            <a:lvl6pPr marL="2286000" indent="0">
+            <a:lvl6pPr marL="3563874" indent="0">
               <a:buNone/>
-              <a:defRPr sz="1000"/>
+              <a:defRPr sz="1559"/>
             </a:lvl6pPr>
-            <a:lvl7pPr marL="2743200" indent="0">
+            <a:lvl7pPr marL="4276649" indent="0">
               <a:buNone/>
-              <a:defRPr sz="1000"/>
+              <a:defRPr sz="1559"/>
             </a:lvl7pPr>
-            <a:lvl8pPr marL="3200400" indent="0">
+            <a:lvl8pPr marL="4989424" indent="0">
               <a:buNone/>
-              <a:defRPr sz="1000"/>
+              <a:defRPr sz="1559"/>
             </a:lvl8pPr>
-            <a:lvl9pPr marL="3657600" indent="0">
+            <a:lvl9pPr marL="5702198" indent="0">
               <a:buNone/>
-              <a:defRPr sz="1000"/>
+              <a:defRPr sz="1559"/>
             </a:lvl9pPr>
           </a:lstStyle>
           <a:p>
@@ -2373,13 +2084,7 @@
       </p:sp>
       <p:sp>
         <p:nvSpPr>
-          <p:cNvPr id="5" name="Date Placeholder 4">
-            <a:extLst>
-              <a:ext uri="{FF2B5EF4-FFF2-40B4-BE49-F238E27FC236}">
-                <a16:creationId xmlns:a16="http://schemas.microsoft.com/office/drawing/2014/main" id="{82D1FF26-1597-4B3C-999B-6573EA36A253}"/>
-              </a:ext>
-            </a:extLst>
-          </p:cNvPr>
+          <p:cNvPr id="5" name="Date Placeholder 4"/>
           <p:cNvSpPr>
             <a:spLocks noGrp="1"/>
           </p:cNvSpPr>
@@ -2394,7 +2099,7 @@
           <a:p>
             <a:fld id="{A03881B1-0A11-470F-8EE9-80F8B523F300}" type="datetimeFigureOut">
               <a:rPr lang="en-GB" smtClean="0"/>
-              <a:t>20/03/2019</a:t>
+              <a:t>08/05/2019</a:t>
             </a:fld>
             <a:endParaRPr lang="en-GB"/>
           </a:p>
@@ -2402,13 +2107,7 @@
       </p:sp>
       <p:sp>
         <p:nvSpPr>
-          <p:cNvPr id="6" name="Footer Placeholder 5">
-            <a:extLst>
-              <a:ext uri="{FF2B5EF4-FFF2-40B4-BE49-F238E27FC236}">
-                <a16:creationId xmlns:a16="http://schemas.microsoft.com/office/drawing/2014/main" id="{F4F62AE3-2D72-45EC-984C-25206A7D045B}"/>
-              </a:ext>
-            </a:extLst>
-          </p:cNvPr>
+          <p:cNvPr id="6" name="Footer Placeholder 5"/>
           <p:cNvSpPr>
             <a:spLocks noGrp="1"/>
           </p:cNvSpPr>
@@ -2427,13 +2126,7 @@
       </p:sp>
       <p:sp>
         <p:nvSpPr>
-          <p:cNvPr id="7" name="Slide Number Placeholder 6">
-            <a:extLst>
-              <a:ext uri="{FF2B5EF4-FFF2-40B4-BE49-F238E27FC236}">
-                <a16:creationId xmlns:a16="http://schemas.microsoft.com/office/drawing/2014/main" id="{78EE005A-2985-4726-B620-A5F522F8FBCE}"/>
-              </a:ext>
-            </a:extLst>
-          </p:cNvPr>
+          <p:cNvPr id="7" name="Slide Number Placeholder 6"/>
           <p:cNvSpPr>
             <a:spLocks noGrp="1"/>
           </p:cNvSpPr>
@@ -2457,7 +2150,7 @@
     </p:spTree>
     <p:extLst>
       <p:ext uri="{BB962C8B-B14F-4D97-AF65-F5344CB8AC3E}">
-        <p14:creationId xmlns:p14="http://schemas.microsoft.com/office/powerpoint/2010/main" val="1741356937"/>
+        <p14:creationId xmlns:p14="http://schemas.microsoft.com/office/powerpoint/2010/main" val="1526439517"/>
       </p:ext>
     </p:extLst>
   </p:cSld>
@@ -2486,13 +2179,7 @@
       </p:grpSpPr>
       <p:sp>
         <p:nvSpPr>
-          <p:cNvPr id="2" name="Title 1">
-            <a:extLst>
-              <a:ext uri="{FF2B5EF4-FFF2-40B4-BE49-F238E27FC236}">
-                <a16:creationId xmlns:a16="http://schemas.microsoft.com/office/drawing/2014/main" id="{1C241EEC-F20D-4130-AA63-BA345D753475}"/>
-              </a:ext>
-            </a:extLst>
-          </p:cNvPr>
+          <p:cNvPr id="2" name="Title 1"/>
           <p:cNvSpPr>
             <a:spLocks noGrp="1"/>
           </p:cNvSpPr>
@@ -2502,15 +2189,15 @@
         </p:nvSpPr>
         <p:spPr>
           <a:xfrm>
-            <a:off x="839788" y="457200"/>
-            <a:ext cx="3932237" cy="1600200"/>
+            <a:off x="1041425" y="712788"/>
+            <a:ext cx="4876384" cy="2494756"/>
           </a:xfrm>
         </p:spPr>
         <p:txBody>
           <a:bodyPr anchor="b"/>
           <a:lstStyle>
             <a:lvl1pPr>
-              <a:defRPr sz="3200"/>
+              <a:defRPr sz="4989"/>
             </a:lvl1pPr>
           </a:lstStyle>
           <a:p>
@@ -2518,21 +2205,15 @@
               <a:rPr lang="en-US"/>
               <a:t>Click to edit Master title style</a:t>
             </a:r>
-            <a:endParaRPr lang="en-GB"/>
-          </a:p>
-        </p:txBody>
-      </p:sp>
-      <p:sp>
-        <p:nvSpPr>
-          <p:cNvPr id="3" name="Picture Placeholder 2">
-            <a:extLst>
-              <a:ext uri="{FF2B5EF4-FFF2-40B4-BE49-F238E27FC236}">
-                <a16:creationId xmlns:a16="http://schemas.microsoft.com/office/drawing/2014/main" id="{99E5DA45-6BB4-4556-87F5-B32DDB20EFC0}"/>
-              </a:ext>
-            </a:extLst>
-          </p:cNvPr>
+            <a:endParaRPr lang="en-US" dirty="0"/>
+          </a:p>
+        </p:txBody>
+      </p:sp>
+      <p:sp>
+        <p:nvSpPr>
+          <p:cNvPr id="3" name="Picture Placeholder 2"/>
           <p:cNvSpPr>
-            <a:spLocks noGrp="1"/>
+            <a:spLocks noGrp="1" noChangeAspect="1"/>
           </p:cNvSpPr>
           <p:nvPr>
             <p:ph type="pic" idx="1"/>
@@ -2540,64 +2221,62 @@
         </p:nvSpPr>
         <p:spPr>
           <a:xfrm>
-            <a:off x="5183188" y="987425"/>
-            <a:ext cx="6172200" cy="4873625"/>
-          </a:xfrm>
-        </p:spPr>
-        <p:txBody>
-          <a:bodyPr/>
+            <a:off x="6427693" y="1539425"/>
+            <a:ext cx="7654171" cy="7598117"/>
+          </a:xfrm>
+        </p:spPr>
+        <p:txBody>
+          <a:bodyPr anchor="t"/>
           <a:lstStyle>
             <a:lvl1pPr marL="0" indent="0">
               <a:buNone/>
-              <a:defRPr sz="3200"/>
+              <a:defRPr sz="4989"/>
             </a:lvl1pPr>
-            <a:lvl2pPr marL="457200" indent="0">
+            <a:lvl2pPr marL="712775" indent="0">
               <a:buNone/>
-              <a:defRPr sz="2800"/>
+              <a:defRPr sz="4365"/>
             </a:lvl2pPr>
-            <a:lvl3pPr marL="914400" indent="0">
+            <a:lvl3pPr marL="1425550" indent="0">
               <a:buNone/>
-              <a:defRPr sz="2400"/>
+              <a:defRPr sz="3742"/>
             </a:lvl3pPr>
-            <a:lvl4pPr marL="1371600" indent="0">
+            <a:lvl4pPr marL="2138324" indent="0">
               <a:buNone/>
-              <a:defRPr sz="2000"/>
+              <a:defRPr sz="3118"/>
             </a:lvl4pPr>
-            <a:lvl5pPr marL="1828800" indent="0">
+            <a:lvl5pPr marL="2851099" indent="0">
               <a:buNone/>
-              <a:defRPr sz="2000"/>
+              <a:defRPr sz="3118"/>
             </a:lvl5pPr>
-            <a:lvl6pPr marL="2286000" indent="0">
+            <a:lvl6pPr marL="3563874" indent="0">
               <a:buNone/>
-              <a:defRPr sz="2000"/>
+              <a:defRPr sz="3118"/>
             </a:lvl6pPr>
-            <a:lvl7pPr marL="2743200" indent="0">
+            <a:lvl7pPr marL="4276649" indent="0">
               <a:buNone/>
-              <a:defRPr sz="2000"/>
+              <a:defRPr sz="3118"/>
             </a:lvl7pPr>
-            <a:lvl8pPr marL="3200400" indent="0">
+            <a:lvl8pPr marL="4989424" indent="0">
               <a:buNone/>
-              <a:defRPr sz="2000"/>
+              <a:defRPr sz="3118"/>
             </a:lvl8pPr>
-            <a:lvl9pPr marL="3657600" indent="0">
+            <a:lvl9pPr marL="5702198" indent="0">
               <a:buNone/>
-              <a:defRPr sz="2000"/>
+              <a:defRPr sz="3118"/>
             </a:lvl9pPr>
           </a:lstStyle>
           <a:p>
-            <a:endParaRPr lang="en-GB"/>
-          </a:p>
-        </p:txBody>
-      </p:sp>
-      <p:sp>
-        <p:nvSpPr>
-          <p:cNvPr id="4" name="Text Placeholder 3">
-            <a:extLst>
-              <a:ext uri="{FF2B5EF4-FFF2-40B4-BE49-F238E27FC236}">
-                <a16:creationId xmlns:a16="http://schemas.microsoft.com/office/drawing/2014/main" id="{08A3A08F-E2E3-4666-9123-B032717BFA7B}"/>
-              </a:ext>
-            </a:extLst>
-          </p:cNvPr>
+            <a:r>
+              <a:rPr lang="en-US"/>
+              <a:t>Click icon to add picture</a:t>
+            </a:r>
+            <a:endParaRPr lang="en-US" dirty="0"/>
+          </a:p>
+        </p:txBody>
+      </p:sp>
+      <p:sp>
+        <p:nvSpPr>
+          <p:cNvPr id="4" name="Text Placeholder 3"/>
           <p:cNvSpPr>
             <a:spLocks noGrp="1"/>
           </p:cNvSpPr>
@@ -2607,8 +2286,8 @@
         </p:nvSpPr>
         <p:spPr>
           <a:xfrm>
-            <a:off x="839788" y="2057400"/>
-            <a:ext cx="3932237" cy="3811588"/>
+            <a:off x="1041425" y="3207544"/>
+            <a:ext cx="4876384" cy="5942372"/>
           </a:xfrm>
         </p:spPr>
         <p:txBody>
@@ -2616,39 +2295,39 @@
           <a:lstStyle>
             <a:lvl1pPr marL="0" indent="0">
               <a:buNone/>
-              <a:defRPr sz="1600"/>
+              <a:defRPr sz="2494"/>
             </a:lvl1pPr>
-            <a:lvl2pPr marL="457200" indent="0">
+            <a:lvl2pPr marL="712775" indent="0">
               <a:buNone/>
-              <a:defRPr sz="1400"/>
+              <a:defRPr sz="2183"/>
             </a:lvl2pPr>
-            <a:lvl3pPr marL="914400" indent="0">
+            <a:lvl3pPr marL="1425550" indent="0">
               <a:buNone/>
-              <a:defRPr sz="1200"/>
+              <a:defRPr sz="1871"/>
             </a:lvl3pPr>
-            <a:lvl4pPr marL="1371600" indent="0">
+            <a:lvl4pPr marL="2138324" indent="0">
               <a:buNone/>
-              <a:defRPr sz="1000"/>
+              <a:defRPr sz="1559"/>
             </a:lvl4pPr>
-            <a:lvl5pPr marL="1828800" indent="0">
+            <a:lvl5pPr marL="2851099" indent="0">
               <a:buNone/>
-              <a:defRPr sz="1000"/>
+              <a:defRPr sz="1559"/>
             </a:lvl5pPr>
-            <a:lvl6pPr marL="2286000" indent="0">
+            <a:lvl6pPr marL="3563874" indent="0">
               <a:buNone/>
-              <a:defRPr sz="1000"/>
+              <a:defRPr sz="1559"/>
             </a:lvl6pPr>
-            <a:lvl7pPr marL="2743200" indent="0">
+            <a:lvl7pPr marL="4276649" indent="0">
               <a:buNone/>
-              <a:defRPr sz="1000"/>
+              <a:defRPr sz="1559"/>
             </a:lvl7pPr>
-            <a:lvl8pPr marL="3200400" indent="0">
+            <a:lvl8pPr marL="4989424" indent="0">
               <a:buNone/>
-              <a:defRPr sz="1000"/>
+              <a:defRPr sz="1559"/>
             </a:lvl8pPr>
-            <a:lvl9pPr marL="3657600" indent="0">
+            <a:lvl9pPr marL="5702198" indent="0">
               <a:buNone/>
-              <a:defRPr sz="1000"/>
+              <a:defRPr sz="1559"/>
             </a:lvl9pPr>
           </a:lstStyle>
           <a:p>
@@ -2662,13 +2341,7 @@
       </p:sp>
       <p:sp>
         <p:nvSpPr>
-          <p:cNvPr id="5" name="Date Placeholder 4">
-            <a:extLst>
-              <a:ext uri="{FF2B5EF4-FFF2-40B4-BE49-F238E27FC236}">
-                <a16:creationId xmlns:a16="http://schemas.microsoft.com/office/drawing/2014/main" id="{08DF4CCD-EAC8-4D24-A024-6B95F9F9E14B}"/>
-              </a:ext>
-            </a:extLst>
-          </p:cNvPr>
+          <p:cNvPr id="5" name="Date Placeholder 4"/>
           <p:cNvSpPr>
             <a:spLocks noGrp="1"/>
           </p:cNvSpPr>
@@ -2683,7 +2356,7 @@
           <a:p>
             <a:fld id="{A03881B1-0A11-470F-8EE9-80F8B523F300}" type="datetimeFigureOut">
               <a:rPr lang="en-GB" smtClean="0"/>
-              <a:t>20/03/2019</a:t>
+              <a:t>08/05/2019</a:t>
             </a:fld>
             <a:endParaRPr lang="en-GB"/>
           </a:p>
@@ -2691,13 +2364,7 @@
       </p:sp>
       <p:sp>
         <p:nvSpPr>
-          <p:cNvPr id="6" name="Footer Placeholder 5">
-            <a:extLst>
-              <a:ext uri="{FF2B5EF4-FFF2-40B4-BE49-F238E27FC236}">
-                <a16:creationId xmlns:a16="http://schemas.microsoft.com/office/drawing/2014/main" id="{01C0D004-054C-4FA8-BF8C-9EAD691B2930}"/>
-              </a:ext>
-            </a:extLst>
-          </p:cNvPr>
+          <p:cNvPr id="6" name="Footer Placeholder 5"/>
           <p:cNvSpPr>
             <a:spLocks noGrp="1"/>
           </p:cNvSpPr>
@@ -2716,13 +2383,7 @@
       </p:sp>
       <p:sp>
         <p:nvSpPr>
-          <p:cNvPr id="7" name="Slide Number Placeholder 6">
-            <a:extLst>
-              <a:ext uri="{FF2B5EF4-FFF2-40B4-BE49-F238E27FC236}">
-                <a16:creationId xmlns:a16="http://schemas.microsoft.com/office/drawing/2014/main" id="{0E4CD9DD-B0B3-49B5-88EE-39914267D41A}"/>
-              </a:ext>
-            </a:extLst>
-          </p:cNvPr>
+          <p:cNvPr id="7" name="Slide Number Placeholder 6"/>
           <p:cNvSpPr>
             <a:spLocks noGrp="1"/>
           </p:cNvSpPr>
@@ -2746,7 +2407,7 @@
     </p:spTree>
     <p:extLst>
       <p:ext uri="{BB962C8B-B14F-4D97-AF65-F5344CB8AC3E}">
-        <p14:creationId xmlns:p14="http://schemas.microsoft.com/office/powerpoint/2010/main" val="1203893286"/>
+        <p14:creationId xmlns:p14="http://schemas.microsoft.com/office/powerpoint/2010/main" val="2498199968"/>
       </p:ext>
     </p:extLst>
   </p:cSld>
@@ -2780,13 +2441,7 @@
       </p:grpSpPr>
       <p:sp>
         <p:nvSpPr>
-          <p:cNvPr id="2" name="Title Placeholder 1">
-            <a:extLst>
-              <a:ext uri="{FF2B5EF4-FFF2-40B4-BE49-F238E27FC236}">
-                <a16:creationId xmlns:a16="http://schemas.microsoft.com/office/drawing/2014/main" id="{BB198A03-CDFB-468E-BB38-BD2108F62ADF}"/>
-              </a:ext>
-            </a:extLst>
-          </p:cNvPr>
+          <p:cNvPr id="2" name="Title Placeholder 1"/>
           <p:cNvSpPr>
             <a:spLocks noGrp="1"/>
           </p:cNvSpPr>
@@ -2796,8 +2451,8 @@
         </p:nvSpPr>
         <p:spPr>
           <a:xfrm>
-            <a:off x="838200" y="365125"/>
-            <a:ext cx="10515600" cy="1325563"/>
+            <a:off x="1039456" y="569242"/>
+            <a:ext cx="13040439" cy="2066590"/>
           </a:xfrm>
           <a:prstGeom prst="rect">
             <a:avLst/>
@@ -2813,19 +2468,13 @@
               <a:rPr lang="en-US"/>
               <a:t>Click to edit Master title style</a:t>
             </a:r>
-            <a:endParaRPr lang="en-GB"/>
-          </a:p>
-        </p:txBody>
-      </p:sp>
-      <p:sp>
-        <p:nvSpPr>
-          <p:cNvPr id="3" name="Text Placeholder 2">
-            <a:extLst>
-              <a:ext uri="{FF2B5EF4-FFF2-40B4-BE49-F238E27FC236}">
-                <a16:creationId xmlns:a16="http://schemas.microsoft.com/office/drawing/2014/main" id="{7F791985-1256-4B5C-9E3E-C1DE723E6331}"/>
-              </a:ext>
-            </a:extLst>
-          </p:cNvPr>
+            <a:endParaRPr lang="en-US" dirty="0"/>
+          </a:p>
+        </p:txBody>
+      </p:sp>
+      <p:sp>
+        <p:nvSpPr>
+          <p:cNvPr id="3" name="Text Placeholder 2"/>
           <p:cNvSpPr>
             <a:spLocks noGrp="1"/>
           </p:cNvSpPr>
@@ -2835,8 +2484,8 @@
         </p:nvSpPr>
         <p:spPr>
           <a:xfrm>
-            <a:off x="838200" y="1825625"/>
-            <a:ext cx="10515600" cy="4351338"/>
+            <a:off x="1039456" y="2846200"/>
+            <a:ext cx="13040439" cy="6783857"/>
           </a:xfrm>
           <a:prstGeom prst="rect">
             <a:avLst/>
@@ -2881,19 +2530,13 @@
               <a:rPr lang="en-US"/>
               <a:t>Fifth level</a:t>
             </a:r>
-            <a:endParaRPr lang="en-GB"/>
-          </a:p>
-        </p:txBody>
-      </p:sp>
-      <p:sp>
-        <p:nvSpPr>
-          <p:cNvPr id="4" name="Date Placeholder 3">
-            <a:extLst>
-              <a:ext uri="{FF2B5EF4-FFF2-40B4-BE49-F238E27FC236}">
-                <a16:creationId xmlns:a16="http://schemas.microsoft.com/office/drawing/2014/main" id="{CCCB2534-6180-4263-8FDB-8700176D6D5A}"/>
-              </a:ext>
-            </a:extLst>
-          </p:cNvPr>
+            <a:endParaRPr lang="en-US" dirty="0"/>
+          </a:p>
+        </p:txBody>
+      </p:sp>
+      <p:sp>
+        <p:nvSpPr>
+          <p:cNvPr id="4" name="Date Placeholder 3"/>
           <p:cNvSpPr>
             <a:spLocks noGrp="1"/>
           </p:cNvSpPr>
@@ -2903,8 +2546,8 @@
         </p:nvSpPr>
         <p:spPr>
           <a:xfrm>
-            <a:off x="838200" y="6356350"/>
-            <a:ext cx="2743200" cy="365125"/>
+            <a:off x="1039455" y="9909729"/>
+            <a:ext cx="3401854" cy="569240"/>
           </a:xfrm>
           <a:prstGeom prst="rect">
             <a:avLst/>
@@ -2914,7 +2557,7 @@
           <a:bodyPr vert="horz" lIns="91440" tIns="45720" rIns="91440" bIns="45720" rtlCol="0" anchor="ctr"/>
           <a:lstStyle>
             <a:lvl1pPr algn="l">
-              <a:defRPr sz="1200">
+              <a:defRPr sz="1871">
                 <a:solidFill>
                   <a:schemeClr val="tx1">
                     <a:tint val="75000"/>
@@ -2926,7 +2569,7 @@
           <a:p>
             <a:fld id="{A03881B1-0A11-470F-8EE9-80F8B523F300}" type="datetimeFigureOut">
               <a:rPr lang="en-GB" smtClean="0"/>
-              <a:t>20/03/2019</a:t>
+              <a:t>08/05/2019</a:t>
             </a:fld>
             <a:endParaRPr lang="en-GB"/>
           </a:p>
@@ -2934,13 +2577,7 @@
       </p:sp>
       <p:sp>
         <p:nvSpPr>
-          <p:cNvPr id="5" name="Footer Placeholder 4">
-            <a:extLst>
-              <a:ext uri="{FF2B5EF4-FFF2-40B4-BE49-F238E27FC236}">
-                <a16:creationId xmlns:a16="http://schemas.microsoft.com/office/drawing/2014/main" id="{D73A3CA6-6CBC-4621-844F-170820CF8FEC}"/>
-              </a:ext>
-            </a:extLst>
-          </p:cNvPr>
+          <p:cNvPr id="5" name="Footer Placeholder 4"/>
           <p:cNvSpPr>
             <a:spLocks noGrp="1"/>
           </p:cNvSpPr>
@@ -2950,8 +2587,8 @@
         </p:nvSpPr>
         <p:spPr>
           <a:xfrm>
-            <a:off x="4038600" y="6356350"/>
-            <a:ext cx="4114800" cy="365125"/>
+            <a:off x="5008285" y="9909729"/>
+            <a:ext cx="5102781" cy="569240"/>
           </a:xfrm>
           <a:prstGeom prst="rect">
             <a:avLst/>
@@ -2961,7 +2598,7 @@
           <a:bodyPr vert="horz" lIns="91440" tIns="45720" rIns="91440" bIns="45720" rtlCol="0" anchor="ctr"/>
           <a:lstStyle>
             <a:lvl1pPr algn="ctr">
-              <a:defRPr sz="1200">
+              <a:defRPr sz="1871">
                 <a:solidFill>
                   <a:schemeClr val="tx1">
                     <a:tint val="75000"/>
@@ -2977,13 +2614,7 @@
       </p:sp>
       <p:sp>
         <p:nvSpPr>
-          <p:cNvPr id="6" name="Slide Number Placeholder 5">
-            <a:extLst>
-              <a:ext uri="{FF2B5EF4-FFF2-40B4-BE49-F238E27FC236}">
-                <a16:creationId xmlns:a16="http://schemas.microsoft.com/office/drawing/2014/main" id="{1BDEEE6C-0284-428A-889C-B9DC50787072}"/>
-              </a:ext>
-            </a:extLst>
-          </p:cNvPr>
+          <p:cNvPr id="6" name="Slide Number Placeholder 5"/>
           <p:cNvSpPr>
             <a:spLocks noGrp="1"/>
           </p:cNvSpPr>
@@ -2993,8 +2624,8 @@
         </p:nvSpPr>
         <p:spPr>
           <a:xfrm>
-            <a:off x="8610600" y="6356350"/>
-            <a:ext cx="2743200" cy="365125"/>
+            <a:off x="10678041" y="9909729"/>
+            <a:ext cx="3401854" cy="569240"/>
           </a:xfrm>
           <a:prstGeom prst="rect">
             <a:avLst/>
@@ -3004,7 +2635,7 @@
           <a:bodyPr vert="horz" lIns="91440" tIns="45720" rIns="91440" bIns="45720" rtlCol="0" anchor="ctr"/>
           <a:lstStyle>
             <a:lvl1pPr algn="r">
-              <a:defRPr sz="1200">
+              <a:defRPr sz="1871">
                 <a:solidFill>
                   <a:schemeClr val="tx1">
                     <a:tint val="75000"/>
@@ -3025,27 +2656,27 @@
     </p:spTree>
     <p:extLst>
       <p:ext uri="{BB962C8B-B14F-4D97-AF65-F5344CB8AC3E}">
-        <p14:creationId xmlns:p14="http://schemas.microsoft.com/office/powerpoint/2010/main" val="481203881"/>
+        <p14:creationId xmlns:p14="http://schemas.microsoft.com/office/powerpoint/2010/main" val="3275225821"/>
       </p:ext>
     </p:extLst>
   </p:cSld>
   <p:clrMap bg1="lt1" tx1="dk1" bg2="lt2" tx2="dk2" accent1="accent1" accent2="accent2" accent3="accent3" accent4="accent4" accent5="accent5" accent6="accent6" hlink="hlink" folHlink="folHlink"/>
   <p:sldLayoutIdLst>
-    <p:sldLayoutId id="2147483649" r:id="rId1"/>
-    <p:sldLayoutId id="2147483650" r:id="rId2"/>
-    <p:sldLayoutId id="2147483651" r:id="rId3"/>
-    <p:sldLayoutId id="2147483652" r:id="rId4"/>
-    <p:sldLayoutId id="2147483653" r:id="rId5"/>
-    <p:sldLayoutId id="2147483654" r:id="rId6"/>
-    <p:sldLayoutId id="2147483655" r:id="rId7"/>
-    <p:sldLayoutId id="2147483656" r:id="rId8"/>
-    <p:sldLayoutId id="2147483657" r:id="rId9"/>
-    <p:sldLayoutId id="2147483658" r:id="rId10"/>
-    <p:sldLayoutId id="2147483659" r:id="rId11"/>
+    <p:sldLayoutId id="2147483661" r:id="rId1"/>
+    <p:sldLayoutId id="2147483662" r:id="rId2"/>
+    <p:sldLayoutId id="2147483663" r:id="rId3"/>
+    <p:sldLayoutId id="2147483664" r:id="rId4"/>
+    <p:sldLayoutId id="2147483665" r:id="rId5"/>
+    <p:sldLayoutId id="2147483666" r:id="rId6"/>
+    <p:sldLayoutId id="2147483667" r:id="rId7"/>
+    <p:sldLayoutId id="2147483668" r:id="rId8"/>
+    <p:sldLayoutId id="2147483669" r:id="rId9"/>
+    <p:sldLayoutId id="2147483670" r:id="rId10"/>
+    <p:sldLayoutId id="2147483671" r:id="rId11"/>
   </p:sldLayoutIdLst>
   <p:txStyles>
     <p:titleStyle>
-      <a:lvl1pPr algn="l" defTabSz="914400" rtl="0" eaLnBrk="1" latinLnBrk="0" hangingPunct="1">
+      <a:lvl1pPr algn="l" defTabSz="1425550" rtl="0" eaLnBrk="1" latinLnBrk="0" hangingPunct="1">
         <a:lnSpc>
           <a:spcPct val="90000"/>
         </a:lnSpc>
@@ -3053,7 +2684,7 @@
           <a:spcPct val="0"/>
         </a:spcBef>
         <a:buNone/>
-        <a:defRPr sz="4400" kern="1200">
+        <a:defRPr sz="6860" kern="1200">
           <a:solidFill>
             <a:schemeClr val="tx1"/>
           </a:solidFill>
@@ -3064,16 +2695,16 @@
       </a:lvl1pPr>
     </p:titleStyle>
     <p:bodyStyle>
-      <a:lvl1pPr marL="228600" indent="-228600" algn="l" defTabSz="914400" rtl="0" eaLnBrk="1" latinLnBrk="0" hangingPunct="1">
+      <a:lvl1pPr marL="356387" indent="-356387" algn="l" defTabSz="1425550" rtl="0" eaLnBrk="1" latinLnBrk="0" hangingPunct="1">
         <a:lnSpc>
           <a:spcPct val="90000"/>
         </a:lnSpc>
         <a:spcBef>
-          <a:spcPts val="1000"/>
+          <a:spcPts val="1559"/>
         </a:spcBef>
         <a:buFont typeface="Arial" panose="020B0604020202020204" pitchFamily="34" charset="0"/>
         <a:buChar char="•"/>
-        <a:defRPr sz="2800" kern="1200">
+        <a:defRPr sz="4365" kern="1200">
           <a:solidFill>
             <a:schemeClr val="tx1"/>
           </a:solidFill>
@@ -3082,16 +2713,16 @@
           <a:cs typeface="+mn-cs"/>
         </a:defRPr>
       </a:lvl1pPr>
-      <a:lvl2pPr marL="685800" indent="-228600" algn="l" defTabSz="914400" rtl="0" eaLnBrk="1" latinLnBrk="0" hangingPunct="1">
+      <a:lvl2pPr marL="1069162" indent="-356387" algn="l" defTabSz="1425550" rtl="0" eaLnBrk="1" latinLnBrk="0" hangingPunct="1">
         <a:lnSpc>
           <a:spcPct val="90000"/>
         </a:lnSpc>
         <a:spcBef>
-          <a:spcPts val="500"/>
+          <a:spcPts val="780"/>
         </a:spcBef>
         <a:buFont typeface="Arial" panose="020B0604020202020204" pitchFamily="34" charset="0"/>
         <a:buChar char="•"/>
-        <a:defRPr sz="2400" kern="1200">
+        <a:defRPr sz="3742" kern="1200">
           <a:solidFill>
             <a:schemeClr val="tx1"/>
           </a:solidFill>
@@ -3100,16 +2731,16 @@
           <a:cs typeface="+mn-cs"/>
         </a:defRPr>
       </a:lvl2pPr>
-      <a:lvl3pPr marL="1143000" indent="-228600" algn="l" defTabSz="914400" rtl="0" eaLnBrk="1" latinLnBrk="0" hangingPunct="1">
+      <a:lvl3pPr marL="1781937" indent="-356387" algn="l" defTabSz="1425550" rtl="0" eaLnBrk="1" latinLnBrk="0" hangingPunct="1">
         <a:lnSpc>
           <a:spcPct val="90000"/>
         </a:lnSpc>
         <a:spcBef>
-          <a:spcPts val="500"/>
+          <a:spcPts val="780"/>
         </a:spcBef>
         <a:buFont typeface="Arial" panose="020B0604020202020204" pitchFamily="34" charset="0"/>
         <a:buChar char="•"/>
-        <a:defRPr sz="2000" kern="1200">
+        <a:defRPr sz="3118" kern="1200">
           <a:solidFill>
             <a:schemeClr val="tx1"/>
           </a:solidFill>
@@ -3118,16 +2749,16 @@
           <a:cs typeface="+mn-cs"/>
         </a:defRPr>
       </a:lvl3pPr>
-      <a:lvl4pPr marL="1600200" indent="-228600" algn="l" defTabSz="914400" rtl="0" eaLnBrk="1" latinLnBrk="0" hangingPunct="1">
+      <a:lvl4pPr marL="2494712" indent="-356387" algn="l" defTabSz="1425550" rtl="0" eaLnBrk="1" latinLnBrk="0" hangingPunct="1">
         <a:lnSpc>
           <a:spcPct val="90000"/>
         </a:lnSpc>
         <a:spcBef>
-          <a:spcPts val="500"/>
+          <a:spcPts val="780"/>
         </a:spcBef>
         <a:buFont typeface="Arial" panose="020B0604020202020204" pitchFamily="34" charset="0"/>
         <a:buChar char="•"/>
-        <a:defRPr sz="1800" kern="1200">
+        <a:defRPr sz="2806" kern="1200">
           <a:solidFill>
             <a:schemeClr val="tx1"/>
           </a:solidFill>
@@ -3136,16 +2767,16 @@
           <a:cs typeface="+mn-cs"/>
         </a:defRPr>
       </a:lvl4pPr>
-      <a:lvl5pPr marL="2057400" indent="-228600" algn="l" defTabSz="914400" rtl="0" eaLnBrk="1" latinLnBrk="0" hangingPunct="1">
+      <a:lvl5pPr marL="3207487" indent="-356387" algn="l" defTabSz="1425550" rtl="0" eaLnBrk="1" latinLnBrk="0" hangingPunct="1">
         <a:lnSpc>
           <a:spcPct val="90000"/>
         </a:lnSpc>
         <a:spcBef>
-          <a:spcPts val="500"/>
+          <a:spcPts val="780"/>
         </a:spcBef>
         <a:buFont typeface="Arial" panose="020B0604020202020204" pitchFamily="34" charset="0"/>
         <a:buChar char="•"/>
-        <a:defRPr sz="1800" kern="1200">
+        <a:defRPr sz="2806" kern="1200">
           <a:solidFill>
             <a:schemeClr val="tx1"/>
           </a:solidFill>
@@ -3154,16 +2785,16 @@
           <a:cs typeface="+mn-cs"/>
         </a:defRPr>
       </a:lvl5pPr>
-      <a:lvl6pPr marL="2514600" indent="-228600" algn="l" defTabSz="914400" rtl="0" eaLnBrk="1" latinLnBrk="0" hangingPunct="1">
+      <a:lvl6pPr marL="3920261" indent="-356387" algn="l" defTabSz="1425550" rtl="0" eaLnBrk="1" latinLnBrk="0" hangingPunct="1">
         <a:lnSpc>
           <a:spcPct val="90000"/>
         </a:lnSpc>
         <a:spcBef>
-          <a:spcPts val="500"/>
+          <a:spcPts val="780"/>
         </a:spcBef>
         <a:buFont typeface="Arial" panose="020B0604020202020204" pitchFamily="34" charset="0"/>
         <a:buChar char="•"/>
-        <a:defRPr sz="1800" kern="1200">
+        <a:defRPr sz="2806" kern="1200">
           <a:solidFill>
             <a:schemeClr val="tx1"/>
           </a:solidFill>
@@ -3172,16 +2803,16 @@
           <a:cs typeface="+mn-cs"/>
         </a:defRPr>
       </a:lvl6pPr>
-      <a:lvl7pPr marL="2971800" indent="-228600" algn="l" defTabSz="914400" rtl="0" eaLnBrk="1" latinLnBrk="0" hangingPunct="1">
+      <a:lvl7pPr marL="4633036" indent="-356387" algn="l" defTabSz="1425550" rtl="0" eaLnBrk="1" latinLnBrk="0" hangingPunct="1">
         <a:lnSpc>
           <a:spcPct val="90000"/>
         </a:lnSpc>
         <a:spcBef>
-          <a:spcPts val="500"/>
+          <a:spcPts val="780"/>
         </a:spcBef>
         <a:buFont typeface="Arial" panose="020B0604020202020204" pitchFamily="34" charset="0"/>
         <a:buChar char="•"/>
-        <a:defRPr sz="1800" kern="1200">
+        <a:defRPr sz="2806" kern="1200">
           <a:solidFill>
             <a:schemeClr val="tx1"/>
           </a:solidFill>
@@ -3190,16 +2821,16 @@
           <a:cs typeface="+mn-cs"/>
         </a:defRPr>
       </a:lvl7pPr>
-      <a:lvl8pPr marL="3429000" indent="-228600" algn="l" defTabSz="914400" rtl="0" eaLnBrk="1" latinLnBrk="0" hangingPunct="1">
+      <a:lvl8pPr marL="5345811" indent="-356387" algn="l" defTabSz="1425550" rtl="0" eaLnBrk="1" latinLnBrk="0" hangingPunct="1">
         <a:lnSpc>
           <a:spcPct val="90000"/>
         </a:lnSpc>
         <a:spcBef>
-          <a:spcPts val="500"/>
+          <a:spcPts val="780"/>
         </a:spcBef>
         <a:buFont typeface="Arial" panose="020B0604020202020204" pitchFamily="34" charset="0"/>
         <a:buChar char="•"/>
-        <a:defRPr sz="1800" kern="1200">
+        <a:defRPr sz="2806" kern="1200">
           <a:solidFill>
             <a:schemeClr val="tx1"/>
           </a:solidFill>
@@ -3208,16 +2839,16 @@
           <a:cs typeface="+mn-cs"/>
         </a:defRPr>
       </a:lvl8pPr>
-      <a:lvl9pPr marL="3886200" indent="-228600" algn="l" defTabSz="914400" rtl="0" eaLnBrk="1" latinLnBrk="0" hangingPunct="1">
+      <a:lvl9pPr marL="6058586" indent="-356387" algn="l" defTabSz="1425550" rtl="0" eaLnBrk="1" latinLnBrk="0" hangingPunct="1">
         <a:lnSpc>
           <a:spcPct val="90000"/>
         </a:lnSpc>
         <a:spcBef>
-          <a:spcPts val="500"/>
+          <a:spcPts val="780"/>
         </a:spcBef>
         <a:buFont typeface="Arial" panose="020B0604020202020204" pitchFamily="34" charset="0"/>
         <a:buChar char="•"/>
-        <a:defRPr sz="1800" kern="1200">
+        <a:defRPr sz="2806" kern="1200">
           <a:solidFill>
             <a:schemeClr val="tx1"/>
           </a:solidFill>
@@ -3231,8 +2862,8 @@
       <a:defPPr>
         <a:defRPr lang="en-US"/>
       </a:defPPr>
-      <a:lvl1pPr marL="0" algn="l" defTabSz="914400" rtl="0" eaLnBrk="1" latinLnBrk="0" hangingPunct="1">
-        <a:defRPr sz="1800" kern="1200">
+      <a:lvl1pPr marL="0" algn="l" defTabSz="1425550" rtl="0" eaLnBrk="1" latinLnBrk="0" hangingPunct="1">
+        <a:defRPr sz="2806" kern="1200">
           <a:solidFill>
             <a:schemeClr val="tx1"/>
           </a:solidFill>
@@ -3241,8 +2872,8 @@
           <a:cs typeface="+mn-cs"/>
         </a:defRPr>
       </a:lvl1pPr>
-      <a:lvl2pPr marL="457200" algn="l" defTabSz="914400" rtl="0" eaLnBrk="1" latinLnBrk="0" hangingPunct="1">
-        <a:defRPr sz="1800" kern="1200">
+      <a:lvl2pPr marL="712775" algn="l" defTabSz="1425550" rtl="0" eaLnBrk="1" latinLnBrk="0" hangingPunct="1">
+        <a:defRPr sz="2806" kern="1200">
           <a:solidFill>
             <a:schemeClr val="tx1"/>
           </a:solidFill>
@@ -3251,8 +2882,8 @@
           <a:cs typeface="+mn-cs"/>
         </a:defRPr>
       </a:lvl2pPr>
-      <a:lvl3pPr marL="914400" algn="l" defTabSz="914400" rtl="0" eaLnBrk="1" latinLnBrk="0" hangingPunct="1">
-        <a:defRPr sz="1800" kern="1200">
+      <a:lvl3pPr marL="1425550" algn="l" defTabSz="1425550" rtl="0" eaLnBrk="1" latinLnBrk="0" hangingPunct="1">
+        <a:defRPr sz="2806" kern="1200">
           <a:solidFill>
             <a:schemeClr val="tx1"/>
           </a:solidFill>
@@ -3261,8 +2892,8 @@
           <a:cs typeface="+mn-cs"/>
         </a:defRPr>
       </a:lvl3pPr>
-      <a:lvl4pPr marL="1371600" algn="l" defTabSz="914400" rtl="0" eaLnBrk="1" latinLnBrk="0" hangingPunct="1">
-        <a:defRPr sz="1800" kern="1200">
+      <a:lvl4pPr marL="2138324" algn="l" defTabSz="1425550" rtl="0" eaLnBrk="1" latinLnBrk="0" hangingPunct="1">
+        <a:defRPr sz="2806" kern="1200">
           <a:solidFill>
             <a:schemeClr val="tx1"/>
           </a:solidFill>
@@ -3271,8 +2902,8 @@
           <a:cs typeface="+mn-cs"/>
         </a:defRPr>
       </a:lvl4pPr>
-      <a:lvl5pPr marL="1828800" algn="l" defTabSz="914400" rtl="0" eaLnBrk="1" latinLnBrk="0" hangingPunct="1">
-        <a:defRPr sz="1800" kern="1200">
+      <a:lvl5pPr marL="2851099" algn="l" defTabSz="1425550" rtl="0" eaLnBrk="1" latinLnBrk="0" hangingPunct="1">
+        <a:defRPr sz="2806" kern="1200">
           <a:solidFill>
             <a:schemeClr val="tx1"/>
           </a:solidFill>
@@ -3281,8 +2912,8 @@
           <a:cs typeface="+mn-cs"/>
         </a:defRPr>
       </a:lvl5pPr>
-      <a:lvl6pPr marL="2286000" algn="l" defTabSz="914400" rtl="0" eaLnBrk="1" latinLnBrk="0" hangingPunct="1">
-        <a:defRPr sz="1800" kern="1200">
+      <a:lvl6pPr marL="3563874" algn="l" defTabSz="1425550" rtl="0" eaLnBrk="1" latinLnBrk="0" hangingPunct="1">
+        <a:defRPr sz="2806" kern="1200">
           <a:solidFill>
             <a:schemeClr val="tx1"/>
           </a:solidFill>
@@ -3291,8 +2922,8 @@
           <a:cs typeface="+mn-cs"/>
         </a:defRPr>
       </a:lvl6pPr>
-      <a:lvl7pPr marL="2743200" algn="l" defTabSz="914400" rtl="0" eaLnBrk="1" latinLnBrk="0" hangingPunct="1">
-        <a:defRPr sz="1800" kern="1200">
+      <a:lvl7pPr marL="4276649" algn="l" defTabSz="1425550" rtl="0" eaLnBrk="1" latinLnBrk="0" hangingPunct="1">
+        <a:defRPr sz="2806" kern="1200">
           <a:solidFill>
             <a:schemeClr val="tx1"/>
           </a:solidFill>
@@ -3301,8 +2932,8 @@
           <a:cs typeface="+mn-cs"/>
         </a:defRPr>
       </a:lvl7pPr>
-      <a:lvl8pPr marL="3200400" algn="l" defTabSz="914400" rtl="0" eaLnBrk="1" latinLnBrk="0" hangingPunct="1">
-        <a:defRPr sz="1800" kern="1200">
+      <a:lvl8pPr marL="4989424" algn="l" defTabSz="1425550" rtl="0" eaLnBrk="1" latinLnBrk="0" hangingPunct="1">
+        <a:defRPr sz="2806" kern="1200">
           <a:solidFill>
             <a:schemeClr val="tx1"/>
           </a:solidFill>
@@ -3311,8 +2942,8 @@
           <a:cs typeface="+mn-cs"/>
         </a:defRPr>
       </a:lvl8pPr>
-      <a:lvl9pPr marL="3657600" algn="l" defTabSz="914400" rtl="0" eaLnBrk="1" latinLnBrk="0" hangingPunct="1">
-        <a:defRPr sz="1800" kern="1200">
+      <a:lvl9pPr marL="5702198" algn="l" defTabSz="1425550" rtl="0" eaLnBrk="1" latinLnBrk="0" hangingPunct="1">
+        <a:defRPr sz="2806" kern="1200">
           <a:solidFill>
             <a:schemeClr val="tx1"/>
           </a:solidFill>
@@ -3357,7 +2988,7 @@
         </p:nvSpPr>
         <p:spPr>
           <a:xfrm>
-            <a:off x="364434" y="226152"/>
+            <a:off x="1828110" y="2143058"/>
             <a:ext cx="11463131" cy="1814684"/>
           </a:xfrm>
           <a:prstGeom prst="rect">
@@ -3407,8 +3038,8 @@
         </p:nvSpPr>
         <p:spPr>
           <a:xfrm>
-            <a:off x="5454285" y="239403"/>
-            <a:ext cx="1283428" cy="369332"/>
+            <a:off x="6917961" y="2156309"/>
+            <a:ext cx="1674241" cy="467692"/>
           </a:xfrm>
           <a:prstGeom prst="rect">
             <a:avLst/>
@@ -3442,7 +3073,7 @@
         </p:nvSpPr>
         <p:spPr>
           <a:xfrm>
-            <a:off x="530087" y="424070"/>
+            <a:off x="1993763" y="2340976"/>
             <a:ext cx="4532243" cy="1484244"/>
           </a:xfrm>
           <a:prstGeom prst="rect">
@@ -3492,8 +3123,8 @@
         </p:nvSpPr>
         <p:spPr>
           <a:xfrm>
-            <a:off x="1519287" y="476213"/>
-            <a:ext cx="2553841" cy="369332"/>
+            <a:off x="2982962" y="2393119"/>
+            <a:ext cx="3391954" cy="467692"/>
           </a:xfrm>
           <a:prstGeom prst="rect">
             <a:avLst/>
@@ -3527,7 +3158,7 @@
         </p:nvSpPr>
         <p:spPr>
           <a:xfrm>
-            <a:off x="7129668" y="410817"/>
+            <a:off x="8593344" y="2327723"/>
             <a:ext cx="4532243" cy="1497498"/>
           </a:xfrm>
           <a:prstGeom prst="rect">
@@ -3577,8 +3208,8 @@
         </p:nvSpPr>
         <p:spPr>
           <a:xfrm>
-            <a:off x="8179302" y="473619"/>
-            <a:ext cx="2432974" cy="369332"/>
+            <a:off x="9642977" y="2390525"/>
+            <a:ext cx="3229282" cy="467692"/>
           </a:xfrm>
           <a:prstGeom prst="rect">
             <a:avLst/>
@@ -3612,8 +3243,8 @@
         </p:nvSpPr>
         <p:spPr>
           <a:xfrm>
-            <a:off x="593569" y="804057"/>
-            <a:ext cx="3109826" cy="923330"/>
+            <a:off x="2057245" y="2720963"/>
+            <a:ext cx="4039311" cy="1218410"/>
           </a:xfrm>
           <a:prstGeom prst="rect">
             <a:avLst/>
@@ -3671,8 +3302,8 @@
         </p:nvSpPr>
         <p:spPr>
           <a:xfrm>
-            <a:off x="7129668" y="804057"/>
-            <a:ext cx="3962400" cy="923330"/>
+            <a:off x="8593343" y="2720963"/>
+            <a:ext cx="3962400" cy="1218410"/>
           </a:xfrm>
           <a:prstGeom prst="rect">
             <a:avLst/>
@@ -3720,7 +3351,7 @@
         </p:nvSpPr>
         <p:spPr>
           <a:xfrm>
-            <a:off x="364433" y="2651298"/>
+            <a:off x="1828109" y="4568205"/>
             <a:ext cx="11463131" cy="2133451"/>
           </a:xfrm>
           <a:prstGeom prst="rect">
@@ -3770,8 +3401,8 @@
         </p:nvSpPr>
         <p:spPr>
           <a:xfrm>
-            <a:off x="5315559" y="2651299"/>
-            <a:ext cx="1560877" cy="369332"/>
+            <a:off x="6779235" y="4568205"/>
+            <a:ext cx="2049857" cy="467692"/>
           </a:xfrm>
           <a:prstGeom prst="rect">
             <a:avLst/>
@@ -3805,8 +3436,8 @@
         </p:nvSpPr>
         <p:spPr>
           <a:xfrm>
-            <a:off x="364433" y="3164026"/>
-            <a:ext cx="5133970" cy="1477328"/>
+            <a:off x="1828109" y="5080933"/>
+            <a:ext cx="6619697" cy="1969129"/>
           </a:xfrm>
           <a:prstGeom prst="rect">
             <a:avLst/>
@@ -3914,7 +3545,7 @@
         </p:nvSpPr>
         <p:spPr>
           <a:xfrm>
-            <a:off x="1245704" y="185530"/>
+            <a:off x="2709380" y="2102436"/>
             <a:ext cx="8157603" cy="2093844"/>
           </a:xfrm>
           <a:prstGeom prst="rect">
@@ -3966,7 +3597,7 @@
         </p:nvSpPr>
         <p:spPr>
           <a:xfrm>
-            <a:off x="5785463" y="4765157"/>
+            <a:off x="7249138" y="6682064"/>
             <a:ext cx="3617844" cy="1907313"/>
           </a:xfrm>
           <a:prstGeom prst="rect">
@@ -4018,7 +3649,7 @@
         </p:nvSpPr>
         <p:spPr>
           <a:xfrm>
-            <a:off x="1245704" y="2862470"/>
+            <a:off x="2709379" y="4779376"/>
             <a:ext cx="3617844" cy="3810000"/>
           </a:xfrm>
           <a:prstGeom prst="rect">
@@ -4070,8 +3701,8 @@
         </p:nvSpPr>
         <p:spPr>
           <a:xfrm>
-            <a:off x="1331821" y="224822"/>
-            <a:ext cx="1371145" cy="369332"/>
+            <a:off x="2795497" y="2141728"/>
+            <a:ext cx="1793311" cy="467692"/>
           </a:xfrm>
           <a:prstGeom prst="rect">
             <a:avLst/>
@@ -4109,8 +3740,8 @@
         </p:nvSpPr>
         <p:spPr>
           <a:xfrm>
-            <a:off x="1331821" y="2923613"/>
-            <a:ext cx="803938" cy="369332"/>
+            <a:off x="2795497" y="4840519"/>
+            <a:ext cx="1025217" cy="467692"/>
           </a:xfrm>
           <a:prstGeom prst="rect">
             <a:avLst/>
@@ -4148,8 +3779,8 @@
         </p:nvSpPr>
         <p:spPr>
           <a:xfrm>
-            <a:off x="5858521" y="4798486"/>
-            <a:ext cx="1533497" cy="369332"/>
+            <a:off x="7322196" y="6715392"/>
+            <a:ext cx="2014654" cy="467692"/>
           </a:xfrm>
           <a:prstGeom prst="rect">
             <a:avLst/>
@@ -4187,7 +3818,7 @@
         </p:nvSpPr>
         <p:spPr>
           <a:xfrm>
-            <a:off x="2017394" y="1070368"/>
+            <a:off x="3481069" y="2987275"/>
             <a:ext cx="2074460" cy="909949"/>
           </a:xfrm>
           <a:prstGeom prst="rect">
@@ -4245,7 +3876,7 @@
         </p:nvSpPr>
         <p:spPr>
           <a:xfrm>
-            <a:off x="6127596" y="1070368"/>
+            <a:off x="7591271" y="2987274"/>
             <a:ext cx="2782956" cy="909950"/>
           </a:xfrm>
           <a:prstGeom prst="rect">
@@ -4303,7 +3934,7 @@
         </p:nvSpPr>
         <p:spPr>
           <a:xfrm>
-            <a:off x="2033516" y="3641684"/>
+            <a:off x="3497191" y="5558590"/>
             <a:ext cx="2074460" cy="888882"/>
           </a:xfrm>
           <a:prstGeom prst="rect">
@@ -4361,7 +3992,7 @@
         </p:nvSpPr>
         <p:spPr>
           <a:xfrm>
-            <a:off x="2033516" y="5157077"/>
+            <a:off x="3497191" y="7073983"/>
             <a:ext cx="2074460" cy="888882"/>
           </a:xfrm>
           <a:prstGeom prst="rect">
@@ -4419,8 +4050,8 @@
         </p:nvSpPr>
         <p:spPr>
           <a:xfrm>
-            <a:off x="6242152" y="1352924"/>
-            <a:ext cx="2553841" cy="369332"/>
+            <a:off x="7705827" y="3269830"/>
+            <a:ext cx="3391954" cy="467692"/>
           </a:xfrm>
           <a:prstGeom prst="rect">
             <a:avLst/>
@@ -4458,8 +4089,8 @@
         </p:nvSpPr>
         <p:spPr>
           <a:xfrm>
-            <a:off x="2286212" y="1340677"/>
-            <a:ext cx="1504579" cy="369332"/>
+            <a:off x="3749887" y="3257583"/>
+            <a:ext cx="1971694" cy="467692"/>
           </a:xfrm>
           <a:prstGeom prst="rect">
             <a:avLst/>
@@ -4493,8 +4124,8 @@
         </p:nvSpPr>
         <p:spPr>
           <a:xfrm>
-            <a:off x="2347957" y="3910491"/>
-            <a:ext cx="1413336" cy="369332"/>
+            <a:off x="3811632" y="5827397"/>
+            <a:ext cx="1847878" cy="467692"/>
           </a:xfrm>
           <a:prstGeom prst="rect">
             <a:avLst/>
@@ -4528,8 +4159,8 @@
         </p:nvSpPr>
         <p:spPr>
           <a:xfrm>
-            <a:off x="2710620" y="5430141"/>
-            <a:ext cx="688009" cy="369332"/>
+            <a:off x="4174296" y="7347047"/>
+            <a:ext cx="869149" cy="467692"/>
           </a:xfrm>
           <a:prstGeom prst="rect">
             <a:avLst/>
@@ -4563,7 +4194,7 @@
         </p:nvCxnSpPr>
         <p:spPr>
           <a:xfrm flipV="1">
-            <a:off x="2710620" y="1980317"/>
+            <a:off x="4174295" y="3897224"/>
             <a:ext cx="0" cy="1661367"/>
           </a:xfrm>
           <a:prstGeom prst="straightConnector1">
@@ -4605,7 +4236,7 @@
         </p:nvCxnSpPr>
         <p:spPr>
           <a:xfrm>
-            <a:off x="3398629" y="1980317"/>
+            <a:off x="4862304" y="3897224"/>
             <a:ext cx="0" cy="1661367"/>
           </a:xfrm>
           <a:prstGeom prst="straightConnector1">
@@ -4647,7 +4278,7 @@
         </p:nvCxnSpPr>
         <p:spPr>
           <a:xfrm flipV="1">
-            <a:off x="2702966" y="4530566"/>
+            <a:off x="4166641" y="6447473"/>
             <a:ext cx="7654" cy="626511"/>
           </a:xfrm>
           <a:prstGeom prst="straightConnector1">
@@ -4689,7 +4320,7 @@
         </p:nvCxnSpPr>
         <p:spPr>
           <a:xfrm>
-            <a:off x="3398629" y="4530566"/>
+            <a:off x="4862304" y="6447473"/>
             <a:ext cx="0" cy="626511"/>
           </a:xfrm>
           <a:prstGeom prst="straightConnector1">
@@ -4731,7 +4362,7 @@
         </p:nvCxnSpPr>
         <p:spPr>
           <a:xfrm>
-            <a:off x="4107976" y="5430141"/>
+            <a:off x="5571652" y="7347047"/>
             <a:ext cx="1677487" cy="0"/>
           </a:xfrm>
           <a:prstGeom prst="straightConnector1">
@@ -4773,7 +4404,7 @@
         </p:nvCxnSpPr>
         <p:spPr>
           <a:xfrm flipH="1">
-            <a:off x="4091854" y="5936776"/>
+            <a:off x="5555530" y="7853682"/>
             <a:ext cx="1693609" cy="0"/>
           </a:xfrm>
           <a:prstGeom prst="straightConnector1">
@@ -4817,7 +4448,7 @@
         </p:nvCxnSpPr>
         <p:spPr>
           <a:xfrm rot="10800000" flipV="1">
-            <a:off x="4122126" y="1980315"/>
+            <a:off x="5585801" y="3897221"/>
             <a:ext cx="3026712" cy="1920126"/>
           </a:xfrm>
           <a:prstGeom prst="bentConnector3">
@@ -4863,7 +4494,7 @@
         </p:nvCxnSpPr>
         <p:spPr>
           <a:xfrm flipV="1">
-            <a:off x="4141230" y="1980316"/>
+            <a:off x="5604905" y="3897223"/>
             <a:ext cx="4074722" cy="2278207"/>
           </a:xfrm>
           <a:prstGeom prst="bentConnector3">
@@ -4906,10 +4537,2378 @@
 </p:sld>
 </file>
 
+<file path=ppt/slides/slide3.xml><?xml version="1.0" encoding="utf-8"?>
+<p:sld xmlns:a="http://schemas.openxmlformats.org/drawingml/2006/main" xmlns:r="http://schemas.openxmlformats.org/officeDocument/2006/relationships" xmlns:p="http://schemas.openxmlformats.org/presentationml/2006/main">
+  <p:cSld>
+    <p:spTree>
+      <p:nvGrpSpPr>
+        <p:cNvPr id="1" name=""/>
+        <p:cNvGrpSpPr/>
+        <p:nvPr/>
+      </p:nvGrpSpPr>
+      <p:grpSpPr>
+        <a:xfrm>
+          <a:off x="0" y="0"/>
+          <a:ext cx="0" cy="0"/>
+          <a:chOff x="0" y="0"/>
+          <a:chExt cx="0" cy="0"/>
+        </a:xfrm>
+      </p:grpSpPr>
+      <p:grpSp>
+        <p:nvGrpSpPr>
+          <p:cNvPr id="2" name="Group 1">
+            <a:extLst>
+              <a:ext uri="{FF2B5EF4-FFF2-40B4-BE49-F238E27FC236}">
+                <a16:creationId xmlns:a16="http://schemas.microsoft.com/office/drawing/2014/main" id="{795E4AA3-D240-4933-BA81-E8A49BF555A3}"/>
+              </a:ext>
+            </a:extLst>
+          </p:cNvPr>
+          <p:cNvGrpSpPr/>
+          <p:nvPr/>
+        </p:nvGrpSpPr>
+        <p:grpSpPr>
+          <a:xfrm>
+            <a:off x="4315624" y="3512179"/>
+            <a:ext cx="2704289" cy="2672101"/>
+            <a:chOff x="4315624" y="3512179"/>
+            <a:chExt cx="2704289" cy="2672101"/>
+          </a:xfrm>
+        </p:grpSpPr>
+        <p:sp>
+          <p:nvSpPr>
+            <p:cNvPr id="33" name="Oval 32">
+              <a:extLst>
+                <a:ext uri="{FF2B5EF4-FFF2-40B4-BE49-F238E27FC236}">
+                  <a16:creationId xmlns:a16="http://schemas.microsoft.com/office/drawing/2014/main" id="{10098FE5-EC4C-4532-99BB-9F7C2D1F5C6C}"/>
+                </a:ext>
+              </a:extLst>
+            </p:cNvPr>
+            <p:cNvSpPr/>
+            <p:nvPr/>
+          </p:nvSpPr>
+          <p:spPr>
+            <a:xfrm flipH="1">
+              <a:off x="4326407" y="3519240"/>
+              <a:ext cx="2693506" cy="2603638"/>
+            </a:xfrm>
+            <a:prstGeom prst="ellipse">
+              <a:avLst/>
+            </a:prstGeom>
+            <a:solidFill>
+              <a:schemeClr val="bg2">
+                <a:lumMod val="75000"/>
+              </a:schemeClr>
+            </a:solidFill>
+            <a:ln>
+              <a:solidFill>
+                <a:schemeClr val="tx1"/>
+              </a:solidFill>
+            </a:ln>
+          </p:spPr>
+          <p:style>
+            <a:lnRef idx="2">
+              <a:schemeClr val="accent1">
+                <a:shade val="50000"/>
+              </a:schemeClr>
+            </a:lnRef>
+            <a:fillRef idx="1">
+              <a:schemeClr val="accent1"/>
+            </a:fillRef>
+            <a:effectRef idx="0">
+              <a:schemeClr val="accent1"/>
+            </a:effectRef>
+            <a:fontRef idx="minor">
+              <a:schemeClr val="lt1"/>
+            </a:fontRef>
+          </p:style>
+          <p:txBody>
+            <a:bodyPr rtlCol="0" anchor="ctr"/>
+            <a:lstStyle/>
+            <a:p>
+              <a:pPr algn="ctr"/>
+              <a:endParaRPr lang="en-GB" dirty="0"/>
+            </a:p>
+          </p:txBody>
+        </p:sp>
+        <p:sp>
+          <p:nvSpPr>
+            <p:cNvPr id="35" name="Oval 34">
+              <a:extLst>
+                <a:ext uri="{FF2B5EF4-FFF2-40B4-BE49-F238E27FC236}">
+                  <a16:creationId xmlns:a16="http://schemas.microsoft.com/office/drawing/2014/main" id="{520E870A-B68E-4868-8EA9-ABBD49EF8A30}"/>
+                </a:ext>
+              </a:extLst>
+            </p:cNvPr>
+            <p:cNvSpPr/>
+            <p:nvPr/>
+          </p:nvSpPr>
+          <p:spPr>
+            <a:xfrm>
+              <a:off x="4499087" y="3712575"/>
+              <a:ext cx="2348146" cy="2216969"/>
+            </a:xfrm>
+            <a:prstGeom prst="ellipse">
+              <a:avLst/>
+            </a:prstGeom>
+            <a:solidFill>
+              <a:schemeClr val="accent6">
+                <a:lumMod val="60000"/>
+                <a:lumOff val="40000"/>
+              </a:schemeClr>
+            </a:solidFill>
+            <a:ln>
+              <a:solidFill>
+                <a:schemeClr val="tx1"/>
+              </a:solidFill>
+            </a:ln>
+          </p:spPr>
+          <p:style>
+            <a:lnRef idx="2">
+              <a:schemeClr val="accent1">
+                <a:shade val="50000"/>
+              </a:schemeClr>
+            </a:lnRef>
+            <a:fillRef idx="1">
+              <a:schemeClr val="accent1"/>
+            </a:fillRef>
+            <a:effectRef idx="0">
+              <a:schemeClr val="accent1"/>
+            </a:effectRef>
+            <a:fontRef idx="minor">
+              <a:schemeClr val="lt1"/>
+            </a:fontRef>
+          </p:style>
+          <p:txBody>
+            <a:bodyPr rtlCol="0" anchor="ctr"/>
+            <a:lstStyle/>
+            <a:p>
+              <a:pPr algn="ctr"/>
+              <a:endParaRPr lang="en-GB"/>
+            </a:p>
+          </p:txBody>
+        </p:sp>
+        <p:grpSp>
+          <p:nvGrpSpPr>
+            <p:cNvPr id="37" name="Group 36">
+              <a:extLst>
+                <a:ext uri="{FF2B5EF4-FFF2-40B4-BE49-F238E27FC236}">
+                  <a16:creationId xmlns:a16="http://schemas.microsoft.com/office/drawing/2014/main" id="{49CAE405-41C0-4E5D-9E3D-E2B32E025914}"/>
+                </a:ext>
+              </a:extLst>
+            </p:cNvPr>
+            <p:cNvGrpSpPr/>
+            <p:nvPr/>
+          </p:nvGrpSpPr>
+          <p:grpSpPr>
+            <a:xfrm>
+              <a:off x="4984521" y="4129767"/>
+              <a:ext cx="1396145" cy="1382582"/>
+              <a:chOff x="5393634" y="2744856"/>
+              <a:chExt cx="1404731" cy="1368287"/>
+            </a:xfrm>
+          </p:grpSpPr>
+          <p:sp>
+            <p:nvSpPr>
+              <p:cNvPr id="38" name="Oval 37">
+                <a:extLst>
+                  <a:ext uri="{FF2B5EF4-FFF2-40B4-BE49-F238E27FC236}">
+                    <a16:creationId xmlns:a16="http://schemas.microsoft.com/office/drawing/2014/main" id="{066EC8D9-842C-4A6E-951C-2930C729D9A5}"/>
+                  </a:ext>
+                </a:extLst>
+              </p:cNvPr>
+              <p:cNvSpPr/>
+              <p:nvPr/>
+            </p:nvSpPr>
+            <p:spPr>
+              <a:xfrm>
+                <a:off x="5393634" y="2744856"/>
+                <a:ext cx="1404731" cy="1368287"/>
+              </a:xfrm>
+              <a:prstGeom prst="ellipse">
+                <a:avLst/>
+              </a:prstGeom>
+              <a:solidFill>
+                <a:schemeClr val="accent3"/>
+              </a:solidFill>
+              <a:ln>
+                <a:solidFill>
+                  <a:schemeClr val="tx1"/>
+                </a:solidFill>
+              </a:ln>
+            </p:spPr>
+            <p:style>
+              <a:lnRef idx="2">
+                <a:schemeClr val="accent1">
+                  <a:shade val="50000"/>
+                </a:schemeClr>
+              </a:lnRef>
+              <a:fillRef idx="1">
+                <a:schemeClr val="accent1"/>
+              </a:fillRef>
+              <a:effectRef idx="0">
+                <a:schemeClr val="accent1"/>
+              </a:effectRef>
+              <a:fontRef idx="minor">
+                <a:schemeClr val="lt1"/>
+              </a:fontRef>
+            </p:style>
+            <p:txBody>
+              <a:bodyPr rtlCol="0" anchor="ctr"/>
+              <a:lstStyle/>
+              <a:p>
+                <a:pPr algn="ctr"/>
+                <a:endParaRPr lang="en-GB"/>
+              </a:p>
+            </p:txBody>
+          </p:sp>
+          <p:sp>
+            <p:nvSpPr>
+              <p:cNvPr id="44" name="Oval 43">
+                <a:extLst>
+                  <a:ext uri="{FF2B5EF4-FFF2-40B4-BE49-F238E27FC236}">
+                    <a16:creationId xmlns:a16="http://schemas.microsoft.com/office/drawing/2014/main" id="{7288D77F-0ECE-4D19-9BCC-BE8FA7C7889B}"/>
+                  </a:ext>
+                </a:extLst>
+              </p:cNvPr>
+              <p:cNvSpPr/>
+              <p:nvPr/>
+            </p:nvSpPr>
+            <p:spPr>
+              <a:xfrm>
+                <a:off x="5638799" y="2985051"/>
+                <a:ext cx="914400" cy="887896"/>
+              </a:xfrm>
+              <a:prstGeom prst="ellipse">
+                <a:avLst/>
+              </a:prstGeom>
+              <a:solidFill>
+                <a:schemeClr val="bg1"/>
+              </a:solidFill>
+              <a:ln>
+                <a:solidFill>
+                  <a:schemeClr val="tx1"/>
+                </a:solidFill>
+              </a:ln>
+            </p:spPr>
+            <p:style>
+              <a:lnRef idx="2">
+                <a:schemeClr val="accent1">
+                  <a:shade val="50000"/>
+                </a:schemeClr>
+              </a:lnRef>
+              <a:fillRef idx="1">
+                <a:schemeClr val="accent1"/>
+              </a:fillRef>
+              <a:effectRef idx="0">
+                <a:schemeClr val="accent1"/>
+              </a:effectRef>
+              <a:fontRef idx="minor">
+                <a:schemeClr val="lt1"/>
+              </a:fontRef>
+            </p:style>
+            <p:txBody>
+              <a:bodyPr rtlCol="0" anchor="ctr"/>
+              <a:lstStyle/>
+              <a:p>
+                <a:pPr algn="ctr"/>
+                <a:endParaRPr lang="en-GB"/>
+              </a:p>
+            </p:txBody>
+          </p:sp>
+        </p:grpSp>
+        <p:sp>
+          <p:nvSpPr>
+            <p:cNvPr id="46" name="Rectangle 45">
+              <a:extLst>
+                <a:ext uri="{FF2B5EF4-FFF2-40B4-BE49-F238E27FC236}">
+                  <a16:creationId xmlns:a16="http://schemas.microsoft.com/office/drawing/2014/main" id="{B0177B0C-284A-43D2-A6CD-3115D8CBCE52}"/>
+                </a:ext>
+              </a:extLst>
+            </p:cNvPr>
+            <p:cNvSpPr/>
+            <p:nvPr/>
+          </p:nvSpPr>
+          <p:spPr>
+            <a:xfrm>
+              <a:off x="5202708" y="3512179"/>
+              <a:ext cx="986091" cy="138994"/>
+            </a:xfrm>
+            <a:prstGeom prst="rect">
+              <a:avLst/>
+            </a:prstGeom>
+            <a:ln>
+              <a:solidFill>
+                <a:schemeClr val="tx1"/>
+              </a:solidFill>
+            </a:ln>
+          </p:spPr>
+          <p:style>
+            <a:lnRef idx="2">
+              <a:schemeClr val="accent1">
+                <a:shade val="50000"/>
+              </a:schemeClr>
+            </a:lnRef>
+            <a:fillRef idx="1">
+              <a:schemeClr val="accent1"/>
+            </a:fillRef>
+            <a:effectRef idx="0">
+              <a:schemeClr val="accent1"/>
+            </a:effectRef>
+            <a:fontRef idx="minor">
+              <a:schemeClr val="lt1"/>
+            </a:fontRef>
+          </p:style>
+          <p:txBody>
+            <a:bodyPr rtlCol="0" anchor="ctr"/>
+            <a:lstStyle/>
+            <a:p>
+              <a:pPr algn="ctr"/>
+              <a:endParaRPr lang="en-GB" dirty="0"/>
+            </a:p>
+          </p:txBody>
+        </p:sp>
+        <p:sp>
+          <p:nvSpPr>
+            <p:cNvPr id="47" name="Rectangle 46">
+              <a:extLst>
+                <a:ext uri="{FF2B5EF4-FFF2-40B4-BE49-F238E27FC236}">
+                  <a16:creationId xmlns:a16="http://schemas.microsoft.com/office/drawing/2014/main" id="{5BA0183F-6DD7-476A-B156-C57F47F3DF0A}"/>
+                </a:ext>
+              </a:extLst>
+            </p:cNvPr>
+            <p:cNvSpPr/>
+            <p:nvPr/>
+          </p:nvSpPr>
+          <p:spPr>
+            <a:xfrm>
+              <a:off x="5202709" y="6060799"/>
+              <a:ext cx="986090" cy="123481"/>
+            </a:xfrm>
+            <a:prstGeom prst="rect">
+              <a:avLst/>
+            </a:prstGeom>
+            <a:ln>
+              <a:solidFill>
+                <a:schemeClr val="tx1"/>
+              </a:solidFill>
+            </a:ln>
+          </p:spPr>
+          <p:style>
+            <a:lnRef idx="2">
+              <a:schemeClr val="accent1">
+                <a:shade val="50000"/>
+              </a:schemeClr>
+            </a:lnRef>
+            <a:fillRef idx="1">
+              <a:schemeClr val="accent1"/>
+            </a:fillRef>
+            <a:effectRef idx="0">
+              <a:schemeClr val="accent1"/>
+            </a:effectRef>
+            <a:fontRef idx="minor">
+              <a:schemeClr val="lt1"/>
+            </a:fontRef>
+          </p:style>
+          <p:txBody>
+            <a:bodyPr rtlCol="0" anchor="ctr"/>
+            <a:lstStyle/>
+            <a:p>
+              <a:pPr algn="ctr"/>
+              <a:endParaRPr lang="en-GB"/>
+            </a:p>
+          </p:txBody>
+        </p:sp>
+        <p:sp>
+          <p:nvSpPr>
+            <p:cNvPr id="50" name="Rectangle 49">
+              <a:extLst>
+                <a:ext uri="{FF2B5EF4-FFF2-40B4-BE49-F238E27FC236}">
+                  <a16:creationId xmlns:a16="http://schemas.microsoft.com/office/drawing/2014/main" id="{8A671FEB-289A-428C-9C6C-1ED23B0CBA0E}"/>
+                </a:ext>
+              </a:extLst>
+            </p:cNvPr>
+            <p:cNvSpPr/>
+            <p:nvPr/>
+          </p:nvSpPr>
+          <p:spPr>
+            <a:xfrm rot="5400000">
+              <a:off x="6013958" y="4768047"/>
+              <a:ext cx="243667" cy="106017"/>
+            </a:xfrm>
+            <a:prstGeom prst="rect">
+              <a:avLst/>
+            </a:prstGeom>
+            <a:solidFill>
+              <a:schemeClr val="accent5">
+                <a:lumMod val="20000"/>
+                <a:lumOff val="80000"/>
+              </a:schemeClr>
+            </a:solidFill>
+            <a:ln>
+              <a:solidFill>
+                <a:schemeClr val="tx1"/>
+              </a:solidFill>
+            </a:ln>
+          </p:spPr>
+          <p:style>
+            <a:lnRef idx="2">
+              <a:schemeClr val="accent1">
+                <a:shade val="50000"/>
+              </a:schemeClr>
+            </a:lnRef>
+            <a:fillRef idx="1">
+              <a:schemeClr val="accent1"/>
+            </a:fillRef>
+            <a:effectRef idx="0">
+              <a:schemeClr val="accent1"/>
+            </a:effectRef>
+            <a:fontRef idx="minor">
+              <a:schemeClr val="lt1"/>
+            </a:fontRef>
+          </p:style>
+          <p:txBody>
+            <a:bodyPr rtlCol="0" anchor="ctr"/>
+            <a:lstStyle/>
+            <a:p>
+              <a:pPr algn="ctr"/>
+              <a:endParaRPr lang="en-GB"/>
+            </a:p>
+          </p:txBody>
+        </p:sp>
+        <p:sp>
+          <p:nvSpPr>
+            <p:cNvPr id="51" name="Rectangle 50">
+              <a:extLst>
+                <a:ext uri="{FF2B5EF4-FFF2-40B4-BE49-F238E27FC236}">
+                  <a16:creationId xmlns:a16="http://schemas.microsoft.com/office/drawing/2014/main" id="{B40EC479-F064-492B-A8F7-FB1566F8A44F}"/>
+                </a:ext>
+              </a:extLst>
+            </p:cNvPr>
+            <p:cNvSpPr/>
+            <p:nvPr/>
+          </p:nvSpPr>
+          <p:spPr>
+            <a:xfrm>
+              <a:off x="5547198" y="5163627"/>
+              <a:ext cx="243667" cy="106017"/>
+            </a:xfrm>
+            <a:prstGeom prst="rect">
+              <a:avLst/>
+            </a:prstGeom>
+            <a:solidFill>
+              <a:schemeClr val="accent5">
+                <a:lumMod val="20000"/>
+                <a:lumOff val="80000"/>
+              </a:schemeClr>
+            </a:solidFill>
+            <a:ln>
+              <a:solidFill>
+                <a:schemeClr val="tx1"/>
+              </a:solidFill>
+            </a:ln>
+          </p:spPr>
+          <p:style>
+            <a:lnRef idx="2">
+              <a:schemeClr val="accent1">
+                <a:shade val="50000"/>
+              </a:schemeClr>
+            </a:lnRef>
+            <a:fillRef idx="1">
+              <a:schemeClr val="accent1"/>
+            </a:fillRef>
+            <a:effectRef idx="0">
+              <a:schemeClr val="accent1"/>
+            </a:effectRef>
+            <a:fontRef idx="minor">
+              <a:schemeClr val="lt1"/>
+            </a:fontRef>
+          </p:style>
+          <p:txBody>
+            <a:bodyPr rtlCol="0" anchor="ctr"/>
+            <a:lstStyle/>
+            <a:p>
+              <a:pPr algn="ctr"/>
+              <a:endParaRPr lang="en-GB"/>
+            </a:p>
+          </p:txBody>
+        </p:sp>
+        <p:sp>
+          <p:nvSpPr>
+            <p:cNvPr id="61" name="Rectangle 60">
+              <a:extLst>
+                <a:ext uri="{FF2B5EF4-FFF2-40B4-BE49-F238E27FC236}">
+                  <a16:creationId xmlns:a16="http://schemas.microsoft.com/office/drawing/2014/main" id="{998902D7-E21E-4DC4-BAE7-8AEACD682C02}"/>
+                </a:ext>
+              </a:extLst>
+            </p:cNvPr>
+            <p:cNvSpPr/>
+            <p:nvPr/>
+          </p:nvSpPr>
+          <p:spPr>
+            <a:xfrm rot="5400000">
+              <a:off x="6513922" y="4763654"/>
+              <a:ext cx="873804" cy="138178"/>
+            </a:xfrm>
+            <a:prstGeom prst="rect">
+              <a:avLst/>
+            </a:prstGeom>
+            <a:ln>
+              <a:solidFill>
+                <a:schemeClr val="tx1"/>
+              </a:solidFill>
+            </a:ln>
+          </p:spPr>
+          <p:style>
+            <a:lnRef idx="2">
+              <a:schemeClr val="accent1">
+                <a:shade val="50000"/>
+              </a:schemeClr>
+            </a:lnRef>
+            <a:fillRef idx="1">
+              <a:schemeClr val="accent1"/>
+            </a:fillRef>
+            <a:effectRef idx="0">
+              <a:schemeClr val="accent1"/>
+            </a:effectRef>
+            <a:fontRef idx="minor">
+              <a:schemeClr val="lt1"/>
+            </a:fontRef>
+          </p:style>
+          <p:txBody>
+            <a:bodyPr rtlCol="0" anchor="ctr"/>
+            <a:lstStyle/>
+            <a:p>
+              <a:pPr algn="ctr"/>
+              <a:endParaRPr lang="en-GB"/>
+            </a:p>
+          </p:txBody>
+        </p:sp>
+        <p:sp>
+          <p:nvSpPr>
+            <p:cNvPr id="62" name="Rectangle 61">
+              <a:extLst>
+                <a:ext uri="{FF2B5EF4-FFF2-40B4-BE49-F238E27FC236}">
+                  <a16:creationId xmlns:a16="http://schemas.microsoft.com/office/drawing/2014/main" id="{AD03D822-FE46-4917-BA8F-7279F952BCF4}"/>
+                </a:ext>
+              </a:extLst>
+            </p:cNvPr>
+            <p:cNvSpPr/>
+            <p:nvPr/>
+          </p:nvSpPr>
+          <p:spPr>
+            <a:xfrm rot="5400000">
+              <a:off x="3908731" y="4749724"/>
+              <a:ext cx="926812" cy="113026"/>
+            </a:xfrm>
+            <a:prstGeom prst="rect">
+              <a:avLst/>
+            </a:prstGeom>
+            <a:ln>
+              <a:solidFill>
+                <a:schemeClr val="tx1"/>
+              </a:solidFill>
+            </a:ln>
+          </p:spPr>
+          <p:style>
+            <a:lnRef idx="2">
+              <a:schemeClr val="accent1">
+                <a:shade val="50000"/>
+              </a:schemeClr>
+            </a:lnRef>
+            <a:fillRef idx="1">
+              <a:schemeClr val="accent1"/>
+            </a:fillRef>
+            <a:effectRef idx="0">
+              <a:schemeClr val="accent1"/>
+            </a:effectRef>
+            <a:fontRef idx="minor">
+              <a:schemeClr val="lt1"/>
+            </a:fontRef>
+          </p:style>
+          <p:txBody>
+            <a:bodyPr rtlCol="0" anchor="ctr"/>
+            <a:lstStyle/>
+            <a:p>
+              <a:pPr algn="ctr"/>
+              <a:endParaRPr lang="en-GB"/>
+            </a:p>
+          </p:txBody>
+        </p:sp>
+        <p:sp>
+          <p:nvSpPr>
+            <p:cNvPr id="63" name="Rectangle 62">
+              <a:extLst>
+                <a:ext uri="{FF2B5EF4-FFF2-40B4-BE49-F238E27FC236}">
+                  <a16:creationId xmlns:a16="http://schemas.microsoft.com/office/drawing/2014/main" id="{BA271750-F164-4C22-BDB5-F5FA04BDC062}"/>
+                </a:ext>
+              </a:extLst>
+            </p:cNvPr>
+            <p:cNvSpPr/>
+            <p:nvPr/>
+          </p:nvSpPr>
+          <p:spPr>
+            <a:xfrm rot="5400000">
+              <a:off x="5133883" y="4768047"/>
+              <a:ext cx="243667" cy="106017"/>
+            </a:xfrm>
+            <a:prstGeom prst="rect">
+              <a:avLst/>
+            </a:prstGeom>
+            <a:solidFill>
+              <a:schemeClr val="accent5">
+                <a:lumMod val="20000"/>
+                <a:lumOff val="80000"/>
+              </a:schemeClr>
+            </a:solidFill>
+            <a:ln>
+              <a:solidFill>
+                <a:schemeClr val="tx1"/>
+              </a:solidFill>
+            </a:ln>
+          </p:spPr>
+          <p:style>
+            <a:lnRef idx="2">
+              <a:schemeClr val="accent1">
+                <a:shade val="50000"/>
+              </a:schemeClr>
+            </a:lnRef>
+            <a:fillRef idx="1">
+              <a:schemeClr val="accent1"/>
+            </a:fillRef>
+            <a:effectRef idx="0">
+              <a:schemeClr val="accent1"/>
+            </a:effectRef>
+            <a:fontRef idx="minor">
+              <a:schemeClr val="lt1"/>
+            </a:fontRef>
+          </p:style>
+          <p:txBody>
+            <a:bodyPr rtlCol="0" anchor="ctr"/>
+            <a:lstStyle/>
+            <a:p>
+              <a:pPr algn="ctr"/>
+              <a:endParaRPr lang="en-GB"/>
+            </a:p>
+          </p:txBody>
+        </p:sp>
+        <p:sp>
+          <p:nvSpPr>
+            <p:cNvPr id="64" name="Rectangle 63">
+              <a:extLst>
+                <a:ext uri="{FF2B5EF4-FFF2-40B4-BE49-F238E27FC236}">
+                  <a16:creationId xmlns:a16="http://schemas.microsoft.com/office/drawing/2014/main" id="{3767C097-020D-425E-A4C5-DBF3879233CF}"/>
+                </a:ext>
+              </a:extLst>
+            </p:cNvPr>
+            <p:cNvSpPr/>
+            <p:nvPr/>
+          </p:nvSpPr>
+          <p:spPr>
+            <a:xfrm>
+              <a:off x="5560759" y="4342831"/>
+              <a:ext cx="243667" cy="106017"/>
+            </a:xfrm>
+            <a:prstGeom prst="rect">
+              <a:avLst/>
+            </a:prstGeom>
+            <a:solidFill>
+              <a:schemeClr val="accent5">
+                <a:lumMod val="20000"/>
+                <a:lumOff val="80000"/>
+              </a:schemeClr>
+            </a:solidFill>
+            <a:ln>
+              <a:solidFill>
+                <a:schemeClr val="tx1"/>
+              </a:solidFill>
+            </a:ln>
+          </p:spPr>
+          <p:style>
+            <a:lnRef idx="2">
+              <a:schemeClr val="accent1">
+                <a:shade val="50000"/>
+              </a:schemeClr>
+            </a:lnRef>
+            <a:fillRef idx="1">
+              <a:schemeClr val="accent1"/>
+            </a:fillRef>
+            <a:effectRef idx="0">
+              <a:schemeClr val="accent1"/>
+            </a:effectRef>
+            <a:fontRef idx="minor">
+              <a:schemeClr val="lt1"/>
+            </a:fontRef>
+          </p:style>
+          <p:txBody>
+            <a:bodyPr rtlCol="0" anchor="ctr"/>
+            <a:lstStyle/>
+            <a:p>
+              <a:pPr algn="ctr"/>
+              <a:endParaRPr lang="en-GB"/>
+            </a:p>
+          </p:txBody>
+        </p:sp>
+      </p:grpSp>
+      <p:cxnSp>
+        <p:nvCxnSpPr>
+          <p:cNvPr id="11" name="Straight Arrow Connector 10">
+            <a:extLst>
+              <a:ext uri="{FF2B5EF4-FFF2-40B4-BE49-F238E27FC236}">
+                <a16:creationId xmlns:a16="http://schemas.microsoft.com/office/drawing/2014/main" id="{9F9B3FAD-2FEF-4B27-AFD6-3B3F27BA9DCF}"/>
+              </a:ext>
+            </a:extLst>
+          </p:cNvPr>
+          <p:cNvCxnSpPr>
+            <a:cxnSpLocks/>
+          </p:cNvCxnSpPr>
+          <p:nvPr/>
+        </p:nvCxnSpPr>
+        <p:spPr>
+          <a:xfrm flipH="1" flipV="1">
+            <a:off x="6187257" y="5269645"/>
+            <a:ext cx="858136" cy="414115"/>
+          </a:xfrm>
+          <a:prstGeom prst="straightConnector1">
+            <a:avLst/>
+          </a:prstGeom>
+          <a:ln>
+            <a:tailEnd type="triangle"/>
+          </a:ln>
+        </p:spPr>
+        <p:style>
+          <a:lnRef idx="3">
+            <a:schemeClr val="dk1"/>
+          </a:lnRef>
+          <a:fillRef idx="0">
+            <a:schemeClr val="dk1"/>
+          </a:fillRef>
+          <a:effectRef idx="2">
+            <a:schemeClr val="dk1"/>
+          </a:effectRef>
+          <a:fontRef idx="minor">
+            <a:schemeClr val="tx1"/>
+          </a:fontRef>
+        </p:style>
+      </p:cxnSp>
+      <p:cxnSp>
+        <p:nvCxnSpPr>
+          <p:cNvPr id="77" name="Straight Arrow Connector 76">
+            <a:extLst>
+              <a:ext uri="{FF2B5EF4-FFF2-40B4-BE49-F238E27FC236}">
+                <a16:creationId xmlns:a16="http://schemas.microsoft.com/office/drawing/2014/main" id="{8F6D1643-6718-4C54-A50B-E32804E55748}"/>
+              </a:ext>
+            </a:extLst>
+          </p:cNvPr>
+          <p:cNvCxnSpPr>
+            <a:cxnSpLocks/>
+          </p:cNvCxnSpPr>
+          <p:nvPr/>
+        </p:nvCxnSpPr>
+        <p:spPr>
+          <a:xfrm flipH="1">
+            <a:off x="6170134" y="4129762"/>
+            <a:ext cx="893183" cy="710042"/>
+          </a:xfrm>
+          <a:prstGeom prst="straightConnector1">
+            <a:avLst/>
+          </a:prstGeom>
+          <a:ln>
+            <a:tailEnd type="triangle"/>
+          </a:ln>
+        </p:spPr>
+        <p:style>
+          <a:lnRef idx="3">
+            <a:schemeClr val="dk1"/>
+          </a:lnRef>
+          <a:fillRef idx="0">
+            <a:schemeClr val="dk1"/>
+          </a:fillRef>
+          <a:effectRef idx="2">
+            <a:schemeClr val="dk1"/>
+          </a:effectRef>
+          <a:fontRef idx="minor">
+            <a:schemeClr val="tx1"/>
+          </a:fontRef>
+        </p:style>
+      </p:cxnSp>
+      <p:cxnSp>
+        <p:nvCxnSpPr>
+          <p:cNvPr id="83" name="Straight Connector 82">
+            <a:extLst>
+              <a:ext uri="{FF2B5EF4-FFF2-40B4-BE49-F238E27FC236}">
+                <a16:creationId xmlns:a16="http://schemas.microsoft.com/office/drawing/2014/main" id="{DA17B491-DDF9-4273-8C13-2AF9C645F804}"/>
+              </a:ext>
+            </a:extLst>
+          </p:cNvPr>
+          <p:cNvCxnSpPr>
+            <a:cxnSpLocks/>
+            <a:endCxn id="98" idx="1"/>
+          </p:cNvCxnSpPr>
+          <p:nvPr/>
+        </p:nvCxnSpPr>
+        <p:spPr>
+          <a:xfrm>
+            <a:off x="7063317" y="4141799"/>
+            <a:ext cx="934486" cy="0"/>
+          </a:xfrm>
+          <a:prstGeom prst="line">
+            <a:avLst/>
+          </a:prstGeom>
+        </p:spPr>
+        <p:style>
+          <a:lnRef idx="3">
+            <a:schemeClr val="dk1"/>
+          </a:lnRef>
+          <a:fillRef idx="0">
+            <a:schemeClr val="dk1"/>
+          </a:fillRef>
+          <a:effectRef idx="2">
+            <a:schemeClr val="dk1"/>
+          </a:effectRef>
+          <a:fontRef idx="minor">
+            <a:schemeClr val="tx1"/>
+          </a:fontRef>
+        </p:style>
+      </p:cxnSp>
+      <p:cxnSp>
+        <p:nvCxnSpPr>
+          <p:cNvPr id="88" name="Straight Connector 87">
+            <a:extLst>
+              <a:ext uri="{FF2B5EF4-FFF2-40B4-BE49-F238E27FC236}">
+                <a16:creationId xmlns:a16="http://schemas.microsoft.com/office/drawing/2014/main" id="{7BAB2CE3-04A1-47AE-9AD4-5E8667CE3A50}"/>
+              </a:ext>
+            </a:extLst>
+          </p:cNvPr>
+          <p:cNvCxnSpPr>
+            <a:cxnSpLocks/>
+          </p:cNvCxnSpPr>
+          <p:nvPr/>
+        </p:nvCxnSpPr>
+        <p:spPr>
+          <a:xfrm>
+            <a:off x="7019913" y="5683760"/>
+            <a:ext cx="979993" cy="0"/>
+          </a:xfrm>
+          <a:prstGeom prst="line">
+            <a:avLst/>
+          </a:prstGeom>
+        </p:spPr>
+        <p:style>
+          <a:lnRef idx="3">
+            <a:schemeClr val="dk1"/>
+          </a:lnRef>
+          <a:fillRef idx="0">
+            <a:schemeClr val="dk1"/>
+          </a:fillRef>
+          <a:effectRef idx="2">
+            <a:schemeClr val="dk1"/>
+          </a:effectRef>
+          <a:fontRef idx="minor">
+            <a:schemeClr val="tx1"/>
+          </a:fontRef>
+        </p:style>
+      </p:cxnSp>
+      <p:cxnSp>
+        <p:nvCxnSpPr>
+          <p:cNvPr id="68" name="Straight Arrow Connector 67">
+            <a:extLst>
+              <a:ext uri="{FF2B5EF4-FFF2-40B4-BE49-F238E27FC236}">
+                <a16:creationId xmlns:a16="http://schemas.microsoft.com/office/drawing/2014/main" id="{8B6FB43B-5B73-40F2-B248-CA352F3BF1DC}"/>
+              </a:ext>
+            </a:extLst>
+          </p:cNvPr>
+          <p:cNvCxnSpPr>
+            <a:cxnSpLocks/>
+            <a:stCxn id="105" idx="1"/>
+            <a:endCxn id="61" idx="0"/>
+          </p:cNvCxnSpPr>
+          <p:nvPr/>
+        </p:nvCxnSpPr>
+        <p:spPr>
+          <a:xfrm flipH="1">
+            <a:off x="7019913" y="4832478"/>
+            <a:ext cx="977890" cy="265"/>
+          </a:xfrm>
+          <a:prstGeom prst="straightConnector1">
+            <a:avLst/>
+          </a:prstGeom>
+          <a:ln>
+            <a:tailEnd type="triangle"/>
+          </a:ln>
+        </p:spPr>
+        <p:style>
+          <a:lnRef idx="3">
+            <a:schemeClr val="dk1"/>
+          </a:lnRef>
+          <a:fillRef idx="0">
+            <a:schemeClr val="dk1"/>
+          </a:fillRef>
+          <a:effectRef idx="2">
+            <a:schemeClr val="dk1"/>
+          </a:effectRef>
+          <a:fontRef idx="minor">
+            <a:schemeClr val="tx1"/>
+          </a:fontRef>
+        </p:style>
+      </p:cxnSp>
+      <p:cxnSp>
+        <p:nvCxnSpPr>
+          <p:cNvPr id="94" name="Straight Arrow Connector 93">
+            <a:extLst>
+              <a:ext uri="{FF2B5EF4-FFF2-40B4-BE49-F238E27FC236}">
+                <a16:creationId xmlns:a16="http://schemas.microsoft.com/office/drawing/2014/main" id="{5113757C-4421-406D-AFA5-24CB8B02E746}"/>
+              </a:ext>
+            </a:extLst>
+          </p:cNvPr>
+          <p:cNvCxnSpPr>
+            <a:cxnSpLocks/>
+          </p:cNvCxnSpPr>
+          <p:nvPr/>
+        </p:nvCxnSpPr>
+        <p:spPr>
+          <a:xfrm flipH="1">
+            <a:off x="6553433" y="3512179"/>
+            <a:ext cx="466480" cy="334192"/>
+          </a:xfrm>
+          <a:prstGeom prst="straightConnector1">
+            <a:avLst/>
+          </a:prstGeom>
+          <a:ln>
+            <a:tailEnd type="triangle"/>
+          </a:ln>
+        </p:spPr>
+        <p:style>
+          <a:lnRef idx="3">
+            <a:schemeClr val="dk1"/>
+          </a:lnRef>
+          <a:fillRef idx="0">
+            <a:schemeClr val="dk1"/>
+          </a:fillRef>
+          <a:effectRef idx="2">
+            <a:schemeClr val="dk1"/>
+          </a:effectRef>
+          <a:fontRef idx="minor">
+            <a:schemeClr val="tx1"/>
+          </a:fontRef>
+        </p:style>
+      </p:cxnSp>
+      <p:cxnSp>
+        <p:nvCxnSpPr>
+          <p:cNvPr id="96" name="Straight Connector 95">
+            <a:extLst>
+              <a:ext uri="{FF2B5EF4-FFF2-40B4-BE49-F238E27FC236}">
+                <a16:creationId xmlns:a16="http://schemas.microsoft.com/office/drawing/2014/main" id="{7DDD31C2-ACBE-4354-8CFF-E73466467753}"/>
+              </a:ext>
+            </a:extLst>
+          </p:cNvPr>
+          <p:cNvCxnSpPr>
+            <a:cxnSpLocks/>
+            <a:endCxn id="97" idx="1"/>
+          </p:cNvCxnSpPr>
+          <p:nvPr/>
+        </p:nvCxnSpPr>
+        <p:spPr>
+          <a:xfrm flipV="1">
+            <a:off x="7019913" y="3511165"/>
+            <a:ext cx="977890" cy="1014"/>
+          </a:xfrm>
+          <a:prstGeom prst="line">
+            <a:avLst/>
+          </a:prstGeom>
+        </p:spPr>
+        <p:style>
+          <a:lnRef idx="3">
+            <a:schemeClr val="dk1"/>
+          </a:lnRef>
+          <a:fillRef idx="0">
+            <a:schemeClr val="dk1"/>
+          </a:fillRef>
+          <a:effectRef idx="2">
+            <a:schemeClr val="dk1"/>
+          </a:effectRef>
+          <a:fontRef idx="minor">
+            <a:schemeClr val="tx1"/>
+          </a:fontRef>
+        </p:style>
+      </p:cxnSp>
+      <p:sp>
+        <p:nvSpPr>
+          <p:cNvPr id="97" name="TextBox 96">
+            <a:extLst>
+              <a:ext uri="{FF2B5EF4-FFF2-40B4-BE49-F238E27FC236}">
+                <a16:creationId xmlns:a16="http://schemas.microsoft.com/office/drawing/2014/main" id="{92FC42AD-1864-4F67-8C92-3FCD7BD8A142}"/>
+              </a:ext>
+            </a:extLst>
+          </p:cNvPr>
+          <p:cNvSpPr txBox="1"/>
+          <p:nvPr/>
+        </p:nvSpPr>
+        <p:spPr>
+          <a:xfrm>
+            <a:off x="7997803" y="3326499"/>
+            <a:ext cx="1734064" cy="369332"/>
+          </a:xfrm>
+          <a:prstGeom prst="rect">
+            <a:avLst/>
+          </a:prstGeom>
+          <a:noFill/>
+        </p:spPr>
+        <p:txBody>
+          <a:bodyPr wrap="none" rtlCol="0">
+            <a:spAutoFit/>
+          </a:bodyPr>
+          <a:lstStyle/>
+          <a:p>
+            <a:r>
+              <a:rPr lang="en-GB" dirty="0"/>
+              <a:t>Rigid Outer Core</a:t>
+            </a:r>
+          </a:p>
+        </p:txBody>
+      </p:sp>
+      <p:sp>
+        <p:nvSpPr>
+          <p:cNvPr id="98" name="TextBox 97">
+            <a:extLst>
+              <a:ext uri="{FF2B5EF4-FFF2-40B4-BE49-F238E27FC236}">
+                <a16:creationId xmlns:a16="http://schemas.microsoft.com/office/drawing/2014/main" id="{1A9E124B-F7E4-4962-8735-105AC714B7B7}"/>
+              </a:ext>
+            </a:extLst>
+          </p:cNvPr>
+          <p:cNvSpPr txBox="1"/>
+          <p:nvPr/>
+        </p:nvSpPr>
+        <p:spPr>
+          <a:xfrm>
+            <a:off x="7997803" y="3957133"/>
+            <a:ext cx="1903855" cy="369332"/>
+          </a:xfrm>
+          <a:prstGeom prst="rect">
+            <a:avLst/>
+          </a:prstGeom>
+          <a:noFill/>
+        </p:spPr>
+        <p:txBody>
+          <a:bodyPr wrap="none" rtlCol="0">
+            <a:spAutoFit/>
+          </a:bodyPr>
+          <a:lstStyle/>
+          <a:p>
+            <a:r>
+              <a:rPr lang="en-GB" dirty="0"/>
+              <a:t>Hall Effects Sensor</a:t>
+            </a:r>
+          </a:p>
+        </p:txBody>
+      </p:sp>
+      <p:sp>
+        <p:nvSpPr>
+          <p:cNvPr id="105" name="TextBox 104">
+            <a:extLst>
+              <a:ext uri="{FF2B5EF4-FFF2-40B4-BE49-F238E27FC236}">
+                <a16:creationId xmlns:a16="http://schemas.microsoft.com/office/drawing/2014/main" id="{5CA91945-10CA-4C93-BA8C-DCBE08D0F1F8}"/>
+              </a:ext>
+            </a:extLst>
+          </p:cNvPr>
+          <p:cNvSpPr txBox="1"/>
+          <p:nvPr/>
+        </p:nvSpPr>
+        <p:spPr>
+          <a:xfrm>
+            <a:off x="7997803" y="4647812"/>
+            <a:ext cx="2123082" cy="369332"/>
+          </a:xfrm>
+          <a:prstGeom prst="rect">
+            <a:avLst/>
+          </a:prstGeom>
+          <a:noFill/>
+        </p:spPr>
+        <p:txBody>
+          <a:bodyPr wrap="none" rtlCol="0">
+            <a:spAutoFit/>
+          </a:bodyPr>
+          <a:lstStyle/>
+          <a:p>
+            <a:r>
+              <a:rPr lang="en-GB" dirty="0"/>
+              <a:t>Neodymium Magnet</a:t>
+            </a:r>
+          </a:p>
+        </p:txBody>
+      </p:sp>
+      <p:sp>
+        <p:nvSpPr>
+          <p:cNvPr id="108" name="TextBox 107">
+            <a:extLst>
+              <a:ext uri="{FF2B5EF4-FFF2-40B4-BE49-F238E27FC236}">
+                <a16:creationId xmlns:a16="http://schemas.microsoft.com/office/drawing/2014/main" id="{ECEEE0EF-32D6-4CDF-975F-7E40420BBB3E}"/>
+              </a:ext>
+            </a:extLst>
+          </p:cNvPr>
+          <p:cNvSpPr txBox="1"/>
+          <p:nvPr/>
+        </p:nvSpPr>
+        <p:spPr>
+          <a:xfrm>
+            <a:off x="7997803" y="5482779"/>
+            <a:ext cx="1686872" cy="369332"/>
+          </a:xfrm>
+          <a:prstGeom prst="rect">
+            <a:avLst/>
+          </a:prstGeom>
+          <a:noFill/>
+        </p:spPr>
+        <p:txBody>
+          <a:bodyPr wrap="none" rtlCol="0">
+            <a:spAutoFit/>
+          </a:bodyPr>
+          <a:lstStyle/>
+          <a:p>
+            <a:r>
+              <a:rPr lang="en-GB" dirty="0"/>
+              <a:t>Rigid Inner Core</a:t>
+            </a:r>
+          </a:p>
+        </p:txBody>
+      </p:sp>
+      <p:cxnSp>
+        <p:nvCxnSpPr>
+          <p:cNvPr id="109" name="Straight Arrow Connector 108">
+            <a:extLst>
+              <a:ext uri="{FF2B5EF4-FFF2-40B4-BE49-F238E27FC236}">
+                <a16:creationId xmlns:a16="http://schemas.microsoft.com/office/drawing/2014/main" id="{76B92DBE-F0E5-4DBD-A6D9-2062853CF409}"/>
+              </a:ext>
+            </a:extLst>
+          </p:cNvPr>
+          <p:cNvCxnSpPr>
+            <a:cxnSpLocks/>
+          </p:cNvCxnSpPr>
+          <p:nvPr/>
+        </p:nvCxnSpPr>
+        <p:spPr>
+          <a:xfrm flipH="1" flipV="1">
+            <a:off x="6100917" y="5727269"/>
+            <a:ext cx="918996" cy="518196"/>
+          </a:xfrm>
+          <a:prstGeom prst="straightConnector1">
+            <a:avLst/>
+          </a:prstGeom>
+          <a:ln>
+            <a:tailEnd type="triangle"/>
+          </a:ln>
+        </p:spPr>
+        <p:style>
+          <a:lnRef idx="3">
+            <a:schemeClr val="dk1"/>
+          </a:lnRef>
+          <a:fillRef idx="0">
+            <a:schemeClr val="dk1"/>
+          </a:fillRef>
+          <a:effectRef idx="2">
+            <a:schemeClr val="dk1"/>
+          </a:effectRef>
+          <a:fontRef idx="minor">
+            <a:schemeClr val="tx1"/>
+          </a:fontRef>
+        </p:style>
+      </p:cxnSp>
+      <p:sp>
+        <p:nvSpPr>
+          <p:cNvPr id="115" name="TextBox 114">
+            <a:extLst>
+              <a:ext uri="{FF2B5EF4-FFF2-40B4-BE49-F238E27FC236}">
+                <a16:creationId xmlns:a16="http://schemas.microsoft.com/office/drawing/2014/main" id="{C1585805-0993-4055-A41A-DB9E4D1732D6}"/>
+              </a:ext>
+            </a:extLst>
+          </p:cNvPr>
+          <p:cNvSpPr txBox="1"/>
+          <p:nvPr/>
+        </p:nvSpPr>
+        <p:spPr>
+          <a:xfrm>
+            <a:off x="7997803" y="6060799"/>
+            <a:ext cx="2113592" cy="369332"/>
+          </a:xfrm>
+          <a:prstGeom prst="rect">
+            <a:avLst/>
+          </a:prstGeom>
+          <a:noFill/>
+        </p:spPr>
+        <p:txBody>
+          <a:bodyPr wrap="none" rtlCol="0">
+            <a:spAutoFit/>
+          </a:bodyPr>
+          <a:lstStyle/>
+          <a:p>
+            <a:r>
+              <a:rPr lang="en-GB" dirty="0"/>
+              <a:t>Hyperelastic Silicone</a:t>
+            </a:r>
+          </a:p>
+        </p:txBody>
+      </p:sp>
+      <p:cxnSp>
+        <p:nvCxnSpPr>
+          <p:cNvPr id="117" name="Straight Connector 116">
+            <a:extLst>
+              <a:ext uri="{FF2B5EF4-FFF2-40B4-BE49-F238E27FC236}">
+                <a16:creationId xmlns:a16="http://schemas.microsoft.com/office/drawing/2014/main" id="{40E96541-3563-4820-8D56-B8033E1A1917}"/>
+              </a:ext>
+            </a:extLst>
+          </p:cNvPr>
+          <p:cNvCxnSpPr>
+            <a:stCxn id="115" idx="1"/>
+          </p:cNvCxnSpPr>
+          <p:nvPr/>
+        </p:nvCxnSpPr>
+        <p:spPr>
+          <a:xfrm flipH="1">
+            <a:off x="7019913" y="6245465"/>
+            <a:ext cx="977890" cy="0"/>
+          </a:xfrm>
+          <a:prstGeom prst="line">
+            <a:avLst/>
+          </a:prstGeom>
+        </p:spPr>
+        <p:style>
+          <a:lnRef idx="3">
+            <a:schemeClr val="dk1"/>
+          </a:lnRef>
+          <a:fillRef idx="0">
+            <a:schemeClr val="dk1"/>
+          </a:fillRef>
+          <a:effectRef idx="2">
+            <a:schemeClr val="dk1"/>
+          </a:effectRef>
+          <a:fontRef idx="minor">
+            <a:schemeClr val="tx1"/>
+          </a:fontRef>
+        </p:style>
+      </p:cxnSp>
+      <p:sp>
+        <p:nvSpPr>
+          <p:cNvPr id="121" name="Rectangle 120">
+            <a:extLst>
+              <a:ext uri="{FF2B5EF4-FFF2-40B4-BE49-F238E27FC236}">
+                <a16:creationId xmlns:a16="http://schemas.microsoft.com/office/drawing/2014/main" id="{B1867F1D-9D04-4EA6-8D2C-E319D12DA0A7}"/>
+              </a:ext>
+            </a:extLst>
+          </p:cNvPr>
+          <p:cNvSpPr/>
+          <p:nvPr/>
+        </p:nvSpPr>
+        <p:spPr>
+          <a:xfrm>
+            <a:off x="10876547" y="3236495"/>
+            <a:ext cx="2113592" cy="3380873"/>
+          </a:xfrm>
+          <a:prstGeom prst="rect">
+            <a:avLst/>
+          </a:prstGeom>
+        </p:spPr>
+        <p:style>
+          <a:lnRef idx="2">
+            <a:schemeClr val="accent1">
+              <a:shade val="50000"/>
+            </a:schemeClr>
+          </a:lnRef>
+          <a:fillRef idx="1">
+            <a:schemeClr val="accent1"/>
+          </a:fillRef>
+          <a:effectRef idx="0">
+            <a:schemeClr val="accent1"/>
+          </a:effectRef>
+          <a:fontRef idx="minor">
+            <a:schemeClr val="lt1"/>
+          </a:fontRef>
+        </p:style>
+        <p:txBody>
+          <a:bodyPr rtlCol="0" anchor="ctr"/>
+          <a:lstStyle/>
+          <a:p>
+            <a:pPr algn="ctr"/>
+            <a:r>
+              <a:rPr lang="en-GB" dirty="0" err="1"/>
+              <a:t>Solidworks</a:t>
+            </a:r>
+            <a:endParaRPr lang="en-GB" dirty="0"/>
+          </a:p>
+          <a:p>
+            <a:pPr algn="ctr"/>
+            <a:r>
+              <a:rPr lang="en-GB" dirty="0"/>
+              <a:t>placeholder</a:t>
+            </a:r>
+          </a:p>
+        </p:txBody>
+      </p:sp>
+    </p:spTree>
+    <p:extLst>
+      <p:ext uri="{BB962C8B-B14F-4D97-AF65-F5344CB8AC3E}">
+        <p14:creationId xmlns:p14="http://schemas.microsoft.com/office/powerpoint/2010/main" val="1071189377"/>
+      </p:ext>
+    </p:extLst>
+  </p:cSld>
+  <p:clrMapOvr>
+    <a:masterClrMapping/>
+  </p:clrMapOvr>
+</p:sld>
+</file>
+
+<file path=ppt/slides/slide4.xml><?xml version="1.0" encoding="utf-8"?>
+<p:sld xmlns:a="http://schemas.openxmlformats.org/drawingml/2006/main" xmlns:r="http://schemas.openxmlformats.org/officeDocument/2006/relationships" xmlns:p="http://schemas.openxmlformats.org/presentationml/2006/main">
+  <p:cSld>
+    <p:spTree>
+      <p:nvGrpSpPr>
+        <p:cNvPr id="1" name=""/>
+        <p:cNvGrpSpPr/>
+        <p:nvPr/>
+      </p:nvGrpSpPr>
+      <p:grpSpPr>
+        <a:xfrm>
+          <a:off x="0" y="0"/>
+          <a:ext cx="0" cy="0"/>
+          <a:chOff x="0" y="0"/>
+          <a:chExt cx="0" cy="0"/>
+        </a:xfrm>
+      </p:grpSpPr>
+      <p:grpSp>
+        <p:nvGrpSpPr>
+          <p:cNvPr id="67" name="Group 66">
+            <a:extLst>
+              <a:ext uri="{FF2B5EF4-FFF2-40B4-BE49-F238E27FC236}">
+                <a16:creationId xmlns:a16="http://schemas.microsoft.com/office/drawing/2014/main" id="{998FDFC1-7C87-4798-B52E-63363F7F1402}"/>
+              </a:ext>
+            </a:extLst>
+          </p:cNvPr>
+          <p:cNvGrpSpPr/>
+          <p:nvPr/>
+        </p:nvGrpSpPr>
+        <p:grpSpPr>
+          <a:xfrm>
+            <a:off x="2611194" y="145984"/>
+            <a:ext cx="7140513" cy="9670667"/>
+            <a:chOff x="2611194" y="145984"/>
+            <a:chExt cx="7140513" cy="9670667"/>
+          </a:xfrm>
+        </p:grpSpPr>
+        <p:sp>
+          <p:nvSpPr>
+            <p:cNvPr id="4" name="Rectangle 3">
+              <a:extLst>
+                <a:ext uri="{FF2B5EF4-FFF2-40B4-BE49-F238E27FC236}">
+                  <a16:creationId xmlns:a16="http://schemas.microsoft.com/office/drawing/2014/main" id="{45904937-C75F-433C-BBFC-21D1DE9592EF}"/>
+                </a:ext>
+              </a:extLst>
+            </p:cNvPr>
+            <p:cNvSpPr/>
+            <p:nvPr/>
+          </p:nvSpPr>
+          <p:spPr>
+            <a:xfrm>
+              <a:off x="6798880" y="145984"/>
+              <a:ext cx="1272209" cy="543339"/>
+            </a:xfrm>
+            <a:prstGeom prst="rect">
+              <a:avLst/>
+            </a:prstGeom>
+            <a:ln w="28575"/>
+          </p:spPr>
+          <p:style>
+            <a:lnRef idx="2">
+              <a:schemeClr val="dk1"/>
+            </a:lnRef>
+            <a:fillRef idx="1">
+              <a:schemeClr val="lt1"/>
+            </a:fillRef>
+            <a:effectRef idx="0">
+              <a:schemeClr val="dk1"/>
+            </a:effectRef>
+            <a:fontRef idx="minor">
+              <a:schemeClr val="dk1"/>
+            </a:fontRef>
+          </p:style>
+          <p:txBody>
+            <a:bodyPr rot="0" spcFirstLastPara="0" vertOverflow="overflow" horzOverflow="overflow" vert="horz" wrap="square" lIns="91440" tIns="45720" rIns="91440" bIns="45720" numCol="1" spcCol="0" rtlCol="0" fromWordArt="0" anchor="ctr" anchorCtr="0" forceAA="0" compatLnSpc="1">
+              <a:prstTxWarp prst="textNoShape">
+                <a:avLst/>
+              </a:prstTxWarp>
+              <a:noAutofit/>
+            </a:bodyPr>
+            <a:lstStyle/>
+            <a:p>
+              <a:pPr algn="ctr"/>
+              <a:r>
+                <a:rPr lang="en-GB" dirty="0"/>
+                <a:t>Start</a:t>
+              </a:r>
+            </a:p>
+          </p:txBody>
+        </p:sp>
+        <p:sp>
+          <p:nvSpPr>
+            <p:cNvPr id="5" name="Diamond 4">
+              <a:extLst>
+                <a:ext uri="{FF2B5EF4-FFF2-40B4-BE49-F238E27FC236}">
+                  <a16:creationId xmlns:a16="http://schemas.microsoft.com/office/drawing/2014/main" id="{25C301E3-8B2E-48BB-9ED5-2A834F0BD01B}"/>
+                </a:ext>
+              </a:extLst>
+            </p:cNvPr>
+            <p:cNvSpPr/>
+            <p:nvPr/>
+          </p:nvSpPr>
+          <p:spPr>
+            <a:xfrm>
+              <a:off x="6071726" y="953015"/>
+              <a:ext cx="2729945" cy="928652"/>
+            </a:xfrm>
+            <a:prstGeom prst="diamond">
+              <a:avLst/>
+            </a:prstGeom>
+            <a:ln w="28575"/>
+          </p:spPr>
+          <p:style>
+            <a:lnRef idx="2">
+              <a:schemeClr val="dk1"/>
+            </a:lnRef>
+            <a:fillRef idx="1">
+              <a:schemeClr val="lt1"/>
+            </a:fillRef>
+            <a:effectRef idx="0">
+              <a:schemeClr val="dk1"/>
+            </a:effectRef>
+            <a:fontRef idx="minor">
+              <a:schemeClr val="dk1"/>
+            </a:fontRef>
+          </p:style>
+          <p:txBody>
+            <a:bodyPr rot="0" spcFirstLastPara="0" vertOverflow="overflow" horzOverflow="overflow" vert="horz" wrap="square" lIns="91440" tIns="45720" rIns="91440" bIns="45720" numCol="1" spcCol="0" rtlCol="0" fromWordArt="0" anchor="ctr" anchorCtr="0" forceAA="0" compatLnSpc="1">
+              <a:prstTxWarp prst="textNoShape">
+                <a:avLst/>
+              </a:prstTxWarp>
+              <a:noAutofit/>
+            </a:bodyPr>
+            <a:lstStyle/>
+            <a:p>
+              <a:pPr algn="ctr"/>
+              <a:r>
+                <a:rPr lang="en-GB" dirty="0"/>
+                <a:t>Check Control Flag</a:t>
+              </a:r>
+            </a:p>
+          </p:txBody>
+        </p:sp>
+        <p:cxnSp>
+          <p:nvCxnSpPr>
+            <p:cNvPr id="7" name="Straight Arrow Connector 6">
+              <a:extLst>
+                <a:ext uri="{FF2B5EF4-FFF2-40B4-BE49-F238E27FC236}">
+                  <a16:creationId xmlns:a16="http://schemas.microsoft.com/office/drawing/2014/main" id="{C6975911-B978-403A-8A86-920FCFA5355D}"/>
+                </a:ext>
+              </a:extLst>
+            </p:cNvPr>
+            <p:cNvCxnSpPr>
+              <a:cxnSpLocks/>
+              <a:stCxn id="4" idx="2"/>
+              <a:endCxn id="5" idx="0"/>
+            </p:cNvCxnSpPr>
+            <p:nvPr/>
+          </p:nvCxnSpPr>
+          <p:spPr>
+            <a:xfrm>
+              <a:off x="7434985" y="689323"/>
+              <a:ext cx="1714" cy="263692"/>
+            </a:xfrm>
+            <a:prstGeom prst="straightConnector1">
+              <a:avLst/>
+            </a:prstGeom>
+            <a:ln w="28575">
+              <a:tailEnd type="triangle"/>
+            </a:ln>
+          </p:spPr>
+          <p:style>
+            <a:lnRef idx="2">
+              <a:schemeClr val="dk1"/>
+            </a:lnRef>
+            <a:fillRef idx="1">
+              <a:schemeClr val="lt1"/>
+            </a:fillRef>
+            <a:effectRef idx="0">
+              <a:schemeClr val="dk1"/>
+            </a:effectRef>
+            <a:fontRef idx="minor">
+              <a:schemeClr val="dk1"/>
+            </a:fontRef>
+          </p:style>
+        </p:cxnSp>
+        <p:sp>
+          <p:nvSpPr>
+            <p:cNvPr id="9" name="Parallelogram 8">
+              <a:extLst>
+                <a:ext uri="{FF2B5EF4-FFF2-40B4-BE49-F238E27FC236}">
+                  <a16:creationId xmlns:a16="http://schemas.microsoft.com/office/drawing/2014/main" id="{8199AD9A-0C99-40CF-8C9D-9E78EF700CEF}"/>
+                </a:ext>
+              </a:extLst>
+            </p:cNvPr>
+            <p:cNvSpPr/>
+            <p:nvPr/>
+          </p:nvSpPr>
+          <p:spPr>
+            <a:xfrm>
+              <a:off x="2611194" y="2553576"/>
+              <a:ext cx="2093843" cy="1073426"/>
+            </a:xfrm>
+            <a:prstGeom prst="parallelogram">
+              <a:avLst/>
+            </a:prstGeom>
+            <a:ln w="28575"/>
+          </p:spPr>
+          <p:style>
+            <a:lnRef idx="2">
+              <a:schemeClr val="dk1"/>
+            </a:lnRef>
+            <a:fillRef idx="1">
+              <a:schemeClr val="lt1"/>
+            </a:fillRef>
+            <a:effectRef idx="0">
+              <a:schemeClr val="dk1"/>
+            </a:effectRef>
+            <a:fontRef idx="minor">
+              <a:schemeClr val="dk1"/>
+            </a:fontRef>
+          </p:style>
+          <p:txBody>
+            <a:bodyPr rot="0" spcFirstLastPara="0" vertOverflow="overflow" horzOverflow="overflow" vert="horz" wrap="square" lIns="91440" tIns="45720" rIns="91440" bIns="45720" numCol="1" spcCol="0" rtlCol="0" fromWordArt="0" anchor="ctr" anchorCtr="0" forceAA="0" compatLnSpc="1">
+              <a:prstTxWarp prst="textNoShape">
+                <a:avLst/>
+              </a:prstTxWarp>
+              <a:noAutofit/>
+            </a:bodyPr>
+            <a:lstStyle/>
+            <a:p>
+              <a:pPr algn="ctr"/>
+              <a:r>
+                <a:rPr lang="en-GB" dirty="0"/>
+                <a:t>Pass Game Target X,Y to Controller</a:t>
+              </a:r>
+            </a:p>
+          </p:txBody>
+        </p:sp>
+        <p:cxnSp>
+          <p:nvCxnSpPr>
+            <p:cNvPr id="11" name="Connector: Elbow 10">
+              <a:extLst>
+                <a:ext uri="{FF2B5EF4-FFF2-40B4-BE49-F238E27FC236}">
+                  <a16:creationId xmlns:a16="http://schemas.microsoft.com/office/drawing/2014/main" id="{CE82D710-88BC-4FD0-A829-80F43DDB6CD8}"/>
+                </a:ext>
+              </a:extLst>
+            </p:cNvPr>
+            <p:cNvCxnSpPr>
+              <a:cxnSpLocks/>
+              <a:stCxn id="5" idx="1"/>
+              <a:endCxn id="9" idx="0"/>
+            </p:cNvCxnSpPr>
+            <p:nvPr/>
+          </p:nvCxnSpPr>
+          <p:spPr>
+            <a:xfrm rot="10800000" flipV="1">
+              <a:off x="3658116" y="1417340"/>
+              <a:ext cx="2413610" cy="1136235"/>
+            </a:xfrm>
+            <a:prstGeom prst="bentConnector2">
+              <a:avLst/>
+            </a:prstGeom>
+            <a:ln w="28575">
+              <a:tailEnd type="triangle"/>
+            </a:ln>
+          </p:spPr>
+          <p:style>
+            <a:lnRef idx="2">
+              <a:schemeClr val="dk1"/>
+            </a:lnRef>
+            <a:fillRef idx="1">
+              <a:schemeClr val="lt1"/>
+            </a:fillRef>
+            <a:effectRef idx="0">
+              <a:schemeClr val="dk1"/>
+            </a:effectRef>
+            <a:fontRef idx="minor">
+              <a:schemeClr val="dk1"/>
+            </a:fontRef>
+          </p:style>
+        </p:cxnSp>
+        <p:sp>
+          <p:nvSpPr>
+            <p:cNvPr id="18" name="TextBox 17">
+              <a:extLst>
+                <a:ext uri="{FF2B5EF4-FFF2-40B4-BE49-F238E27FC236}">
+                  <a16:creationId xmlns:a16="http://schemas.microsoft.com/office/drawing/2014/main" id="{C08340B8-70B5-44D5-8216-8C04EDAE6BA8}"/>
+                </a:ext>
+              </a:extLst>
+            </p:cNvPr>
+            <p:cNvSpPr txBox="1"/>
+            <p:nvPr/>
+          </p:nvSpPr>
+          <p:spPr>
+            <a:xfrm>
+              <a:off x="3576536" y="1544440"/>
+              <a:ext cx="2566086" cy="646331"/>
+            </a:xfrm>
+            <a:prstGeom prst="rect">
+              <a:avLst/>
+            </a:prstGeom>
+            <a:noFill/>
+          </p:spPr>
+          <p:txBody>
+            <a:bodyPr wrap="square" rtlCol="0">
+              <a:spAutoFit/>
+            </a:bodyPr>
+            <a:lstStyle/>
+            <a:p>
+              <a:pPr algn="ctr"/>
+              <a:r>
+                <a:rPr lang="en-GB" dirty="0">
+                  <a:solidFill>
+                    <a:srgbClr val="002060"/>
+                  </a:solidFill>
+                </a:rPr>
+                <a:t>False, Game Generates Trajectory</a:t>
+              </a:r>
+            </a:p>
+          </p:txBody>
+        </p:sp>
+        <p:sp>
+          <p:nvSpPr>
+            <p:cNvPr id="19" name="TextBox 18">
+              <a:extLst>
+                <a:ext uri="{FF2B5EF4-FFF2-40B4-BE49-F238E27FC236}">
+                  <a16:creationId xmlns:a16="http://schemas.microsoft.com/office/drawing/2014/main" id="{0E620A1B-443C-4B6C-A409-D1B5D493C674}"/>
+                </a:ext>
+              </a:extLst>
+            </p:cNvPr>
+            <p:cNvSpPr txBox="1"/>
+            <p:nvPr/>
+          </p:nvSpPr>
+          <p:spPr>
+            <a:xfrm>
+              <a:off x="7392820" y="1871879"/>
+              <a:ext cx="2358887" cy="1218410"/>
+            </a:xfrm>
+            <a:prstGeom prst="rect">
+              <a:avLst/>
+            </a:prstGeom>
+            <a:noFill/>
+          </p:spPr>
+          <p:txBody>
+            <a:bodyPr wrap="square" rtlCol="0">
+              <a:spAutoFit/>
+            </a:bodyPr>
+            <a:lstStyle/>
+            <a:p>
+              <a:r>
+                <a:rPr lang="en-GB" dirty="0">
+                  <a:solidFill>
+                    <a:srgbClr val="002060"/>
+                  </a:solidFill>
+                </a:rPr>
+                <a:t>True, Controller Generates Trajectory</a:t>
+              </a:r>
+            </a:p>
+          </p:txBody>
+        </p:sp>
+        <p:sp>
+          <p:nvSpPr>
+            <p:cNvPr id="21" name="Diamond 20">
+              <a:extLst>
+                <a:ext uri="{FF2B5EF4-FFF2-40B4-BE49-F238E27FC236}">
+                  <a16:creationId xmlns:a16="http://schemas.microsoft.com/office/drawing/2014/main" id="{5A05DC1F-B260-45F5-8890-6B74277E81BB}"/>
+                </a:ext>
+              </a:extLst>
+            </p:cNvPr>
+            <p:cNvSpPr/>
+            <p:nvPr/>
+          </p:nvSpPr>
+          <p:spPr>
+            <a:xfrm>
+              <a:off x="6070010" y="2548826"/>
+              <a:ext cx="2729946" cy="1351723"/>
+            </a:xfrm>
+            <a:prstGeom prst="diamond">
+              <a:avLst/>
+            </a:prstGeom>
+            <a:ln w="28575"/>
+          </p:spPr>
+          <p:style>
+            <a:lnRef idx="2">
+              <a:schemeClr val="dk1"/>
+            </a:lnRef>
+            <a:fillRef idx="1">
+              <a:schemeClr val="lt1"/>
+            </a:fillRef>
+            <a:effectRef idx="0">
+              <a:schemeClr val="dk1"/>
+            </a:effectRef>
+            <a:fontRef idx="minor">
+              <a:schemeClr val="dk1"/>
+            </a:fontRef>
+          </p:style>
+          <p:txBody>
+            <a:bodyPr rot="0" spcFirstLastPara="0" vertOverflow="overflow" horzOverflow="overflow" vert="horz" wrap="square" lIns="91440" tIns="45720" rIns="91440" bIns="45720" numCol="1" spcCol="0" rtlCol="0" fromWordArt="0" anchor="ctr" anchorCtr="0" forceAA="0" compatLnSpc="1">
+              <a:prstTxWarp prst="textNoShape">
+                <a:avLst/>
+              </a:prstTxWarp>
+              <a:noAutofit/>
+            </a:bodyPr>
+            <a:lstStyle/>
+            <a:p>
+              <a:pPr algn="ctr"/>
+              <a:r>
+                <a:rPr lang="en-GB" dirty="0"/>
+                <a:t>New Final Target X,Y from game?</a:t>
+              </a:r>
+            </a:p>
+          </p:txBody>
+        </p:sp>
+        <p:cxnSp>
+          <p:nvCxnSpPr>
+            <p:cNvPr id="23" name="Straight Arrow Connector 22">
+              <a:extLst>
+                <a:ext uri="{FF2B5EF4-FFF2-40B4-BE49-F238E27FC236}">
+                  <a16:creationId xmlns:a16="http://schemas.microsoft.com/office/drawing/2014/main" id="{0B9292B7-B0BD-4D27-8F61-36E27607C884}"/>
+                </a:ext>
+              </a:extLst>
+            </p:cNvPr>
+            <p:cNvCxnSpPr>
+              <a:cxnSpLocks/>
+              <a:stCxn id="5" idx="2"/>
+              <a:endCxn id="21" idx="0"/>
+            </p:cNvCxnSpPr>
+            <p:nvPr/>
+          </p:nvCxnSpPr>
+          <p:spPr>
+            <a:xfrm flipH="1">
+              <a:off x="7434983" y="1881667"/>
+              <a:ext cx="1716" cy="667159"/>
+            </a:xfrm>
+            <a:prstGeom prst="straightConnector1">
+              <a:avLst/>
+            </a:prstGeom>
+            <a:ln w="28575">
+              <a:tailEnd type="triangle"/>
+            </a:ln>
+          </p:spPr>
+          <p:style>
+            <a:lnRef idx="1">
+              <a:schemeClr val="dk1"/>
+            </a:lnRef>
+            <a:fillRef idx="0">
+              <a:schemeClr val="dk1"/>
+            </a:fillRef>
+            <a:effectRef idx="0">
+              <a:schemeClr val="dk1"/>
+            </a:effectRef>
+            <a:fontRef idx="minor">
+              <a:schemeClr val="tx1"/>
+            </a:fontRef>
+          </p:style>
+        </p:cxnSp>
+        <p:sp>
+          <p:nvSpPr>
+            <p:cNvPr id="27" name="Parallelogram 26">
+              <a:extLst>
+                <a:ext uri="{FF2B5EF4-FFF2-40B4-BE49-F238E27FC236}">
+                  <a16:creationId xmlns:a16="http://schemas.microsoft.com/office/drawing/2014/main" id="{589E5884-3FD2-4321-BD80-C5BE3BED372A}"/>
+                </a:ext>
+              </a:extLst>
+            </p:cNvPr>
+            <p:cNvSpPr/>
+            <p:nvPr/>
+          </p:nvSpPr>
+          <p:spPr>
+            <a:xfrm>
+              <a:off x="5607138" y="4386964"/>
+              <a:ext cx="3655690" cy="1532876"/>
+            </a:xfrm>
+            <a:prstGeom prst="parallelogram">
+              <a:avLst/>
+            </a:prstGeom>
+            <a:ln w="28575"/>
+          </p:spPr>
+          <p:style>
+            <a:lnRef idx="2">
+              <a:schemeClr val="dk1"/>
+            </a:lnRef>
+            <a:fillRef idx="1">
+              <a:schemeClr val="lt1"/>
+            </a:fillRef>
+            <a:effectRef idx="0">
+              <a:schemeClr val="dk1"/>
+            </a:effectRef>
+            <a:fontRef idx="minor">
+              <a:schemeClr val="dk1"/>
+            </a:fontRef>
+          </p:style>
+          <p:txBody>
+            <a:bodyPr rtlCol="0" anchor="ctr"/>
+            <a:lstStyle/>
+            <a:p>
+              <a:pPr algn="ctr"/>
+              <a:r>
+                <a:rPr lang="en-GB" dirty="0"/>
+                <a:t>Initialise Variables for Minimum Jerk Trajectory:</a:t>
+              </a:r>
+            </a:p>
+            <a:p>
+              <a:pPr marL="285750" indent="-285750" algn="ctr">
+                <a:buFont typeface="Arial" panose="020B0604020202020204" pitchFamily="34" charset="0"/>
+                <a:buChar char="•"/>
+              </a:pPr>
+              <a:r>
+                <a:rPr lang="en-GB" dirty="0"/>
+                <a:t>Reset Timer, t=0</a:t>
+              </a:r>
+            </a:p>
+            <a:p>
+              <a:pPr marL="285750" indent="-285750" algn="ctr">
+                <a:buFont typeface="Arial" panose="020B0604020202020204" pitchFamily="34" charset="0"/>
+                <a:buChar char="•"/>
+              </a:pPr>
+              <a:r>
+                <a:rPr lang="en-GB" dirty="0"/>
+                <a:t>Set Current X,Y as X</a:t>
+              </a:r>
+              <a:r>
+                <a:rPr lang="en-GB" baseline="-25000" dirty="0"/>
+                <a:t>0</a:t>
+              </a:r>
+              <a:r>
+                <a:rPr lang="en-GB" dirty="0"/>
+                <a:t>,Y</a:t>
+              </a:r>
+              <a:r>
+                <a:rPr lang="en-GB" baseline="-25000" dirty="0"/>
+                <a:t>0</a:t>
+              </a:r>
+            </a:p>
+            <a:p>
+              <a:pPr marL="285750" indent="-285750" algn="ctr">
+                <a:buFont typeface="Arial" panose="020B0604020202020204" pitchFamily="34" charset="0"/>
+                <a:buChar char="•"/>
+              </a:pPr>
+              <a:r>
+                <a:rPr lang="en-GB" dirty="0"/>
+                <a:t>Set Final time, t</a:t>
+              </a:r>
+              <a:r>
+                <a:rPr lang="en-GB" baseline="-25000" dirty="0"/>
+                <a:t>f</a:t>
+              </a:r>
+            </a:p>
+          </p:txBody>
+        </p:sp>
+        <p:cxnSp>
+          <p:nvCxnSpPr>
+            <p:cNvPr id="29" name="Straight Arrow Connector 28">
+              <a:extLst>
+                <a:ext uri="{FF2B5EF4-FFF2-40B4-BE49-F238E27FC236}">
+                  <a16:creationId xmlns:a16="http://schemas.microsoft.com/office/drawing/2014/main" id="{89913107-583B-4F66-99BE-B277A74A3C8B}"/>
+                </a:ext>
+              </a:extLst>
+            </p:cNvPr>
+            <p:cNvCxnSpPr>
+              <a:cxnSpLocks/>
+              <a:endCxn id="27" idx="0"/>
+            </p:cNvCxnSpPr>
+            <p:nvPr/>
+          </p:nvCxnSpPr>
+          <p:spPr>
+            <a:xfrm>
+              <a:off x="7434983" y="3900549"/>
+              <a:ext cx="0" cy="486415"/>
+            </a:xfrm>
+            <a:prstGeom prst="straightConnector1">
+              <a:avLst/>
+            </a:prstGeom>
+            <a:ln w="28575">
+              <a:tailEnd type="triangle"/>
+            </a:ln>
+          </p:spPr>
+          <p:style>
+            <a:lnRef idx="2">
+              <a:schemeClr val="dk1"/>
+            </a:lnRef>
+            <a:fillRef idx="1">
+              <a:schemeClr val="lt1"/>
+            </a:fillRef>
+            <a:effectRef idx="0">
+              <a:schemeClr val="dk1"/>
+            </a:effectRef>
+            <a:fontRef idx="minor">
+              <a:schemeClr val="dk1"/>
+            </a:fontRef>
+          </p:style>
+        </p:cxnSp>
+        <p:sp>
+          <p:nvSpPr>
+            <p:cNvPr id="30" name="TextBox 29">
+              <a:extLst>
+                <a:ext uri="{FF2B5EF4-FFF2-40B4-BE49-F238E27FC236}">
+                  <a16:creationId xmlns:a16="http://schemas.microsoft.com/office/drawing/2014/main" id="{27A73F7C-468D-4D40-A38A-B99457D56A14}"/>
+                </a:ext>
+              </a:extLst>
+            </p:cNvPr>
+            <p:cNvSpPr txBox="1"/>
+            <p:nvPr/>
+          </p:nvSpPr>
+          <p:spPr>
+            <a:xfrm>
+              <a:off x="6900545" y="3889272"/>
+              <a:ext cx="485518" cy="369332"/>
+            </a:xfrm>
+            <a:prstGeom prst="rect">
+              <a:avLst/>
+            </a:prstGeom>
+            <a:noFill/>
+          </p:spPr>
+          <p:txBody>
+            <a:bodyPr wrap="none" rtlCol="0">
+              <a:spAutoFit/>
+            </a:bodyPr>
+            <a:lstStyle/>
+            <a:p>
+              <a:r>
+                <a:rPr lang="en-GB" dirty="0">
+                  <a:solidFill>
+                    <a:srgbClr val="002060"/>
+                  </a:solidFill>
+                </a:rPr>
+                <a:t>Yes</a:t>
+              </a:r>
+            </a:p>
+          </p:txBody>
+        </p:sp>
+        <p:sp>
+          <p:nvSpPr>
+            <p:cNvPr id="32" name="Parallelogram 31">
+              <a:extLst>
+                <a:ext uri="{FF2B5EF4-FFF2-40B4-BE49-F238E27FC236}">
+                  <a16:creationId xmlns:a16="http://schemas.microsoft.com/office/drawing/2014/main" id="{05464AF4-5A0F-46BC-9E2C-F546C52BD1BD}"/>
+                </a:ext>
+              </a:extLst>
+            </p:cNvPr>
+            <p:cNvSpPr/>
+            <p:nvPr/>
+          </p:nvSpPr>
+          <p:spPr>
+            <a:xfrm>
+              <a:off x="5607138" y="6266618"/>
+              <a:ext cx="3655690" cy="1080666"/>
+            </a:xfrm>
+            <a:prstGeom prst="parallelogram">
+              <a:avLst/>
+            </a:prstGeom>
+            <a:ln w="28575"/>
+          </p:spPr>
+          <p:style>
+            <a:lnRef idx="2">
+              <a:schemeClr val="dk1"/>
+            </a:lnRef>
+            <a:fillRef idx="1">
+              <a:schemeClr val="lt1"/>
+            </a:fillRef>
+            <a:effectRef idx="0">
+              <a:schemeClr val="dk1"/>
+            </a:effectRef>
+            <a:fontRef idx="minor">
+              <a:schemeClr val="dk1"/>
+            </a:fontRef>
+          </p:style>
+          <p:txBody>
+            <a:bodyPr rtlCol="0" anchor="ctr"/>
+            <a:lstStyle/>
+            <a:p>
+              <a:pPr algn="ctr"/>
+              <a:r>
+                <a:rPr lang="en-GB" dirty="0"/>
+                <a:t>Generate Next setpoint, x(t), y(t), using Minimum Jerk Trajectory Algorithm</a:t>
+              </a:r>
+            </a:p>
+          </p:txBody>
+        </p:sp>
+        <p:cxnSp>
+          <p:nvCxnSpPr>
+            <p:cNvPr id="35" name="Straight Arrow Connector 34">
+              <a:extLst>
+                <a:ext uri="{FF2B5EF4-FFF2-40B4-BE49-F238E27FC236}">
+                  <a16:creationId xmlns:a16="http://schemas.microsoft.com/office/drawing/2014/main" id="{24F503E0-9323-44E7-AAB9-263D247A65B8}"/>
+                </a:ext>
+              </a:extLst>
+            </p:cNvPr>
+            <p:cNvCxnSpPr>
+              <a:cxnSpLocks/>
+              <a:stCxn id="27" idx="4"/>
+              <a:endCxn id="32" idx="0"/>
+            </p:cNvCxnSpPr>
+            <p:nvPr/>
+          </p:nvCxnSpPr>
+          <p:spPr>
+            <a:xfrm>
+              <a:off x="7434983" y="5919840"/>
+              <a:ext cx="0" cy="346778"/>
+            </a:xfrm>
+            <a:prstGeom prst="straightConnector1">
+              <a:avLst/>
+            </a:prstGeom>
+            <a:ln w="28575">
+              <a:tailEnd type="triangle"/>
+            </a:ln>
+          </p:spPr>
+          <p:style>
+            <a:lnRef idx="2">
+              <a:schemeClr val="dk1"/>
+            </a:lnRef>
+            <a:fillRef idx="1">
+              <a:schemeClr val="lt1"/>
+            </a:fillRef>
+            <a:effectRef idx="0">
+              <a:schemeClr val="dk1"/>
+            </a:effectRef>
+            <a:fontRef idx="minor">
+              <a:schemeClr val="dk1"/>
+            </a:fontRef>
+          </p:style>
+        </p:cxnSp>
+        <p:sp>
+          <p:nvSpPr>
+            <p:cNvPr id="41" name="TextBox 40">
+              <a:extLst>
+                <a:ext uri="{FF2B5EF4-FFF2-40B4-BE49-F238E27FC236}">
+                  <a16:creationId xmlns:a16="http://schemas.microsoft.com/office/drawing/2014/main" id="{1F68D4D8-669B-4180-9421-457483AD4EE1}"/>
+                </a:ext>
+              </a:extLst>
+            </p:cNvPr>
+            <p:cNvSpPr txBox="1"/>
+            <p:nvPr/>
+          </p:nvSpPr>
+          <p:spPr>
+            <a:xfrm>
+              <a:off x="8963850" y="3251828"/>
+              <a:ext cx="455574" cy="369332"/>
+            </a:xfrm>
+            <a:prstGeom prst="rect">
+              <a:avLst/>
+            </a:prstGeom>
+            <a:noFill/>
+          </p:spPr>
+          <p:txBody>
+            <a:bodyPr wrap="none" rtlCol="0">
+              <a:spAutoFit/>
+            </a:bodyPr>
+            <a:lstStyle/>
+            <a:p>
+              <a:r>
+                <a:rPr lang="en-GB" dirty="0">
+                  <a:solidFill>
+                    <a:srgbClr val="002060"/>
+                  </a:solidFill>
+                </a:rPr>
+                <a:t>No</a:t>
+              </a:r>
+            </a:p>
+          </p:txBody>
+        </p:sp>
+        <p:cxnSp>
+          <p:nvCxnSpPr>
+            <p:cNvPr id="47" name="Connector: Elbow 46">
+              <a:extLst>
+                <a:ext uri="{FF2B5EF4-FFF2-40B4-BE49-F238E27FC236}">
+                  <a16:creationId xmlns:a16="http://schemas.microsoft.com/office/drawing/2014/main" id="{0168EDB9-614B-4001-BF45-FB3F7C064296}"/>
+                </a:ext>
+              </a:extLst>
+            </p:cNvPr>
+            <p:cNvCxnSpPr>
+              <a:stCxn id="21" idx="3"/>
+              <a:endCxn id="32" idx="2"/>
+            </p:cNvCxnSpPr>
+            <p:nvPr/>
+          </p:nvCxnSpPr>
+          <p:spPr>
+            <a:xfrm>
+              <a:off x="8799956" y="3224688"/>
+              <a:ext cx="327789" cy="3582263"/>
+            </a:xfrm>
+            <a:prstGeom prst="bentConnector3">
+              <a:avLst>
+                <a:gd name="adj1" fmla="val 245208"/>
+              </a:avLst>
+            </a:prstGeom>
+            <a:ln w="28575">
+              <a:tailEnd type="triangle"/>
+            </a:ln>
+          </p:spPr>
+          <p:style>
+            <a:lnRef idx="1">
+              <a:schemeClr val="dk1"/>
+            </a:lnRef>
+            <a:fillRef idx="0">
+              <a:schemeClr val="dk1"/>
+            </a:fillRef>
+            <a:effectRef idx="0">
+              <a:schemeClr val="dk1"/>
+            </a:effectRef>
+            <a:fontRef idx="minor">
+              <a:schemeClr val="tx1"/>
+            </a:fontRef>
+          </p:style>
+        </p:cxnSp>
+        <p:sp>
+          <p:nvSpPr>
+            <p:cNvPr id="61" name="Parallelogram 60">
+              <a:extLst>
+                <a:ext uri="{FF2B5EF4-FFF2-40B4-BE49-F238E27FC236}">
+                  <a16:creationId xmlns:a16="http://schemas.microsoft.com/office/drawing/2014/main" id="{6EECDE83-1CA7-43BA-ABC2-54A3756440BC}"/>
+                </a:ext>
+              </a:extLst>
+            </p:cNvPr>
+            <p:cNvSpPr/>
+            <p:nvPr/>
+          </p:nvSpPr>
+          <p:spPr>
+            <a:xfrm>
+              <a:off x="6388061" y="7736720"/>
+              <a:ext cx="2093843" cy="1073426"/>
+            </a:xfrm>
+            <a:prstGeom prst="parallelogram">
+              <a:avLst/>
+            </a:prstGeom>
+            <a:ln w="28575"/>
+          </p:spPr>
+          <p:style>
+            <a:lnRef idx="2">
+              <a:schemeClr val="dk1"/>
+            </a:lnRef>
+            <a:fillRef idx="1">
+              <a:schemeClr val="lt1"/>
+            </a:fillRef>
+            <a:effectRef idx="0">
+              <a:schemeClr val="dk1"/>
+            </a:effectRef>
+            <a:fontRef idx="minor">
+              <a:schemeClr val="dk1"/>
+            </a:fontRef>
+          </p:style>
+          <p:txBody>
+            <a:bodyPr rot="0" spcFirstLastPara="0" vertOverflow="overflow" horzOverflow="overflow" vert="horz" wrap="square" lIns="91440" tIns="45720" rIns="91440" bIns="45720" numCol="1" spcCol="0" rtlCol="0" fromWordArt="0" anchor="ctr" anchorCtr="0" forceAA="0" compatLnSpc="1">
+              <a:prstTxWarp prst="textNoShape">
+                <a:avLst/>
+              </a:prstTxWarp>
+              <a:noAutofit/>
+            </a:bodyPr>
+            <a:lstStyle/>
+            <a:p>
+              <a:pPr algn="ctr"/>
+              <a:r>
+                <a:rPr lang="en-GB" dirty="0"/>
+                <a:t>Pass x(t), y(t) to Controller</a:t>
+              </a:r>
+            </a:p>
+          </p:txBody>
+        </p:sp>
+        <p:cxnSp>
+          <p:nvCxnSpPr>
+            <p:cNvPr id="63" name="Straight Arrow Connector 62">
+              <a:extLst>
+                <a:ext uri="{FF2B5EF4-FFF2-40B4-BE49-F238E27FC236}">
+                  <a16:creationId xmlns:a16="http://schemas.microsoft.com/office/drawing/2014/main" id="{8F83C86C-D609-4D57-A4D2-67B8462F6440}"/>
+                </a:ext>
+              </a:extLst>
+            </p:cNvPr>
+            <p:cNvCxnSpPr>
+              <a:stCxn id="32" idx="4"/>
+              <a:endCxn id="61" idx="0"/>
+            </p:cNvCxnSpPr>
+            <p:nvPr/>
+          </p:nvCxnSpPr>
+          <p:spPr>
+            <a:xfrm>
+              <a:off x="7434983" y="7347284"/>
+              <a:ext cx="0" cy="389436"/>
+            </a:xfrm>
+            <a:prstGeom prst="straightConnector1">
+              <a:avLst/>
+            </a:prstGeom>
+            <a:ln w="28575">
+              <a:tailEnd type="triangle"/>
+            </a:ln>
+          </p:spPr>
+          <p:style>
+            <a:lnRef idx="2">
+              <a:schemeClr val="dk1"/>
+            </a:lnRef>
+            <a:fillRef idx="1">
+              <a:schemeClr val="lt1"/>
+            </a:fillRef>
+            <a:effectRef idx="0">
+              <a:schemeClr val="dk1"/>
+            </a:effectRef>
+            <a:fontRef idx="minor">
+              <a:schemeClr val="dk1"/>
+            </a:fontRef>
+          </p:style>
+        </p:cxnSp>
+        <p:sp>
+          <p:nvSpPr>
+            <p:cNvPr id="64" name="Rectangle: Rounded Corners 63">
+              <a:extLst>
+                <a:ext uri="{FF2B5EF4-FFF2-40B4-BE49-F238E27FC236}">
+                  <a16:creationId xmlns:a16="http://schemas.microsoft.com/office/drawing/2014/main" id="{4A51005E-6070-4C5E-B4B4-AC83560D962F}"/>
+                </a:ext>
+              </a:extLst>
+            </p:cNvPr>
+            <p:cNvSpPr/>
+            <p:nvPr/>
+          </p:nvSpPr>
+          <p:spPr>
+            <a:xfrm>
+              <a:off x="6432350" y="9199582"/>
+              <a:ext cx="2005263" cy="617069"/>
+            </a:xfrm>
+            <a:prstGeom prst="roundRect">
+              <a:avLst/>
+            </a:prstGeom>
+            <a:ln w="28575"/>
+          </p:spPr>
+          <p:style>
+            <a:lnRef idx="2">
+              <a:schemeClr val="dk1"/>
+            </a:lnRef>
+            <a:fillRef idx="1">
+              <a:schemeClr val="lt1"/>
+            </a:fillRef>
+            <a:effectRef idx="0">
+              <a:schemeClr val="dk1"/>
+            </a:effectRef>
+            <a:fontRef idx="minor">
+              <a:schemeClr val="dk1"/>
+            </a:fontRef>
+          </p:style>
+          <p:txBody>
+            <a:bodyPr rtlCol="0" anchor="ctr"/>
+            <a:lstStyle/>
+            <a:p>
+              <a:pPr algn="ctr"/>
+              <a:r>
+                <a:rPr lang="en-GB" dirty="0"/>
+                <a:t>End</a:t>
+              </a:r>
+            </a:p>
+          </p:txBody>
+        </p:sp>
+        <p:cxnSp>
+          <p:nvCxnSpPr>
+            <p:cNvPr id="66" name="Straight Arrow Connector 65">
+              <a:extLst>
+                <a:ext uri="{FF2B5EF4-FFF2-40B4-BE49-F238E27FC236}">
+                  <a16:creationId xmlns:a16="http://schemas.microsoft.com/office/drawing/2014/main" id="{53555A73-E90A-4B88-888A-462184133FE8}"/>
+                </a:ext>
+              </a:extLst>
+            </p:cNvPr>
+            <p:cNvCxnSpPr>
+              <a:stCxn id="61" idx="4"/>
+              <a:endCxn id="64" idx="0"/>
+            </p:cNvCxnSpPr>
+            <p:nvPr/>
+          </p:nvCxnSpPr>
+          <p:spPr>
+            <a:xfrm flipH="1">
+              <a:off x="7434982" y="8810146"/>
+              <a:ext cx="1" cy="389436"/>
+            </a:xfrm>
+            <a:prstGeom prst="straightConnector1">
+              <a:avLst/>
+            </a:prstGeom>
+            <a:ln w="28575">
+              <a:tailEnd type="triangle"/>
+            </a:ln>
+          </p:spPr>
+          <p:style>
+            <a:lnRef idx="2">
+              <a:schemeClr val="dk1"/>
+            </a:lnRef>
+            <a:fillRef idx="1">
+              <a:schemeClr val="lt1"/>
+            </a:fillRef>
+            <a:effectRef idx="0">
+              <a:schemeClr val="dk1"/>
+            </a:effectRef>
+            <a:fontRef idx="minor">
+              <a:schemeClr val="dk1"/>
+            </a:fontRef>
+          </p:style>
+        </p:cxnSp>
+      </p:grpSp>
+      <p:cxnSp>
+        <p:nvCxnSpPr>
+          <p:cNvPr id="69" name="Connector: Elbow 68">
+            <a:extLst>
+              <a:ext uri="{FF2B5EF4-FFF2-40B4-BE49-F238E27FC236}">
+                <a16:creationId xmlns:a16="http://schemas.microsoft.com/office/drawing/2014/main" id="{C8BC72FD-AF4D-4E1E-8E4B-F011633782A9}"/>
+              </a:ext>
+            </a:extLst>
+          </p:cNvPr>
+          <p:cNvCxnSpPr>
+            <a:stCxn id="9" idx="4"/>
+            <a:endCxn id="64" idx="1"/>
+          </p:cNvCxnSpPr>
+          <p:nvPr/>
+        </p:nvCxnSpPr>
+        <p:spPr>
+          <a:xfrm rot="16200000" flipH="1">
+            <a:off x="2104676" y="5180442"/>
+            <a:ext cx="5881115" cy="2774234"/>
+          </a:xfrm>
+          <a:prstGeom prst="bentConnector2">
+            <a:avLst/>
+          </a:prstGeom>
+          <a:ln w="28575">
+            <a:solidFill>
+              <a:schemeClr val="tx1"/>
+            </a:solidFill>
+            <a:tailEnd type="triangle"/>
+          </a:ln>
+        </p:spPr>
+        <p:style>
+          <a:lnRef idx="1">
+            <a:schemeClr val="accent1"/>
+          </a:lnRef>
+          <a:fillRef idx="0">
+            <a:schemeClr val="accent1"/>
+          </a:fillRef>
+          <a:effectRef idx="0">
+            <a:schemeClr val="accent1"/>
+          </a:effectRef>
+          <a:fontRef idx="minor">
+            <a:schemeClr val="tx1"/>
+          </a:fontRef>
+        </p:style>
+      </p:cxnSp>
+    </p:spTree>
+    <p:extLst>
+      <p:ext uri="{BB962C8B-B14F-4D97-AF65-F5344CB8AC3E}">
+        <p14:creationId xmlns:p14="http://schemas.microsoft.com/office/powerpoint/2010/main" val="2293037105"/>
+      </p:ext>
+    </p:extLst>
+  </p:cSld>
+  <p:clrMapOvr>
+    <a:masterClrMapping/>
+  </p:clrMapOvr>
+</p:sld>
+</file>
+
 <file path=ppt/theme/theme1.xml><?xml version="1.0" encoding="utf-8"?>
 <a:theme xmlns:a="http://schemas.openxmlformats.org/drawingml/2006/main" name="Office Theme">
   <a:themeElements>
-    <a:clrScheme name="Office">
+    <a:clrScheme name="Office Theme">
       <a:dk1>
         <a:sysClr val="windowText" lastClr="000000"/>
       </a:dk1>
@@ -4947,7 +6946,7 @@
         <a:srgbClr val="954F72"/>
       </a:folHlink>
     </a:clrScheme>
-    <a:fontScheme name="Office">
+    <a:fontScheme name="Office Theme">
       <a:majorFont>
         <a:latin typeface="Calibri Light" panose="020F0302020204030204"/>
         <a:ea typeface=""/>
@@ -4982,23 +6981,6 @@
         <a:font script="Viet" typeface="Times New Roman"/>
         <a:font script="Uigh" typeface="Microsoft Uighur"/>
         <a:font script="Geor" typeface="Sylfaen"/>
-        <a:font script="Armn" typeface="Arial"/>
-        <a:font script="Bugi" typeface="Leelawadee UI"/>
-        <a:font script="Bopo" typeface="Microsoft JhengHei"/>
-        <a:font script="Java" typeface="Javanese Text"/>
-        <a:font script="Lisu" typeface="Segoe UI"/>
-        <a:font script="Mymr" typeface="Myanmar Text"/>
-        <a:font script="Nkoo" typeface="Ebrima"/>
-        <a:font script="Olck" typeface="Nirmala UI"/>
-        <a:font script="Osma" typeface="Ebrima"/>
-        <a:font script="Phag" typeface="Phagspa"/>
-        <a:font script="Syrn" typeface="Estrangelo Edessa"/>
-        <a:font script="Syrj" typeface="Estrangelo Edessa"/>
-        <a:font script="Syre" typeface="Estrangelo Edessa"/>
-        <a:font script="Sora" typeface="Nirmala UI"/>
-        <a:font script="Tale" typeface="Microsoft Tai Le"/>
-        <a:font script="Talu" typeface="Microsoft New Tai Lue"/>
-        <a:font script="Tfng" typeface="Ebrima"/>
       </a:majorFont>
       <a:minorFont>
         <a:latin typeface="Calibri" panose="020F0502020204030204"/>
@@ -5034,26 +7016,9 @@
         <a:font script="Viet" typeface="Arial"/>
         <a:font script="Uigh" typeface="Microsoft Uighur"/>
         <a:font script="Geor" typeface="Sylfaen"/>
-        <a:font script="Armn" typeface="Arial"/>
-        <a:font script="Bugi" typeface="Leelawadee UI"/>
-        <a:font script="Bopo" typeface="Microsoft JhengHei"/>
-        <a:font script="Java" typeface="Javanese Text"/>
-        <a:font script="Lisu" typeface="Segoe UI"/>
-        <a:font script="Mymr" typeface="Myanmar Text"/>
-        <a:font script="Nkoo" typeface="Ebrima"/>
-        <a:font script="Olck" typeface="Nirmala UI"/>
-        <a:font script="Osma" typeface="Ebrima"/>
-        <a:font script="Phag" typeface="Phagspa"/>
-        <a:font script="Syrn" typeface="Estrangelo Edessa"/>
-        <a:font script="Syrj" typeface="Estrangelo Edessa"/>
-        <a:font script="Syre" typeface="Estrangelo Edessa"/>
-        <a:font script="Sora" typeface="Nirmala UI"/>
-        <a:font script="Tale" typeface="Microsoft Tai Le"/>
-        <a:font script="Talu" typeface="Microsoft New Tai Lue"/>
-        <a:font script="Tfng" typeface="Ebrima"/>
       </a:minorFont>
     </a:fontScheme>
-    <a:fmtScheme name="Office">
+    <a:fmtScheme name="Office Theme">
       <a:fillStyleLst>
         <a:solidFill>
           <a:schemeClr val="phClr"/>

--- a/Transfer Report/figures.pptx
+++ b/Transfer Report/figures.pptx
@@ -246,7 +246,7 @@
           <a:p>
             <a:fld id="{A03881B1-0A11-470F-8EE9-80F8B523F300}" type="datetimeFigureOut">
               <a:rPr lang="en-GB" smtClean="0"/>
-              <a:t>08/05/2019</a:t>
+              <a:t>21/05/2019</a:t>
             </a:fld>
             <a:endParaRPr lang="en-GB"/>
           </a:p>
@@ -416,7 +416,7 @@
           <a:p>
             <a:fld id="{A03881B1-0A11-470F-8EE9-80F8B523F300}" type="datetimeFigureOut">
               <a:rPr lang="en-GB" smtClean="0"/>
-              <a:t>08/05/2019</a:t>
+              <a:t>21/05/2019</a:t>
             </a:fld>
             <a:endParaRPr lang="en-GB"/>
           </a:p>
@@ -596,7 +596,7 @@
           <a:p>
             <a:fld id="{A03881B1-0A11-470F-8EE9-80F8B523F300}" type="datetimeFigureOut">
               <a:rPr lang="en-GB" smtClean="0"/>
-              <a:t>08/05/2019</a:t>
+              <a:t>21/05/2019</a:t>
             </a:fld>
             <a:endParaRPr lang="en-GB"/>
           </a:p>
@@ -766,7 +766,7 @@
           <a:p>
             <a:fld id="{A03881B1-0A11-470F-8EE9-80F8B523F300}" type="datetimeFigureOut">
               <a:rPr lang="en-GB" smtClean="0"/>
-              <a:t>08/05/2019</a:t>
+              <a:t>21/05/2019</a:t>
             </a:fld>
             <a:endParaRPr lang="en-GB"/>
           </a:p>
@@ -1010,7 +1010,7 @@
           <a:p>
             <a:fld id="{A03881B1-0A11-470F-8EE9-80F8B523F300}" type="datetimeFigureOut">
               <a:rPr lang="en-GB" smtClean="0"/>
-              <a:t>08/05/2019</a:t>
+              <a:t>21/05/2019</a:t>
             </a:fld>
             <a:endParaRPr lang="en-GB"/>
           </a:p>
@@ -1242,7 +1242,7 @@
           <a:p>
             <a:fld id="{A03881B1-0A11-470F-8EE9-80F8B523F300}" type="datetimeFigureOut">
               <a:rPr lang="en-GB" smtClean="0"/>
-              <a:t>08/05/2019</a:t>
+              <a:t>21/05/2019</a:t>
             </a:fld>
             <a:endParaRPr lang="en-GB"/>
           </a:p>
@@ -1609,7 +1609,7 @@
           <a:p>
             <a:fld id="{A03881B1-0A11-470F-8EE9-80F8B523F300}" type="datetimeFigureOut">
               <a:rPr lang="en-GB" smtClean="0"/>
-              <a:t>08/05/2019</a:t>
+              <a:t>21/05/2019</a:t>
             </a:fld>
             <a:endParaRPr lang="en-GB"/>
           </a:p>
@@ -1727,7 +1727,7 @@
           <a:p>
             <a:fld id="{A03881B1-0A11-470F-8EE9-80F8B523F300}" type="datetimeFigureOut">
               <a:rPr lang="en-GB" smtClean="0"/>
-              <a:t>08/05/2019</a:t>
+              <a:t>21/05/2019</a:t>
             </a:fld>
             <a:endParaRPr lang="en-GB"/>
           </a:p>
@@ -1822,7 +1822,7 @@
           <a:p>
             <a:fld id="{A03881B1-0A11-470F-8EE9-80F8B523F300}" type="datetimeFigureOut">
               <a:rPr lang="en-GB" smtClean="0"/>
-              <a:t>08/05/2019</a:t>
+              <a:t>21/05/2019</a:t>
             </a:fld>
             <a:endParaRPr lang="en-GB"/>
           </a:p>
@@ -2099,7 +2099,7 @@
           <a:p>
             <a:fld id="{A03881B1-0A11-470F-8EE9-80F8B523F300}" type="datetimeFigureOut">
               <a:rPr lang="en-GB" smtClean="0"/>
-              <a:t>08/05/2019</a:t>
+              <a:t>21/05/2019</a:t>
             </a:fld>
             <a:endParaRPr lang="en-GB"/>
           </a:p>
@@ -2356,7 +2356,7 @@
           <a:p>
             <a:fld id="{A03881B1-0A11-470F-8EE9-80F8B523F300}" type="datetimeFigureOut">
               <a:rPr lang="en-GB" smtClean="0"/>
-              <a:t>08/05/2019</a:t>
+              <a:t>21/05/2019</a:t>
             </a:fld>
             <a:endParaRPr lang="en-GB"/>
           </a:p>
@@ -2569,7 +2569,7 @@
           <a:p>
             <a:fld id="{A03881B1-0A11-470F-8EE9-80F8B523F300}" type="datetimeFigureOut">
               <a:rPr lang="en-GB" smtClean="0"/>
-              <a:t>08/05/2019</a:t>
+              <a:t>21/05/2019</a:t>
             </a:fld>
             <a:endParaRPr lang="en-GB"/>
           </a:p>
@@ -3545,8 +3545,8 @@
         </p:nvSpPr>
         <p:spPr>
           <a:xfrm>
-            <a:off x="2709380" y="2102436"/>
-            <a:ext cx="8157603" cy="2093844"/>
+            <a:off x="2709380" y="2088107"/>
+            <a:ext cx="8157603" cy="2108173"/>
           </a:xfrm>
           <a:prstGeom prst="rect">
             <a:avLst/>
@@ -3597,8 +3597,8 @@
         </p:nvSpPr>
         <p:spPr>
           <a:xfrm>
-            <a:off x="7249138" y="6682064"/>
-            <a:ext cx="3617844" cy="1907313"/>
+            <a:off x="7249138" y="6495532"/>
+            <a:ext cx="3617844" cy="2293625"/>
           </a:xfrm>
           <a:prstGeom prst="rect">
             <a:avLst/>
@@ -3650,7 +3650,7 @@
         <p:spPr>
           <a:xfrm>
             <a:off x="2709379" y="4779376"/>
-            <a:ext cx="3617844" cy="3810000"/>
+            <a:ext cx="3617844" cy="4009782"/>
           </a:xfrm>
           <a:prstGeom prst="rect">
             <a:avLst/>
@@ -3701,7 +3701,7 @@
         </p:nvSpPr>
         <p:spPr>
           <a:xfrm>
-            <a:off x="2795497" y="2141728"/>
+            <a:off x="2795497" y="2149647"/>
             <a:ext cx="1793311" cy="467692"/>
           </a:xfrm>
           <a:prstGeom prst="rect">
@@ -3779,7 +3779,7 @@
         </p:nvSpPr>
         <p:spPr>
           <a:xfrm>
-            <a:off x="7322196" y="6715392"/>
+            <a:off x="7308419" y="6606291"/>
             <a:ext cx="2014654" cy="467692"/>
           </a:xfrm>
           <a:prstGeom prst="rect">
@@ -3992,8 +3992,8 @@
         </p:nvSpPr>
         <p:spPr>
           <a:xfrm>
-            <a:off x="3497191" y="7073983"/>
-            <a:ext cx="2074460" cy="888882"/>
+            <a:off x="3497191" y="6964802"/>
+            <a:ext cx="2074460" cy="1281195"/>
           </a:xfrm>
           <a:prstGeom prst="rect">
             <a:avLst/>
@@ -4159,7 +4159,7 @@
         </p:nvSpPr>
         <p:spPr>
           <a:xfrm>
-            <a:off x="4174296" y="7347047"/>
+            <a:off x="4174295" y="7424359"/>
             <a:ext cx="869149" cy="467692"/>
           </a:xfrm>
           <a:prstGeom prst="rect">
@@ -4273,13 +4273,15 @@
               </a:ext>
             </a:extLst>
           </p:cNvPr>
-          <p:cNvCxnSpPr/>
+          <p:cNvCxnSpPr>
+            <a:cxnSpLocks/>
+          </p:cNvCxnSpPr>
           <p:nvPr/>
         </p:nvCxnSpPr>
         <p:spPr>
           <a:xfrm flipV="1">
-            <a:off x="4166641" y="6447473"/>
-            <a:ext cx="7654" cy="626511"/>
+            <a:off x="4174295" y="6447474"/>
+            <a:ext cx="0" cy="517327"/>
           </a:xfrm>
           <a:prstGeom prst="straightConnector1">
             <a:avLst/>
@@ -4315,13 +4317,15 @@
               </a:ext>
             </a:extLst>
           </p:cNvPr>
-          <p:cNvCxnSpPr/>
+          <p:cNvCxnSpPr>
+            <a:cxnSpLocks/>
+          </p:cNvCxnSpPr>
           <p:nvPr/>
         </p:nvCxnSpPr>
         <p:spPr>
           <a:xfrm>
             <a:off x="4862304" y="6447473"/>
-            <a:ext cx="0" cy="626511"/>
+            <a:ext cx="0" cy="517329"/>
           </a:xfrm>
           <a:prstGeom prst="straightConnector1">
             <a:avLst/>
@@ -4357,13 +4361,16 @@
               </a:ext>
             </a:extLst>
           </p:cNvPr>
-          <p:cNvCxnSpPr/>
+          <p:cNvCxnSpPr>
+            <a:cxnSpLocks/>
+            <a:endCxn id="26" idx="1"/>
+          </p:cNvCxnSpPr>
           <p:nvPr/>
         </p:nvCxnSpPr>
         <p:spPr>
           <a:xfrm>
-            <a:off x="5571652" y="7347047"/>
-            <a:ext cx="1677487" cy="0"/>
+            <a:off x="5571651" y="7310505"/>
+            <a:ext cx="2455805" cy="0"/>
           </a:xfrm>
           <a:prstGeom prst="straightConnector1">
             <a:avLst/>
@@ -4399,13 +4406,16 @@
               </a:ext>
             </a:extLst>
           </p:cNvPr>
-          <p:cNvCxnSpPr/>
+          <p:cNvCxnSpPr>
+            <a:cxnSpLocks/>
+            <a:stCxn id="24" idx="1"/>
+          </p:cNvCxnSpPr>
           <p:nvPr/>
         </p:nvCxnSpPr>
         <p:spPr>
-          <a:xfrm flipH="1">
-            <a:off x="5555530" y="7853682"/>
-            <a:ext cx="1693609" cy="0"/>
+          <a:xfrm flipH="1" flipV="1">
+            <a:off x="5555529" y="7975608"/>
+            <a:ext cx="2471927" cy="1"/>
           </a:xfrm>
           <a:prstGeom prst="straightConnector1">
             <a:avLst/>
@@ -4524,6 +4534,227 @@
           </a:fontRef>
         </p:style>
       </p:cxnSp>
+      <p:sp>
+        <p:nvSpPr>
+          <p:cNvPr id="24" name="Rectangle 23">
+            <a:extLst>
+              <a:ext uri="{FF2B5EF4-FFF2-40B4-BE49-F238E27FC236}">
+                <a16:creationId xmlns:a16="http://schemas.microsoft.com/office/drawing/2014/main" id="{5188C130-E1F7-4BED-B000-9761F686A470}"/>
+              </a:ext>
+            </a:extLst>
+          </p:cNvPr>
+          <p:cNvSpPr/>
+          <p:nvPr/>
+        </p:nvSpPr>
+        <p:spPr>
+          <a:xfrm>
+            <a:off x="8027456" y="7705221"/>
+            <a:ext cx="2074460" cy="540776"/>
+          </a:xfrm>
+          <a:prstGeom prst="rect">
+            <a:avLst/>
+          </a:prstGeom>
+          <a:solidFill>
+            <a:schemeClr val="accent1">
+              <a:lumMod val="20000"/>
+              <a:lumOff val="80000"/>
+            </a:schemeClr>
+          </a:solidFill>
+          <a:ln w="28575">
+            <a:solidFill>
+              <a:schemeClr val="tx1"/>
+            </a:solidFill>
+            <a:prstDash val="solid"/>
+          </a:ln>
+        </p:spPr>
+        <p:style>
+          <a:lnRef idx="2">
+            <a:schemeClr val="accent1">
+              <a:shade val="50000"/>
+            </a:schemeClr>
+          </a:lnRef>
+          <a:fillRef idx="1">
+            <a:schemeClr val="accent1"/>
+          </a:fillRef>
+          <a:effectRef idx="0">
+            <a:schemeClr val="accent1"/>
+          </a:effectRef>
+          <a:fontRef idx="minor">
+            <a:schemeClr val="lt1"/>
+          </a:fontRef>
+        </p:style>
+        <p:txBody>
+          <a:bodyPr rtlCol="0" anchor="ctr"/>
+          <a:lstStyle/>
+          <a:p>
+            <a:pPr algn="ctr"/>
+            <a:r>
+              <a:rPr lang="en-GB" dirty="0">
+                <a:solidFill>
+                  <a:schemeClr val="tx1"/>
+                </a:solidFill>
+              </a:rPr>
+              <a:t>Sensors</a:t>
+            </a:r>
+          </a:p>
+        </p:txBody>
+      </p:sp>
+      <p:sp>
+        <p:nvSpPr>
+          <p:cNvPr id="26" name="Rectangle 25">
+            <a:extLst>
+              <a:ext uri="{FF2B5EF4-FFF2-40B4-BE49-F238E27FC236}">
+                <a16:creationId xmlns:a16="http://schemas.microsoft.com/office/drawing/2014/main" id="{5AD53D3B-6E26-46D8-8978-0BE270495BB1}"/>
+              </a:ext>
+            </a:extLst>
+          </p:cNvPr>
+          <p:cNvSpPr/>
+          <p:nvPr/>
+        </p:nvSpPr>
+        <p:spPr>
+          <a:xfrm>
+            <a:off x="8027456" y="7040117"/>
+            <a:ext cx="2074460" cy="540776"/>
+          </a:xfrm>
+          <a:prstGeom prst="rect">
+            <a:avLst/>
+          </a:prstGeom>
+          <a:solidFill>
+            <a:schemeClr val="accent1">
+              <a:lumMod val="20000"/>
+              <a:lumOff val="80000"/>
+            </a:schemeClr>
+          </a:solidFill>
+          <a:ln w="28575">
+            <a:solidFill>
+              <a:schemeClr val="tx1"/>
+            </a:solidFill>
+            <a:prstDash val="solid"/>
+          </a:ln>
+        </p:spPr>
+        <p:style>
+          <a:lnRef idx="2">
+            <a:schemeClr val="accent1">
+              <a:shade val="50000"/>
+            </a:schemeClr>
+          </a:lnRef>
+          <a:fillRef idx="1">
+            <a:schemeClr val="accent1"/>
+          </a:fillRef>
+          <a:effectRef idx="0">
+            <a:schemeClr val="accent1"/>
+          </a:effectRef>
+          <a:fontRef idx="minor">
+            <a:schemeClr val="lt1"/>
+          </a:fontRef>
+        </p:style>
+        <p:txBody>
+          <a:bodyPr rtlCol="0" anchor="ctr"/>
+          <a:lstStyle/>
+          <a:p>
+            <a:pPr algn="ctr"/>
+            <a:r>
+              <a:rPr lang="en-GB" dirty="0">
+                <a:solidFill>
+                  <a:schemeClr val="tx1"/>
+                </a:solidFill>
+              </a:rPr>
+              <a:t>Actuators</a:t>
+            </a:r>
+          </a:p>
+        </p:txBody>
+      </p:sp>
+      <p:sp>
+        <p:nvSpPr>
+          <p:cNvPr id="2" name="TextBox 1">
+            <a:extLst>
+              <a:ext uri="{FF2B5EF4-FFF2-40B4-BE49-F238E27FC236}">
+                <a16:creationId xmlns:a16="http://schemas.microsoft.com/office/drawing/2014/main" id="{B0533071-D13E-4BA6-B809-1569029058CF}"/>
+              </a:ext>
+            </a:extLst>
+          </p:cNvPr>
+          <p:cNvSpPr txBox="1"/>
+          <p:nvPr/>
+        </p:nvSpPr>
+        <p:spPr>
+          <a:xfrm>
+            <a:off x="6848381" y="2238170"/>
+            <a:ext cx="4018601" cy="646331"/>
+          </a:xfrm>
+          <a:prstGeom prst="rect">
+            <a:avLst/>
+          </a:prstGeom>
+          <a:noFill/>
+        </p:spPr>
+        <p:txBody>
+          <a:bodyPr wrap="none" rtlCol="0">
+            <a:spAutoFit/>
+          </a:bodyPr>
+          <a:lstStyle/>
+          <a:p>
+            <a:pPr marL="285750" indent="-285750">
+              <a:buFont typeface="Arial" panose="020B0604020202020204" pitchFamily="34" charset="0"/>
+              <a:buChar char="•"/>
+            </a:pPr>
+            <a:r>
+              <a:rPr lang="en-GB" dirty="0"/>
+              <a:t>High-Level Control</a:t>
+            </a:r>
+          </a:p>
+          <a:p>
+            <a:pPr marL="285750" indent="-285750">
+              <a:buFont typeface="Arial" panose="020B0604020202020204" pitchFamily="34" charset="0"/>
+              <a:buChar char="•"/>
+            </a:pPr>
+            <a:r>
+              <a:rPr lang="en-GB" dirty="0"/>
+              <a:t>Task Encoding (Trajectory Generation)</a:t>
+            </a:r>
+          </a:p>
+        </p:txBody>
+      </p:sp>
+      <p:sp>
+        <p:nvSpPr>
+          <p:cNvPr id="3" name="TextBox 2">
+            <a:extLst>
+              <a:ext uri="{FF2B5EF4-FFF2-40B4-BE49-F238E27FC236}">
+                <a16:creationId xmlns:a16="http://schemas.microsoft.com/office/drawing/2014/main" id="{B86C52F3-E9A7-428F-A635-5765B3D122E5}"/>
+              </a:ext>
+            </a:extLst>
+          </p:cNvPr>
+          <p:cNvSpPr txBox="1"/>
+          <p:nvPr/>
+        </p:nvSpPr>
+        <p:spPr>
+          <a:xfrm>
+            <a:off x="3308105" y="8337192"/>
+            <a:ext cx="2155847" cy="646331"/>
+          </a:xfrm>
+          <a:prstGeom prst="rect">
+            <a:avLst/>
+          </a:prstGeom>
+          <a:noFill/>
+        </p:spPr>
+        <p:txBody>
+          <a:bodyPr wrap="none" rtlCol="0">
+            <a:spAutoFit/>
+          </a:bodyPr>
+          <a:lstStyle/>
+          <a:p>
+            <a:pPr marL="285750" indent="-285750">
+              <a:buFont typeface="Arial" panose="020B0604020202020204" pitchFamily="34" charset="0"/>
+              <a:buChar char="•"/>
+            </a:pPr>
+            <a:r>
+              <a:rPr lang="en-GB" dirty="0"/>
+              <a:t>Low-Level Control</a:t>
+            </a:r>
+          </a:p>
+          <a:p>
+            <a:endParaRPr lang="en-GB" dirty="0"/>
+          </a:p>
+        </p:txBody>
+      </p:sp>
     </p:spTree>
     <p:extLst>
       <p:ext uri="{BB962C8B-B14F-4D97-AF65-F5344CB8AC3E}">
